--- a/ai/9.2.pptx
+++ b/ai/9.2.pptx
@@ -225,7 +225,7 @@
   </p:defaultTextStyle>
   <p:extLst>
     <p:ext uri="{EFAFB233-063F-42B5-8137-9DF3F51BA10A}">
-      <p15:sldGuideLst xmlns="" xmlns:p15="http://schemas.microsoft.com/office/powerpoint/2012/main">
+      <p15:sldGuideLst xmlns:p15="http://schemas.microsoft.com/office/powerpoint/2012/main">
         <p15:guide id="1" orient="horz" pos="2880">
           <p15:clr>
             <a:srgbClr val="A4A3A4"/>
@@ -1768,7 +1768,7 @@
           </a:lstStyle>
           <a:p>
             <a:r>
-              <a:rPr lang="en-US" smtClean="0"/>
+              <a:rPr lang="en-US"/>
               <a:t>Click to edit Master title style</a:t>
             </a:r>
             <a:endParaRPr lang="en-US" dirty="0"/>
@@ -1869,7 +1869,7 @@
           </a:lstStyle>
           <a:p>
             <a:r>
-              <a:rPr lang="en-US" smtClean="0"/>
+              <a:rPr lang="en-US"/>
               <a:t>Click to edit Master title style</a:t>
             </a:r>
             <a:endParaRPr lang="en-US" dirty="0"/>
@@ -1944,35 +1944,35 @@
           <a:p>
             <a:pPr lvl="0"/>
             <a:r>
-              <a:rPr lang="en-US" smtClean="0"/>
+              <a:rPr lang="en-US"/>
               <a:t>Click to edit Master text styles</a:t>
             </a:r>
           </a:p>
           <a:p>
             <a:pPr lvl="1"/>
             <a:r>
-              <a:rPr lang="en-US" smtClean="0"/>
+              <a:rPr lang="en-US"/>
               <a:t>Second level</a:t>
             </a:r>
           </a:p>
           <a:p>
             <a:pPr lvl="2"/>
             <a:r>
-              <a:rPr lang="en-US" smtClean="0"/>
+              <a:rPr lang="en-US"/>
               <a:t>Third level</a:t>
             </a:r>
           </a:p>
           <a:p>
             <a:pPr lvl="3"/>
             <a:r>
-              <a:rPr lang="en-US" smtClean="0"/>
+              <a:rPr lang="en-US"/>
               <a:t>Fourth level</a:t>
             </a:r>
           </a:p>
           <a:p>
             <a:pPr lvl="4"/>
             <a:r>
-              <a:rPr lang="en-US" smtClean="0"/>
+              <a:rPr lang="en-US"/>
               <a:t>Fifth level</a:t>
             </a:r>
             <a:endParaRPr lang="en-US" dirty="0"/>
@@ -2042,7 +2042,7 @@
           <a:p>
             <a:pPr lvl="0"/>
             <a:r>
-              <a:rPr lang="en-US" smtClean="0"/>
+              <a:rPr lang="en-US"/>
               <a:t>Click to edit Master text styles</a:t>
             </a:r>
           </a:p>
@@ -2113,7 +2113,7 @@
           </a:lstStyle>
           <a:p>
             <a:r>
-              <a:rPr lang="en-US" smtClean="0"/>
+              <a:rPr lang="en-US"/>
               <a:t>Click to edit Master title style</a:t>
             </a:r>
             <a:endParaRPr lang="en-US" dirty="0"/>
@@ -2178,10 +2178,9 @@
           </a:lstStyle>
           <a:p>
             <a:r>
-              <a:rPr lang="en-US" smtClean="0"/>
+              <a:rPr lang="en-US"/>
               <a:t>Drag picture to placeholder or click icon to add</a:t>
             </a:r>
-            <a:endParaRPr lang="en-US"/>
           </a:p>
         </p:txBody>
       </p:sp>
@@ -2250,7 +2249,7 @@
           <a:p>
             <a:pPr lvl="0"/>
             <a:r>
-              <a:rPr lang="en-US" smtClean="0"/>
+              <a:rPr lang="en-US"/>
               <a:t>Click to edit Master text styles</a:t>
             </a:r>
           </a:p>
@@ -2817,7 +2816,7 @@
           </a:lstStyle>
           <a:p>
             <a:r>
-              <a:rPr lang="en-US" smtClean="0"/>
+              <a:rPr lang="en-US"/>
               <a:t>Click to edit Master title style</a:t>
             </a:r>
             <a:endParaRPr lang="en-US" dirty="0"/>
@@ -2945,7 +2944,7 @@
           </a:lstStyle>
           <a:p>
             <a:r>
-              <a:rPr lang="en-US" smtClean="0"/>
+              <a:rPr lang="en-US"/>
               <a:t>Click to edit Master subtitle style</a:t>
             </a:r>
             <a:endParaRPr lang="en-US" dirty="0"/>
@@ -3024,7 +3023,7 @@
           </a:lstStyle>
           <a:p>
             <a:r>
-              <a:rPr lang="en-US" smtClean="0"/>
+              <a:rPr lang="en-US"/>
               <a:t>Click to edit Master title style</a:t>
             </a:r>
             <a:endParaRPr lang="en-US" dirty="0"/>
@@ -3089,35 +3088,35 @@
           <a:p>
             <a:pPr lvl="0"/>
             <a:r>
-              <a:rPr lang="en-US" smtClean="0"/>
+              <a:rPr lang="en-US"/>
               <a:t>Click to edit Master text styles</a:t>
             </a:r>
           </a:p>
           <a:p>
             <a:pPr lvl="1"/>
             <a:r>
-              <a:rPr lang="en-US" smtClean="0"/>
+              <a:rPr lang="en-US"/>
               <a:t>Second level</a:t>
             </a:r>
           </a:p>
           <a:p>
             <a:pPr lvl="2"/>
             <a:r>
-              <a:rPr lang="en-US" smtClean="0"/>
+              <a:rPr lang="en-US"/>
               <a:t>Third level</a:t>
             </a:r>
           </a:p>
           <a:p>
             <a:pPr lvl="3"/>
             <a:r>
-              <a:rPr lang="en-US" smtClean="0"/>
+              <a:rPr lang="en-US"/>
               <a:t>Fourth level</a:t>
             </a:r>
           </a:p>
           <a:p>
             <a:pPr lvl="4"/>
             <a:r>
-              <a:rPr lang="en-US" smtClean="0"/>
+              <a:rPr lang="en-US"/>
               <a:t>Fifth level</a:t>
             </a:r>
             <a:endParaRPr lang="en-US" dirty="0"/>
@@ -3187,7 +3186,7 @@
           </a:lstStyle>
           <a:p>
             <a:r>
-              <a:rPr lang="en-US" smtClean="0"/>
+              <a:rPr lang="en-US"/>
               <a:t>Click to edit Master title style</a:t>
             </a:r>
             <a:endParaRPr lang="en-US" dirty="0"/>
@@ -3307,7 +3306,7 @@
           <a:p>
             <a:pPr lvl="0"/>
             <a:r>
-              <a:rPr lang="en-US" smtClean="0"/>
+              <a:rPr lang="en-US"/>
               <a:t>Click to edit Master text styles</a:t>
             </a:r>
           </a:p>
@@ -3378,7 +3377,7 @@
           </a:lstStyle>
           <a:p>
             <a:r>
-              <a:rPr lang="en-US" smtClean="0"/>
+              <a:rPr lang="en-US"/>
               <a:t>Click to edit Master title style</a:t>
             </a:r>
             <a:endParaRPr lang="en-US" dirty="0"/>
@@ -3453,35 +3452,35 @@
           <a:p>
             <a:pPr lvl="0"/>
             <a:r>
-              <a:rPr lang="en-US" smtClean="0"/>
+              <a:rPr lang="en-US"/>
               <a:t>Click to edit Master text styles</a:t>
             </a:r>
           </a:p>
           <a:p>
             <a:pPr lvl="1"/>
             <a:r>
-              <a:rPr lang="en-US" smtClean="0"/>
+              <a:rPr lang="en-US"/>
               <a:t>Second level</a:t>
             </a:r>
           </a:p>
           <a:p>
             <a:pPr lvl="2"/>
             <a:r>
-              <a:rPr lang="en-US" smtClean="0"/>
+              <a:rPr lang="en-US"/>
               <a:t>Third level</a:t>
             </a:r>
           </a:p>
           <a:p>
             <a:pPr lvl="3"/>
             <a:r>
-              <a:rPr lang="en-US" smtClean="0"/>
+              <a:rPr lang="en-US"/>
               <a:t>Fourth level</a:t>
             </a:r>
           </a:p>
           <a:p>
             <a:pPr lvl="4"/>
             <a:r>
-              <a:rPr lang="en-US" smtClean="0"/>
+              <a:rPr lang="en-US"/>
               <a:t>Fifth level</a:t>
             </a:r>
             <a:endParaRPr lang="en-US" dirty="0"/>
@@ -3556,35 +3555,35 @@
           <a:p>
             <a:pPr lvl="0"/>
             <a:r>
-              <a:rPr lang="en-US" smtClean="0"/>
+              <a:rPr lang="en-US"/>
               <a:t>Click to edit Master text styles</a:t>
             </a:r>
           </a:p>
           <a:p>
             <a:pPr lvl="1"/>
             <a:r>
-              <a:rPr lang="en-US" smtClean="0"/>
+              <a:rPr lang="en-US"/>
               <a:t>Second level</a:t>
             </a:r>
           </a:p>
           <a:p>
             <a:pPr lvl="2"/>
             <a:r>
-              <a:rPr lang="en-US" smtClean="0"/>
+              <a:rPr lang="en-US"/>
               <a:t>Third level</a:t>
             </a:r>
           </a:p>
           <a:p>
             <a:pPr lvl="3"/>
             <a:r>
-              <a:rPr lang="en-US" smtClean="0"/>
+              <a:rPr lang="en-US"/>
               <a:t>Fourth level</a:t>
             </a:r>
           </a:p>
           <a:p>
             <a:pPr lvl="4"/>
             <a:r>
-              <a:rPr lang="en-US" smtClean="0"/>
+              <a:rPr lang="en-US"/>
               <a:t>Fifth level</a:t>
             </a:r>
             <a:endParaRPr lang="en-US" dirty="0"/>
@@ -3656,7 +3655,7 @@
           </a:lstStyle>
           <a:p>
             <a:r>
-              <a:rPr lang="en-US" smtClean="0"/>
+              <a:rPr lang="en-US"/>
               <a:t>Click to edit Master title style</a:t>
             </a:r>
             <a:endParaRPr lang="en-US" dirty="0"/>
@@ -3731,7 +3730,7 @@
           <a:p>
             <a:pPr lvl="0"/>
             <a:r>
-              <a:rPr lang="en-US" smtClean="0"/>
+              <a:rPr lang="en-US"/>
               <a:t>Click to edit Master text styles</a:t>
             </a:r>
           </a:p>
@@ -3802,35 +3801,35 @@
           <a:p>
             <a:pPr lvl="0"/>
             <a:r>
-              <a:rPr lang="en-US" smtClean="0"/>
+              <a:rPr lang="en-US"/>
               <a:t>Click to edit Master text styles</a:t>
             </a:r>
           </a:p>
           <a:p>
             <a:pPr lvl="1"/>
             <a:r>
-              <a:rPr lang="en-US" smtClean="0"/>
+              <a:rPr lang="en-US"/>
               <a:t>Second level</a:t>
             </a:r>
           </a:p>
           <a:p>
             <a:pPr lvl="2"/>
             <a:r>
-              <a:rPr lang="en-US" smtClean="0"/>
+              <a:rPr lang="en-US"/>
               <a:t>Third level</a:t>
             </a:r>
           </a:p>
           <a:p>
             <a:pPr lvl="3"/>
             <a:r>
-              <a:rPr lang="en-US" smtClean="0"/>
+              <a:rPr lang="en-US"/>
               <a:t>Fourth level</a:t>
             </a:r>
           </a:p>
           <a:p>
             <a:pPr lvl="4"/>
             <a:r>
-              <a:rPr lang="en-US" smtClean="0"/>
+              <a:rPr lang="en-US"/>
               <a:t>Fifth level</a:t>
             </a:r>
             <a:endParaRPr lang="en-US" dirty="0"/>
@@ -3905,7 +3904,7 @@
           <a:p>
             <a:pPr lvl="0"/>
             <a:r>
-              <a:rPr lang="en-US" smtClean="0"/>
+              <a:rPr lang="en-US"/>
               <a:t>Click to edit Master text styles</a:t>
             </a:r>
           </a:p>
@@ -3976,35 +3975,35 @@
           <a:p>
             <a:pPr lvl="0"/>
             <a:r>
-              <a:rPr lang="en-US" smtClean="0"/>
+              <a:rPr lang="en-US"/>
               <a:t>Click to edit Master text styles</a:t>
             </a:r>
           </a:p>
           <a:p>
             <a:pPr lvl="1"/>
             <a:r>
-              <a:rPr lang="en-US" smtClean="0"/>
+              <a:rPr lang="en-US"/>
               <a:t>Second level</a:t>
             </a:r>
           </a:p>
           <a:p>
             <a:pPr lvl="2"/>
             <a:r>
-              <a:rPr lang="en-US" smtClean="0"/>
+              <a:rPr lang="en-US"/>
               <a:t>Third level</a:t>
             </a:r>
           </a:p>
           <a:p>
             <a:pPr lvl="3"/>
             <a:r>
-              <a:rPr lang="en-US" smtClean="0"/>
+              <a:rPr lang="en-US"/>
               <a:t>Fourth level</a:t>
             </a:r>
           </a:p>
           <a:p>
             <a:pPr lvl="4"/>
             <a:r>
-              <a:rPr lang="en-US" smtClean="0"/>
+              <a:rPr lang="en-US"/>
               <a:t>Fifth level</a:t>
             </a:r>
             <a:endParaRPr lang="en-US" dirty="0"/>
@@ -4298,7 +4297,6 @@
           <a:ln>
             <a:noFill/>
           </a:ln>
-          <a:extLst/>
         </p:spPr>
         <p:txBody>
           <a:bodyPr/>
@@ -4422,7 +4420,7 @@
             <a:pPr eaLnBrk="1" hangingPunct="1">
               <a:defRPr/>
             </a:pPr>
-            <a:endParaRPr lang="en-US" altLang="en-US" sz="3600" smtClean="0"/>
+            <a:endParaRPr lang="en-US" altLang="en-US" sz="3600"/>
           </a:p>
         </p:txBody>
       </p:sp>
@@ -4448,7 +4446,6 @@
           <a:ln>
             <a:noFill/>
           </a:ln>
-          <a:extLst/>
         </p:spPr>
         <p:txBody>
           <a:bodyPr/>
@@ -4572,7 +4569,7 @@
             <a:pPr eaLnBrk="1" hangingPunct="1">
               <a:defRPr/>
             </a:pPr>
-            <a:endParaRPr lang="en-US" altLang="en-US" sz="3600" smtClean="0"/>
+            <a:endParaRPr lang="en-US" altLang="en-US" sz="3600"/>
           </a:p>
         </p:txBody>
       </p:sp>
@@ -5086,35 +5083,35 @@
           <a:p>
             <a:pPr lvl="0"/>
             <a:r>
-              <a:rPr lang="en-US" smtClean="0"/>
+              <a:rPr lang="en-US"/>
               <a:t>Click to edit Master text styles</a:t>
             </a:r>
           </a:p>
           <a:p>
             <a:pPr lvl="1"/>
             <a:r>
-              <a:rPr lang="en-US" smtClean="0"/>
+              <a:rPr lang="en-US"/>
               <a:t>Second level</a:t>
             </a:r>
           </a:p>
           <a:p>
             <a:pPr lvl="2"/>
             <a:r>
-              <a:rPr lang="en-US" smtClean="0"/>
+              <a:rPr lang="en-US"/>
               <a:t>Third level</a:t>
             </a:r>
           </a:p>
           <a:p>
             <a:pPr lvl="3"/>
             <a:r>
-              <a:rPr lang="en-US" smtClean="0"/>
+              <a:rPr lang="en-US"/>
               <a:t>Fourth level</a:t>
             </a:r>
           </a:p>
           <a:p>
             <a:pPr lvl="4"/>
             <a:r>
-              <a:rPr lang="en-US" smtClean="0"/>
+              <a:rPr lang="en-US"/>
               <a:t>Fifth level</a:t>
             </a:r>
             <a:endParaRPr lang="en-US" dirty="0"/>
@@ -5174,7 +5171,7 @@
           <a:lstStyle/>
           <a:p>
             <a:r>
-              <a:rPr lang="en-US" sz="2300" dirty="0" smtClean="0">
+              <a:rPr lang="en-US" sz="2300" dirty="0">
                 <a:solidFill>
                   <a:srgbClr val="FFFFFF"/>
                 </a:solidFill>
@@ -5183,13 +5180,6 @@
               </a:rPr>
               <a:t>Dictionaries – Part 2</a:t>
             </a:r>
-            <a:endParaRPr lang="en-US" sz="2300" dirty="0">
-              <a:solidFill>
-                <a:srgbClr val="FFFFFF"/>
-              </a:solidFill>
-              <a:latin typeface="Lucida Grande"/>
-              <a:cs typeface="Lucida Grande"/>
-            </a:endParaRPr>
           </a:p>
         </p:txBody>
       </p:sp>
@@ -5217,7 +5207,7 @@
           <a:p>
             <a:pPr algn="ctr"/>
             <a:r>
-              <a:rPr lang="en-US" sz="1700" b="0" dirty="0" smtClean="0">
+              <a:rPr lang="en-US" sz="1700" b="0" dirty="0">
                 <a:solidFill>
                   <a:schemeClr val="bg1"/>
                 </a:solidFill>
@@ -5227,7 +5217,7 @@
               <a:t>PYTHON</a:t>
             </a:r>
             <a:r>
-              <a:rPr lang="en-US" sz="1700" baseline="0" dirty="0" smtClean="0">
+              <a:rPr lang="en-US" sz="1700" baseline="0" dirty="0">
                 <a:solidFill>
                   <a:schemeClr val="bg1"/>
                 </a:solidFill>
@@ -5240,7 +5230,7 @@
           <a:p>
             <a:pPr algn="ctr"/>
             <a:r>
-              <a:rPr lang="en-US" sz="1700" baseline="0" dirty="0" smtClean="0">
+              <a:rPr lang="en-US" sz="1700" baseline="0" dirty="0">
                 <a:solidFill>
                   <a:schemeClr val="bg1"/>
                 </a:solidFill>
@@ -5278,13 +5268,6 @@
     <p:sldLayoutId id="2147483717" r:id="rId8"/>
     <p:sldLayoutId id="2147483718" r:id="rId9"/>
   </p:sldLayoutIdLst>
-  <p:timing>
-    <p:tnLst>
-      <p:par>
-        <p:cTn xmlns:p14="http://schemas.microsoft.com/office/powerpoint/2010/main" id="1" dur="indefinite" restart="never" nodeType="tmRoot"/>
-      </p:par>
-    </p:tnLst>
-  </p:timing>
   <p:hf sldNum="0" hdr="0" ftr="0" dt="0"/>
   <p:txStyles>
     <p:titleStyle>
@@ -5603,7 +5586,7 @@
               <a:buNone/>
             </a:pPr>
             <a:r>
-              <a:rPr lang="en-US" sz="7600" u="none" strike="noStrike" cap="none" dirty="0">
+              <a:rPr lang="es-MX" sz="7600" u="none" strike="noStrike" cap="none" dirty="0">
                 <a:solidFill>
                   <a:srgbClr val="FFFF00"/>
                 </a:solidFill>
@@ -5612,8 +5595,17 @@
                 <a:cs typeface="Arial" charset="0"/>
                 <a:sym typeface="Cabin"/>
               </a:rPr>
-              <a:t>Most Common Name?</a:t>
-            </a:r>
+              <a:t>¿El Nombre Más Común?</a:t>
+            </a:r>
+            <a:endParaRPr lang="en-US" sz="7600" u="none" strike="noStrike" cap="none" dirty="0">
+              <a:solidFill>
+                <a:srgbClr val="FFFF00"/>
+              </a:solidFill>
+              <a:latin typeface="Arial" charset="0"/>
+              <a:ea typeface="Arial" charset="0"/>
+              <a:cs typeface="Arial" charset="0"/>
+              <a:sym typeface="Cabin"/>
+            </a:endParaRPr>
           </a:p>
         </p:txBody>
       </p:sp>
@@ -5622,13 +5614,6 @@
   <p:clrMapOvr>
     <a:masterClrMapping/>
   </p:clrMapOvr>
-  <p:timing>
-    <p:tnLst>
-      <p:par>
-        <p:cTn xmlns:p14="http://schemas.microsoft.com/office/powerpoint/2010/main" id="1" dur="indefinite" restart="never" nodeType="tmRoot"/>
-      </p:par>
-    </p:tnLst>
-  </p:timing>
 </p:sld>
 </file>
 
@@ -5678,25 +5663,17 @@
           </a:bodyPr>
           <a:lstStyle/>
           <a:p>
-            <a:pPr marL="0" marR="0" lvl="0" indent="0" algn="ctr" rtl="0">
-              <a:lnSpc>
-                <a:spcPct val="100000"/>
-              </a:lnSpc>
-              <a:spcBef>
-                <a:spcPts val="0"/>
-              </a:spcBef>
-              <a:spcAft>
-                <a:spcPts val="0"/>
-              </a:spcAft>
+            <a:pPr lvl="0">
+              <a:spcBef>
+                <a:spcPts val="0"/>
+              </a:spcBef>
               <a:buClr>
                 <a:srgbClr val="00FF00"/>
               </a:buClr>
               <a:buSzPct val="25000"/>
-              <a:buFont typeface="Cabin"/>
-              <a:buNone/>
             </a:pPr>
             <a:r>
-              <a:rPr lang="en-US" sz="7600" u="none" strike="noStrike" cap="none" dirty="0">
+              <a:rPr lang="es-MX" sz="7600" dirty="0">
                 <a:solidFill>
                   <a:srgbClr val="FFFF00"/>
                 </a:solidFill>
@@ -5705,8 +5682,17 @@
                 <a:cs typeface="Arial" charset="0"/>
                 <a:sym typeface="Cabin"/>
               </a:rPr>
-              <a:t>Most Common Name?</a:t>
-            </a:r>
+              <a:t>¿El Nombre Más Común?</a:t>
+            </a:r>
+            <a:endParaRPr lang="en-US" sz="7600" u="none" strike="noStrike" cap="none" dirty="0">
+              <a:solidFill>
+                <a:srgbClr val="FFFF00"/>
+              </a:solidFill>
+              <a:latin typeface="Arial" charset="0"/>
+              <a:ea typeface="Arial" charset="0"/>
+              <a:cs typeface="Arial" charset="0"/>
+              <a:sym typeface="Cabin"/>
+            </a:endParaRPr>
           </a:p>
         </p:txBody>
       </p:sp>
@@ -6501,13 +6487,6 @@
   <p:clrMapOvr>
     <a:masterClrMapping/>
   </p:clrMapOvr>
-  <p:timing>
-    <p:tnLst>
-      <p:par>
-        <p:cTn xmlns:p14="http://schemas.microsoft.com/office/powerpoint/2010/main" id="1" dur="indefinite" restart="never" nodeType="tmRoot"/>
-      </p:par>
-    </p:tnLst>
-  </p:timing>
 </p:sld>
 </file>
 
@@ -6557,25 +6536,17 @@
           </a:bodyPr>
           <a:lstStyle/>
           <a:p>
-            <a:pPr marL="0" marR="0" lvl="0" indent="0" algn="ctr" rtl="0">
-              <a:lnSpc>
-                <a:spcPct val="100000"/>
-              </a:lnSpc>
-              <a:spcBef>
-                <a:spcPts val="0"/>
-              </a:spcBef>
-              <a:spcAft>
-                <a:spcPts val="0"/>
-              </a:spcAft>
+            <a:pPr lvl="0">
+              <a:spcBef>
+                <a:spcPts val="0"/>
+              </a:spcBef>
               <a:buClr>
                 <a:srgbClr val="00FF00"/>
               </a:buClr>
               <a:buSzPct val="25000"/>
-              <a:buFont typeface="Cabin"/>
-              <a:buNone/>
             </a:pPr>
             <a:r>
-              <a:rPr lang="en-US" sz="7600" u="none" strike="noStrike" cap="none" dirty="0">
+              <a:rPr lang="es-MX" sz="7600" dirty="0">
                 <a:solidFill>
                   <a:srgbClr val="FFFF00"/>
                 </a:solidFill>
@@ -6584,8 +6555,17 @@
                 <a:cs typeface="Arial" charset="0"/>
                 <a:sym typeface="Cabin"/>
               </a:rPr>
-              <a:t>Most Common Name?</a:t>
-            </a:r>
+              <a:t>¿El Nombre Más Común?</a:t>
+            </a:r>
+            <a:endParaRPr lang="en-US" sz="7600" u="none" strike="noStrike" cap="none" dirty="0">
+              <a:solidFill>
+                <a:srgbClr val="FFFF00"/>
+              </a:solidFill>
+              <a:latin typeface="Arial" charset="0"/>
+              <a:ea typeface="Arial" charset="0"/>
+              <a:cs typeface="Arial" charset="0"/>
+              <a:sym typeface="Cabin"/>
+            </a:endParaRPr>
           </a:p>
         </p:txBody>
       </p:sp>
@@ -7412,13 +7392,6 @@
   <p:clrMapOvr>
     <a:masterClrMapping/>
   </p:clrMapOvr>
-  <p:timing>
-    <p:tnLst>
-      <p:par>
-        <p:cTn xmlns:p14="http://schemas.microsoft.com/office/powerpoint/2010/main" id="1" dur="indefinite" restart="never" nodeType="tmRoot"/>
-      </p:par>
-    </p:tnLst>
-  </p:timing>
 </p:sld>
 </file>
 
@@ -7450,6 +7423,10 @@
           </p:nvPr>
         </p:nvSpPr>
         <p:spPr>
+          <a:xfrm>
+            <a:off x="0" y="905084"/>
+            <a:ext cx="16256000" cy="1247721"/>
+          </a:xfrm>
           <a:prstGeom prst="rect">
             <a:avLst/>
           </a:prstGeom>
@@ -7482,7 +7459,7 @@
               <a:buNone/>
             </a:pPr>
             <a:r>
-              <a:rPr lang="en-US" sz="7200" u="none" strike="noStrike" cap="none" dirty="0">
+              <a:rPr lang="es-419" sz="6000" u="none" strike="noStrike" cap="none">
                 <a:solidFill>
                   <a:srgbClr val="FFFF00"/>
                 </a:solidFill>
@@ -7491,8 +7468,29 @@
                 <a:cs typeface="Arial" charset="0"/>
                 <a:sym typeface="Cabin"/>
               </a:rPr>
-              <a:t>Many Counters with a Dictionary</a:t>
-            </a:r>
+              <a:t>Múltiples Contadores </a:t>
+            </a:r>
+            <a:r>
+              <a:rPr lang="es-419" sz="6000">
+                <a:solidFill>
+                  <a:srgbClr val="FFFF00"/>
+                </a:solidFill>
+                <a:latin typeface="Arial" charset="0"/>
+                <a:ea typeface="Arial" charset="0"/>
+                <a:cs typeface="Arial" charset="0"/>
+                <a:sym typeface="Cabin"/>
+              </a:rPr>
+              <a:t>con un Diccionario</a:t>
+            </a:r>
+            <a:endParaRPr lang="es-419" sz="6000" u="none" strike="noStrike" cap="none">
+              <a:solidFill>
+                <a:srgbClr val="FFFF00"/>
+              </a:solidFill>
+              <a:latin typeface="Arial" charset="0"/>
+              <a:ea typeface="Arial" charset="0"/>
+              <a:cs typeface="Arial" charset="0"/>
+              <a:sym typeface="Cabin"/>
+            </a:endParaRPr>
           </a:p>
         </p:txBody>
       </p:sp>
@@ -7542,7 +7540,7 @@
               <a:buNone/>
             </a:pPr>
             <a:r>
-              <a:rPr lang="en-US" sz="3600" b="0" u="none" strike="noStrike" cap="none" dirty="0">
+              <a:rPr lang="es-419" sz="3600" b="0" u="none" strike="noStrike" cap="none">
                 <a:solidFill>
                   <a:schemeClr val="lt1"/>
                 </a:solidFill>
@@ -7551,22 +7549,22 @@
                 <a:cs typeface="Arial" charset="0"/>
                 <a:sym typeface="Cabin"/>
               </a:rPr>
-              <a:t>One common use of </a:t>
-            </a:r>
-            <a:r>
-              <a:rPr lang="en-US" sz="3600" b="0" u="none" strike="noStrike" cap="none" dirty="0" smtClean="0">
-                <a:solidFill>
-                  <a:schemeClr val="lt1"/>
+              <a:t>Un uso común de diccionarios es </a:t>
+            </a:r>
+            <a:r>
+              <a:rPr lang="es-419" sz="3600" b="0" u="none" strike="noStrike" cap="none">
+                <a:solidFill>
+                  <a:srgbClr val="FFFF00"/>
                 </a:solidFill>
                 <a:latin typeface="Arial" charset="0"/>
                 <a:ea typeface="Arial" charset="0"/>
                 <a:cs typeface="Arial" charset="0"/>
                 <a:sym typeface="Cabin"/>
               </a:rPr>
-              <a:t>dictionaries </a:t>
-            </a:r>
-            <a:r>
-              <a:rPr lang="en-US" sz="3600" b="0" u="none" strike="noStrike" cap="none" dirty="0">
+              <a:t>contar</a:t>
+            </a:r>
+            <a:r>
+              <a:rPr lang="es-419" sz="3600" b="0" u="none" strike="noStrike" cap="none">
                 <a:solidFill>
                   <a:schemeClr val="lt1"/>
                 </a:solidFill>
@@ -7575,22 +7573,34 @@
                 <a:cs typeface="Arial" charset="0"/>
                 <a:sym typeface="Cabin"/>
               </a:rPr>
-              <a:t>is </a:t>
-            </a:r>
-            <a:r>
-              <a:rPr lang="en-US" sz="3600" b="0" u="none" strike="noStrike" cap="none" dirty="0">
-                <a:solidFill>
-                  <a:srgbClr val="FFFF00"/>
+              <a:t> </a:t>
+            </a:r>
+            <a:r>
+              <a:rPr lang="es-419" sz="3600" b="0">
+                <a:solidFill>
+                  <a:schemeClr val="lt1"/>
                 </a:solidFill>
                 <a:latin typeface="Arial" charset="0"/>
                 <a:ea typeface="Arial" charset="0"/>
                 <a:cs typeface="Arial" charset="0"/>
                 <a:sym typeface="Cabin"/>
               </a:rPr>
-              <a:t>counting</a:t>
-            </a:r>
-            <a:r>
-              <a:rPr lang="en-US" sz="3600" b="0" u="none" strike="noStrike" cap="none" dirty="0">
+              <a:t>con qué frecuencia </a:t>
+            </a:r>
+            <a:r>
+              <a:rPr lang="es-419" sz="3600" b="0" i="0" u="none" strike="noStrike" cap="none">
+                <a:solidFill>
+                  <a:schemeClr val="lt1"/>
+                </a:solidFill>
+                <a:latin typeface="Arial"/>
+                <a:ea typeface="Arial"/>
+                <a:cs typeface="Arial"/>
+                <a:sym typeface="Arial"/>
+              </a:rPr>
+              <a:t>“vemos”</a:t>
+            </a:r>
+            <a:r>
+              <a:rPr lang="es-419" sz="3600" b="0" u="none" strike="noStrike" cap="none">
                 <a:solidFill>
                   <a:schemeClr val="lt1"/>
                 </a:solidFill>
@@ -7599,55 +7609,7 @@
                 <a:cs typeface="Arial" charset="0"/>
                 <a:sym typeface="Cabin"/>
               </a:rPr>
-              <a:t> how often we </a:t>
-            </a:r>
-            <a:r>
-              <a:rPr lang="en-US" sz="3600" b="0" i="0" u="none" strike="noStrike" cap="none" dirty="0">
-                <a:solidFill>
-                  <a:schemeClr val="lt1"/>
-                </a:solidFill>
-                <a:latin typeface="Arial"/>
-                <a:ea typeface="Arial"/>
-                <a:cs typeface="Arial"/>
-                <a:sym typeface="Arial"/>
-              </a:rPr>
-              <a:t>“</a:t>
-            </a:r>
-            <a:r>
-              <a:rPr lang="en-US" sz="3600" b="0" u="none" strike="noStrike" cap="none" dirty="0">
-                <a:solidFill>
-                  <a:schemeClr val="lt1"/>
-                </a:solidFill>
-                <a:latin typeface="Arial" charset="0"/>
-                <a:ea typeface="Arial" charset="0"/>
-                <a:cs typeface="Arial" charset="0"/>
-                <a:sym typeface="Cabin"/>
-              </a:rPr>
-              <a:t>see</a:t>
-            </a:r>
-            <a:r>
-              <a:rPr lang="en-US" sz="3600" b="0" i="0" u="none" strike="noStrike" cap="none" dirty="0">
-                <a:solidFill>
-                  <a:schemeClr val="lt1"/>
-                </a:solidFill>
-                <a:latin typeface="Arial"/>
-                <a:ea typeface="Arial"/>
-                <a:cs typeface="Arial"/>
-                <a:sym typeface="Arial"/>
-              </a:rPr>
-              <a:t>”</a:t>
-            </a:r>
-            <a:r>
-              <a:rPr lang="en-US" sz="3600" b="0" u="none" strike="noStrike" cap="none" dirty="0">
-                <a:solidFill>
-                  <a:schemeClr val="lt1"/>
-                </a:solidFill>
-                <a:latin typeface="Arial" charset="0"/>
-                <a:ea typeface="Arial" charset="0"/>
-                <a:cs typeface="Arial" charset="0"/>
-                <a:sym typeface="Cabin"/>
-              </a:rPr>
-              <a:t> something</a:t>
+              <a:t> algo</a:t>
             </a:r>
           </a:p>
         </p:txBody>
@@ -7688,7 +7650,7 @@
         <p:spPr>
           <a:xfrm>
             <a:off x="10909263" y="2552964"/>
-            <a:ext cx="798512" cy="622299"/>
+            <a:ext cx="1316140" cy="622299"/>
           </a:xfrm>
           <a:prstGeom prst="rect">
             <a:avLst/>
@@ -7722,7 +7684,7 @@
               <a:buNone/>
             </a:pPr>
             <a:r>
-              <a:rPr lang="en-US" sz="3600" u="none" strike="noStrike" cap="none">
+              <a:rPr lang="es-419" sz="3600" u="none" strike="noStrike" cap="none" dirty="0">
                 <a:solidFill>
                   <a:srgbClr val="FF7F00"/>
                 </a:solidFill>
@@ -7731,7 +7693,7 @@
                 <a:cs typeface="Arial" charset="0"/>
                 <a:sym typeface="Cabin"/>
               </a:rPr>
-              <a:t>Key</a:t>
+              <a:t>Clave</a:t>
             </a:r>
           </a:p>
         </p:txBody>
@@ -7779,7 +7741,7 @@
               <a:buNone/>
             </a:pPr>
             <a:r>
-              <a:rPr lang="en-US" sz="3600" u="none" strike="noStrike" cap="none">
+              <a:rPr lang="es-419" sz="3600" u="none" strike="noStrike" cap="none" dirty="0">
                 <a:solidFill>
                   <a:srgbClr val="FF00FF"/>
                 </a:solidFill>
@@ -7788,7 +7750,7 @@
                 <a:cs typeface="Arial" charset="0"/>
                 <a:sym typeface="Cabin"/>
               </a:rPr>
-              <a:t>Value</a:t>
+              <a:t>Valor</a:t>
             </a:r>
           </a:p>
         </p:txBody>
@@ -7836,7 +7798,7 @@
               <a:buNone/>
             </a:pPr>
             <a:r>
-              <a:rPr lang="en-US" sz="3000" b="1" i="0" u="none" strike="noStrike" cap="none" dirty="0">
+              <a:rPr lang="es-419" sz="3000" b="1" i="0" u="none" strike="noStrike" cap="none">
                 <a:solidFill>
                   <a:schemeClr val="lt1"/>
                 </a:solidFill>
@@ -7848,7 +7810,7 @@
               <a:t>&gt;&gt;&gt; </a:t>
             </a:r>
             <a:r>
-              <a:rPr lang="en-US" sz="3000" b="1" i="0" u="none" strike="noStrike" cap="none" dirty="0">
+              <a:rPr lang="es-419" sz="3000" b="1" i="0" u="none" strike="noStrike" cap="none">
                 <a:solidFill>
                   <a:srgbClr val="00FF00"/>
                 </a:solidFill>
@@ -7860,7 +7822,7 @@
               <a:t>ccc</a:t>
             </a:r>
             <a:r>
-              <a:rPr lang="en-US" sz="3000" b="1" i="0" u="none" strike="noStrike" cap="none" dirty="0">
+              <a:rPr lang="es-419" sz="3000" b="1" i="0" u="none" strike="noStrike" cap="none">
                 <a:solidFill>
                   <a:schemeClr val="lt1"/>
                 </a:solidFill>
@@ -7872,7 +7834,7 @@
               <a:t> = </a:t>
             </a:r>
             <a:r>
-              <a:rPr lang="en-US" sz="3000" b="1" i="0" u="none" strike="noStrike" cap="none" dirty="0" err="1">
+              <a:rPr lang="es-419" sz="3000" b="1" i="0" u="none" strike="noStrike" cap="none">
                 <a:solidFill>
                   <a:srgbClr val="FF00FF"/>
                 </a:solidFill>
@@ -7884,7 +7846,7 @@
               <a:t>dict</a:t>
             </a:r>
             <a:r>
-              <a:rPr lang="en-US" sz="3000" b="1" i="0" u="none" strike="noStrike" cap="none" dirty="0">
+              <a:rPr lang="es-419" sz="3000" b="1" i="0" u="none" strike="noStrike" cap="none">
                 <a:solidFill>
                   <a:schemeClr val="lt1"/>
                 </a:solidFill>
@@ -7915,7 +7877,7 @@
               <a:buNone/>
             </a:pPr>
             <a:r>
-              <a:rPr lang="en-US" sz="3000" b="1" i="0" u="none" strike="noStrike" cap="none" dirty="0">
+              <a:rPr lang="es-419" sz="3000" b="1" i="0" u="none" strike="noStrike" cap="none">
                 <a:solidFill>
                   <a:schemeClr val="lt1"/>
                 </a:solidFill>
@@ -7927,7 +7889,7 @@
               <a:t>&gt;&gt;&gt; </a:t>
             </a:r>
             <a:r>
-              <a:rPr lang="en-US" sz="3000" b="1" i="0" u="none" strike="noStrike" cap="none" dirty="0">
+              <a:rPr lang="es-419" sz="3000" b="1" i="0" u="none" strike="noStrike" cap="none">
                 <a:solidFill>
                   <a:srgbClr val="00FF00"/>
                 </a:solidFill>
@@ -7939,7 +7901,7 @@
               <a:t>ccc</a:t>
             </a:r>
             <a:r>
-              <a:rPr lang="en-US" sz="3000" b="1" i="0" u="none" strike="noStrike" cap="none" dirty="0">
+              <a:rPr lang="es-419" sz="3000" b="1" i="0" u="none" strike="noStrike" cap="none">
                 <a:solidFill>
                   <a:schemeClr val="lt1"/>
                 </a:solidFill>
@@ -7951,7 +7913,7 @@
               <a:t>['</a:t>
             </a:r>
             <a:r>
-              <a:rPr lang="en-US" sz="3000" b="1" i="0" u="none" strike="noStrike" cap="none" dirty="0" err="1">
+              <a:rPr lang="es-419" sz="3000" b="1" i="0" u="none" strike="noStrike" cap="none">
                 <a:solidFill>
                   <a:srgbClr val="FF7F00"/>
                 </a:solidFill>
@@ -7963,7 +7925,7 @@
               <a:t>csev</a:t>
             </a:r>
             <a:r>
-              <a:rPr lang="en-US" sz="3000" b="1" i="0" u="none" strike="noStrike" cap="none" dirty="0">
+              <a:rPr lang="es-419" sz="3000" b="1" i="0" u="none" strike="noStrike" cap="none">
                 <a:solidFill>
                   <a:schemeClr val="lt1"/>
                 </a:solidFill>
@@ -7975,7 +7937,7 @@
               <a:t>'] = </a:t>
             </a:r>
             <a:r>
-              <a:rPr lang="en-US" sz="3000" b="1" i="0" u="none" strike="noStrike" cap="none" dirty="0">
+              <a:rPr lang="es-419" sz="3000" b="1" i="0" u="none" strike="noStrike" cap="none">
                 <a:solidFill>
                   <a:srgbClr val="FF00FF"/>
                 </a:solidFill>
@@ -8006,7 +7968,7 @@
               <a:buNone/>
             </a:pPr>
             <a:r>
-              <a:rPr lang="en-US" sz="3000" b="1" i="0" u="none" strike="noStrike" cap="none" dirty="0">
+              <a:rPr lang="es-419" sz="3000" b="1" i="0" u="none" strike="noStrike" cap="none">
                 <a:solidFill>
                   <a:schemeClr val="lt1"/>
                 </a:solidFill>
@@ -8018,7 +7980,7 @@
               <a:t>&gt;&gt;&gt; </a:t>
             </a:r>
             <a:r>
-              <a:rPr lang="en-US" sz="3000" b="1" i="0" u="none" strike="noStrike" cap="none" dirty="0">
+              <a:rPr lang="es-419" sz="3000" b="1" i="0" u="none" strike="noStrike" cap="none">
                 <a:solidFill>
                   <a:srgbClr val="00FF00"/>
                 </a:solidFill>
@@ -8030,7 +7992,7 @@
               <a:t>ccc</a:t>
             </a:r>
             <a:r>
-              <a:rPr lang="en-US" sz="3000" b="1" i="0" u="none" strike="noStrike" cap="none" dirty="0">
+              <a:rPr lang="es-419" sz="3000" b="1" i="0" u="none" strike="noStrike" cap="none">
                 <a:solidFill>
                   <a:schemeClr val="lt1"/>
                 </a:solidFill>
@@ -8042,7 +8004,7 @@
               <a:t>['</a:t>
             </a:r>
             <a:r>
-              <a:rPr lang="en-US" sz="3000" b="1" i="0" u="none" strike="noStrike" cap="none" dirty="0" err="1">
+              <a:rPr lang="es-419" sz="3000" b="1" i="0" u="none" strike="noStrike" cap="none">
                 <a:solidFill>
                   <a:srgbClr val="FF7F00"/>
                 </a:solidFill>
@@ -8054,7 +8016,7 @@
               <a:t>cwen</a:t>
             </a:r>
             <a:r>
-              <a:rPr lang="en-US" sz="3000" b="1" i="0" u="none" strike="noStrike" cap="none" dirty="0">
+              <a:rPr lang="es-419" sz="3000" b="1" i="0" u="none" strike="noStrike" cap="none">
                 <a:solidFill>
                   <a:schemeClr val="lt1"/>
                 </a:solidFill>
@@ -8066,7 +8028,7 @@
               <a:t>'] = </a:t>
             </a:r>
             <a:r>
-              <a:rPr lang="en-US" sz="3000" b="1" i="0" u="none" strike="noStrike" cap="none" dirty="0">
+              <a:rPr lang="es-419" sz="3000" b="1" i="0" u="none" strike="noStrike" cap="none">
                 <a:solidFill>
                   <a:srgbClr val="FF00FF"/>
                 </a:solidFill>
@@ -8097,7 +8059,7 @@
               <a:buNone/>
             </a:pPr>
             <a:r>
-              <a:rPr lang="en-US" sz="3000" b="1" i="0" u="none" strike="noStrike" cap="none" dirty="0">
+              <a:rPr lang="es-419" sz="3000" b="1" i="0" u="none" strike="noStrike" cap="none">
                 <a:solidFill>
                   <a:schemeClr val="lt1"/>
                 </a:solidFill>
@@ -8109,7 +8071,7 @@
               <a:t>&gt;&gt;&gt; </a:t>
             </a:r>
             <a:r>
-              <a:rPr lang="en-US" sz="3000" b="1" i="0" u="none" strike="noStrike" cap="none" dirty="0" smtClean="0">
+              <a:rPr lang="es-419" sz="3000" b="1" i="0" u="none" strike="noStrike" cap="none">
                 <a:solidFill>
                   <a:srgbClr val="FFFF00"/>
                 </a:solidFill>
@@ -8121,7 +8083,7 @@
               <a:t>print(</a:t>
             </a:r>
             <a:r>
-              <a:rPr lang="en-US" sz="3000" b="1" i="0" u="none" strike="noStrike" cap="none" dirty="0" smtClean="0">
+              <a:rPr lang="es-419" sz="3000" b="1" i="0" u="none" strike="noStrike" cap="none">
                 <a:solidFill>
                   <a:srgbClr val="00FF00"/>
                 </a:solidFill>
@@ -8133,7 +8095,7 @@
               <a:t>ccc</a:t>
             </a:r>
             <a:r>
-              <a:rPr lang="en-US" sz="3000" b="1" i="0" u="none" strike="noStrike" cap="none" dirty="0" smtClean="0">
+              <a:rPr lang="es-419" sz="3000" b="1" i="0" u="none" strike="noStrike" cap="none">
                 <a:solidFill>
                   <a:srgbClr val="FFFF00"/>
                 </a:solidFill>
@@ -8144,15 +8106,6 @@
               </a:rPr>
               <a:t>)</a:t>
             </a:r>
-            <a:endParaRPr lang="en-US" sz="3000" b="1" i="0" u="none" strike="noStrike" cap="none" dirty="0">
-              <a:solidFill>
-                <a:srgbClr val="FFFF00"/>
-              </a:solidFill>
-              <a:latin typeface="Courier New"/>
-              <a:ea typeface="Courier New"/>
-              <a:cs typeface="Courier New"/>
-              <a:sym typeface="Courier New"/>
-            </a:endParaRPr>
           </a:p>
           <a:p>
             <a:pPr marL="0" marR="0" lvl="0" indent="0" algn="l" rtl="0">
@@ -8173,7 +8126,7 @@
               <a:buNone/>
             </a:pPr>
             <a:r>
-              <a:rPr lang="en-US" sz="3000" b="1" i="0" u="none" strike="noStrike" cap="none" dirty="0">
+              <a:rPr lang="es-419" sz="3000" b="1" i="0" u="none" strike="noStrike" cap="none">
                 <a:solidFill>
                   <a:schemeClr val="lt1"/>
                 </a:solidFill>
@@ -8185,7 +8138,7 @@
               <a:t>{'</a:t>
             </a:r>
             <a:r>
-              <a:rPr lang="en-US" sz="3000" b="1" i="0" u="none" strike="noStrike" cap="none" dirty="0" err="1">
+              <a:rPr lang="es-419" sz="3000" b="1" i="0" u="none" strike="noStrike" cap="none">
                 <a:solidFill>
                   <a:srgbClr val="FF7F00"/>
                 </a:solidFill>
@@ -8197,7 +8150,7 @@
               <a:t>csev</a:t>
             </a:r>
             <a:r>
-              <a:rPr lang="en-US" sz="3000" b="1" i="0" u="none" strike="noStrike" cap="none" dirty="0">
+              <a:rPr lang="es-419" sz="3000" b="1" i="0" u="none" strike="noStrike" cap="none">
                 <a:solidFill>
                   <a:schemeClr val="lt1"/>
                 </a:solidFill>
@@ -8209,7 +8162,7 @@
               <a:t>': </a:t>
             </a:r>
             <a:r>
-              <a:rPr lang="en-US" sz="3000" b="1" i="0" u="none" strike="noStrike" cap="none" dirty="0">
+              <a:rPr lang="es-419" sz="3000" b="1" i="0" u="none" strike="noStrike" cap="none">
                 <a:solidFill>
                   <a:srgbClr val="FF00FF"/>
                 </a:solidFill>
@@ -8221,7 +8174,7 @@
               <a:t>1</a:t>
             </a:r>
             <a:r>
-              <a:rPr lang="en-US" sz="3000" b="1" i="0" u="none" strike="noStrike" cap="none" dirty="0">
+              <a:rPr lang="es-419" sz="3000" b="1" i="0" u="none" strike="noStrike" cap="none">
                 <a:solidFill>
                   <a:schemeClr val="lt1"/>
                 </a:solidFill>
@@ -8233,7 +8186,7 @@
               <a:t>, '</a:t>
             </a:r>
             <a:r>
-              <a:rPr lang="en-US" sz="3000" b="1" i="0" u="none" strike="noStrike" cap="none" dirty="0" err="1">
+              <a:rPr lang="es-419" sz="3000" b="1" i="0" u="none" strike="noStrike" cap="none">
                 <a:solidFill>
                   <a:srgbClr val="FF7F00"/>
                 </a:solidFill>
@@ -8245,7 +8198,7 @@
               <a:t>cwen</a:t>
             </a:r>
             <a:r>
-              <a:rPr lang="en-US" sz="3000" b="1" i="0" u="none" strike="noStrike" cap="none" dirty="0">
+              <a:rPr lang="es-419" sz="3000" b="1" i="0" u="none" strike="noStrike" cap="none">
                 <a:solidFill>
                   <a:schemeClr val="lt1"/>
                 </a:solidFill>
@@ -8257,7 +8210,7 @@
               <a:t>': </a:t>
             </a:r>
             <a:r>
-              <a:rPr lang="en-US" sz="3000" b="1" i="0" u="none" strike="noStrike" cap="none" dirty="0">
+              <a:rPr lang="es-419" sz="3000" b="1" i="0" u="none" strike="noStrike" cap="none">
                 <a:solidFill>
                   <a:srgbClr val="FF00FF"/>
                 </a:solidFill>
@@ -8269,7 +8222,7 @@
               <a:t>1</a:t>
             </a:r>
             <a:r>
-              <a:rPr lang="en-US" sz="3000" b="1" i="0" u="none" strike="noStrike" cap="none" dirty="0">
+              <a:rPr lang="es-419" sz="3000" b="1" i="0" u="none" strike="noStrike" cap="none">
                 <a:solidFill>
                   <a:schemeClr val="lt1"/>
                 </a:solidFill>
@@ -8300,7 +8253,7 @@
               <a:buNone/>
             </a:pPr>
             <a:r>
-              <a:rPr lang="en-US" sz="3000" b="1" i="0" u="none" strike="noStrike" cap="none" dirty="0">
+              <a:rPr lang="es-419" sz="3000" b="1" i="0" u="none" strike="noStrike" cap="none">
                 <a:solidFill>
                   <a:schemeClr val="lt1"/>
                 </a:solidFill>
@@ -8312,7 +8265,7 @@
               <a:t>&gt;&gt;&gt; </a:t>
             </a:r>
             <a:r>
-              <a:rPr lang="en-US" sz="3000" b="1" i="0" u="none" strike="noStrike" cap="none" dirty="0">
+              <a:rPr lang="es-419" sz="3000" b="1" i="0" u="none" strike="noStrike" cap="none">
                 <a:solidFill>
                   <a:srgbClr val="00FF00"/>
                 </a:solidFill>
@@ -8324,7 +8277,7 @@
               <a:t>ccc</a:t>
             </a:r>
             <a:r>
-              <a:rPr lang="en-US" sz="3000" b="1" i="0" u="none" strike="noStrike" cap="none" dirty="0">
+              <a:rPr lang="es-419" sz="3000" b="1" i="0" u="none" strike="noStrike" cap="none">
                 <a:solidFill>
                   <a:schemeClr val="lt1"/>
                 </a:solidFill>
@@ -8336,7 +8289,7 @@
               <a:t>['</a:t>
             </a:r>
             <a:r>
-              <a:rPr lang="en-US" sz="3000" b="1" i="0" u="none" strike="noStrike" cap="none" dirty="0" err="1">
+              <a:rPr lang="es-419" sz="3000" b="1" i="0" u="none" strike="noStrike" cap="none">
                 <a:solidFill>
                   <a:srgbClr val="FF7F00"/>
                 </a:solidFill>
@@ -8348,7 +8301,7 @@
               <a:t>cwen</a:t>
             </a:r>
             <a:r>
-              <a:rPr lang="en-US" sz="3000" b="1" i="0" u="none" strike="noStrike" cap="none" dirty="0">
+              <a:rPr lang="es-419" sz="3000" b="1" i="0" u="none" strike="noStrike" cap="none">
                 <a:solidFill>
                   <a:schemeClr val="lt1"/>
                 </a:solidFill>
@@ -8360,7 +8313,7 @@
               <a:t>'] = </a:t>
             </a:r>
             <a:r>
-              <a:rPr lang="en-US" sz="3000" b="1" i="0" u="none" strike="noStrike" cap="none" dirty="0">
+              <a:rPr lang="es-419" sz="3000" b="1" i="0" u="none" strike="noStrike" cap="none">
                 <a:solidFill>
                   <a:srgbClr val="00FF00"/>
                 </a:solidFill>
@@ -8372,7 +8325,7 @@
               <a:t>ccc</a:t>
             </a:r>
             <a:r>
-              <a:rPr lang="en-US" sz="3000" b="1" i="0" u="none" strike="noStrike" cap="none" dirty="0">
+              <a:rPr lang="es-419" sz="3000" b="1" i="0" u="none" strike="noStrike" cap="none">
                 <a:solidFill>
                   <a:schemeClr val="lt1"/>
                 </a:solidFill>
@@ -8384,7 +8337,7 @@
               <a:t>['</a:t>
             </a:r>
             <a:r>
-              <a:rPr lang="en-US" sz="3000" b="1" i="0" u="none" strike="noStrike" cap="none" dirty="0" err="1">
+              <a:rPr lang="es-419" sz="3000" b="1" i="0" u="none" strike="noStrike" cap="none">
                 <a:solidFill>
                   <a:srgbClr val="FF7F00"/>
                 </a:solidFill>
@@ -8396,7 +8349,7 @@
               <a:t>cwen</a:t>
             </a:r>
             <a:r>
-              <a:rPr lang="en-US" sz="3000" b="1" i="0" u="none" strike="noStrike" cap="none" dirty="0">
+              <a:rPr lang="es-419" sz="3000" b="1" i="0" u="none" strike="noStrike" cap="none">
                 <a:solidFill>
                   <a:schemeClr val="lt1"/>
                 </a:solidFill>
@@ -8408,7 +8361,7 @@
               <a:t>'] + </a:t>
             </a:r>
             <a:r>
-              <a:rPr lang="en-US" sz="3000" b="1" i="0" u="none" strike="noStrike" cap="none" dirty="0">
+              <a:rPr lang="es-419" sz="3000" b="1" i="0" u="none" strike="noStrike" cap="none">
                 <a:solidFill>
                   <a:srgbClr val="FF00FF"/>
                 </a:solidFill>
@@ -8428,7 +8381,7 @@
               <a:buSzPct val="25000"/>
             </a:pPr>
             <a:r>
-              <a:rPr lang="en-US" sz="3000" b="1" i="0" u="none" strike="noStrike" cap="none" dirty="0">
+              <a:rPr lang="es-419" sz="3000" b="1" i="0" u="none" strike="noStrike" cap="none">
                 <a:solidFill>
                   <a:schemeClr val="lt1"/>
                 </a:solidFill>
@@ -8440,7 +8393,7 @@
               <a:t>&gt;&gt;&gt; </a:t>
             </a:r>
             <a:r>
-              <a:rPr lang="en-US" sz="3000" b="1" i="0" u="none" strike="noStrike" cap="none" dirty="0" smtClean="0">
+              <a:rPr lang="es-419" sz="3000" b="1" i="0" u="none" strike="noStrike" cap="none">
                 <a:solidFill>
                   <a:srgbClr val="FFFF00"/>
                 </a:solidFill>
@@ -8452,7 +8405,7 @@
               <a:t>print(</a:t>
             </a:r>
             <a:r>
-              <a:rPr lang="en-US" sz="3000" b="1" i="0" u="none" strike="noStrike" cap="none" dirty="0" smtClean="0">
+              <a:rPr lang="es-419" sz="3000" b="1" i="0" u="none" strike="noStrike" cap="none">
                 <a:solidFill>
                   <a:schemeClr val="lt1"/>
                 </a:solidFill>
@@ -8464,7 +8417,7 @@
               <a:t>ccc</a:t>
             </a:r>
             <a:r>
-              <a:rPr lang="en-US" sz="3000" b="1" dirty="0" smtClean="0">
+              <a:rPr lang="es-419" sz="3000" b="1">
                 <a:solidFill>
                   <a:srgbClr val="FFFF00"/>
                 </a:solidFill>
@@ -8475,7 +8428,7 @@
               </a:rPr>
               <a:t>)</a:t>
             </a:r>
-            <a:endParaRPr lang="en-US" sz="3000" b="1" i="0" u="none" strike="noStrike" cap="none" dirty="0">
+            <a:endParaRPr lang="es-419" sz="3000" b="1" i="0" u="none" strike="noStrike" cap="none">
               <a:solidFill>
                 <a:schemeClr val="lt1"/>
               </a:solidFill>
@@ -8504,7 +8457,7 @@
               <a:buNone/>
             </a:pPr>
             <a:r>
-              <a:rPr lang="en-US" sz="3000" b="1" i="0" u="none" strike="noStrike" cap="none" dirty="0">
+              <a:rPr lang="es-419" sz="3000" b="1" i="0" u="none" strike="noStrike" cap="none">
                 <a:solidFill>
                   <a:schemeClr val="lt1"/>
                 </a:solidFill>
@@ -8516,7 +8469,7 @@
               <a:t>{'</a:t>
             </a:r>
             <a:r>
-              <a:rPr lang="en-US" sz="3000" b="1" i="0" u="none" strike="noStrike" cap="none" dirty="0" err="1">
+              <a:rPr lang="es-419" sz="3000" b="1" i="0" u="none" strike="noStrike" cap="none">
                 <a:solidFill>
                   <a:srgbClr val="FF7F00"/>
                 </a:solidFill>
@@ -8528,7 +8481,7 @@
               <a:t>csev</a:t>
             </a:r>
             <a:r>
-              <a:rPr lang="en-US" sz="3000" b="1" i="0" u="none" strike="noStrike" cap="none" dirty="0">
+              <a:rPr lang="es-419" sz="3000" b="1" i="0" u="none" strike="noStrike" cap="none">
                 <a:solidFill>
                   <a:schemeClr val="lt1"/>
                 </a:solidFill>
@@ -8540,7 +8493,7 @@
               <a:t>': </a:t>
             </a:r>
             <a:r>
-              <a:rPr lang="en-US" sz="3000" b="1" i="0" u="none" strike="noStrike" cap="none" dirty="0">
+              <a:rPr lang="es-419" sz="3000" b="1" i="0" u="none" strike="noStrike" cap="none">
                 <a:solidFill>
                   <a:srgbClr val="FF00FF"/>
                 </a:solidFill>
@@ -8552,7 +8505,7 @@
               <a:t>1</a:t>
             </a:r>
             <a:r>
-              <a:rPr lang="en-US" sz="3000" b="1" i="0" u="none" strike="noStrike" cap="none" dirty="0">
+              <a:rPr lang="es-419" sz="3000" b="1" i="0" u="none" strike="noStrike" cap="none">
                 <a:solidFill>
                   <a:schemeClr val="lt1"/>
                 </a:solidFill>
@@ -8564,7 +8517,7 @@
               <a:t>, '</a:t>
             </a:r>
             <a:r>
-              <a:rPr lang="en-US" sz="3000" b="1" i="0" u="none" strike="noStrike" cap="none" dirty="0" err="1">
+              <a:rPr lang="es-419" sz="3000" b="1" i="0" u="none" strike="noStrike" cap="none">
                 <a:solidFill>
                   <a:srgbClr val="FF7F00"/>
                 </a:solidFill>
@@ -8576,7 +8529,7 @@
               <a:t>cwen</a:t>
             </a:r>
             <a:r>
-              <a:rPr lang="en-US" sz="3000" b="1" i="0" u="none" strike="noStrike" cap="none" dirty="0">
+              <a:rPr lang="es-419" sz="3000" b="1" i="0" u="none" strike="noStrike" cap="none">
                 <a:solidFill>
                   <a:schemeClr val="lt1"/>
                 </a:solidFill>
@@ -8588,7 +8541,7 @@
               <a:t>': </a:t>
             </a:r>
             <a:r>
-              <a:rPr lang="en-US" sz="3000" b="1" i="0" u="none" strike="noStrike" cap="none" dirty="0">
+              <a:rPr lang="es-419" sz="3000" b="1" i="0" u="none" strike="noStrike" cap="none">
                 <a:solidFill>
                   <a:srgbClr val="FF00FF"/>
                 </a:solidFill>
@@ -8600,7 +8553,7 @@
               <a:t>2</a:t>
             </a:r>
             <a:r>
-              <a:rPr lang="en-US" sz="3000" b="1" i="0" u="none" strike="noStrike" cap="none" dirty="0">
+              <a:rPr lang="es-419" sz="3000" b="1" i="0" u="none" strike="noStrike" cap="none">
                 <a:solidFill>
                   <a:schemeClr val="lt1"/>
                 </a:solidFill>
@@ -8619,13 +8572,6 @@
   <p:clrMapOvr>
     <a:masterClrMapping/>
   </p:clrMapOvr>
-  <p:timing>
-    <p:tnLst>
-      <p:par>
-        <p:cTn xmlns:p14="http://schemas.microsoft.com/office/powerpoint/2010/main" id="1" dur="indefinite" restart="never" nodeType="tmRoot"/>
-      </p:par>
-    </p:tnLst>
-  </p:timing>
 </p:sld>
 </file>
 
@@ -8689,7 +8635,7 @@
               <a:buNone/>
             </a:pPr>
             <a:r>
-              <a:rPr lang="en-US" sz="7600" u="none" strike="noStrike" cap="none" dirty="0">
+              <a:rPr lang="es-419" sz="7600" u="none" strike="noStrike" cap="none" dirty="0">
                 <a:solidFill>
                   <a:srgbClr val="FFFF00"/>
                 </a:solidFill>
@@ -8698,29 +8644,8 @@
                 <a:cs typeface="Arial" charset="0"/>
                 <a:sym typeface="Cabin"/>
               </a:rPr>
-              <a:t>Dictionary </a:t>
-            </a:r>
-            <a:r>
-              <a:rPr lang="en-US" sz="7600" u="none" strike="noStrike" cap="none" dirty="0" err="1">
-                <a:solidFill>
-                  <a:srgbClr val="FFFF00"/>
-                </a:solidFill>
-                <a:latin typeface="Arial" charset="0"/>
-                <a:ea typeface="Arial" charset="0"/>
-                <a:cs typeface="Arial" charset="0"/>
-                <a:sym typeface="Cabin"/>
-              </a:rPr>
-              <a:t>Tracebacks</a:t>
-            </a:r>
-            <a:endParaRPr lang="en-US" sz="7600" u="none" strike="noStrike" cap="none" dirty="0">
-              <a:solidFill>
-                <a:srgbClr val="FFFF00"/>
-              </a:solidFill>
-              <a:latin typeface="Arial" charset="0"/>
-              <a:ea typeface="Arial" charset="0"/>
-              <a:cs typeface="Arial" charset="0"/>
-              <a:sym typeface="Cabin"/>
-            </a:endParaRPr>
+              <a:t>Errores de Diccionarios</a:t>
+            </a:r>
           </a:p>
         </p:txBody>
       </p:sp>
@@ -8736,8 +8661,8 @@
         </p:nvSpPr>
         <p:spPr>
           <a:xfrm>
-            <a:off x="632178" y="2181347"/>
-            <a:ext cx="13931900" cy="2183450"/>
+            <a:off x="87682" y="2181347"/>
+            <a:ext cx="15536140" cy="2183450"/>
           </a:xfrm>
           <a:prstGeom prst="rect">
             <a:avLst/>
@@ -8771,7 +8696,7 @@
               <a:buChar char="•"/>
             </a:pPr>
             <a:r>
-              <a:rPr lang="en-US" sz="3600" b="0" u="none" strike="noStrike" cap="none" dirty="0">
+              <a:rPr lang="es-419" sz="3600" b="0" u="none" strike="noStrike" cap="none" dirty="0">
                 <a:solidFill>
                   <a:schemeClr val="lt1"/>
                 </a:solidFill>
@@ -8780,10 +8705,10 @@
                 <a:cs typeface="Arial" charset="0"/>
                 <a:sym typeface="Cabin"/>
               </a:rPr>
-              <a:t>It is an </a:t>
-            </a:r>
-            <a:r>
-              <a:rPr lang="en-US" sz="3600" b="0" u="none" strike="noStrike" cap="none" dirty="0">
+              <a:t>Es un </a:t>
+            </a:r>
+            <a:r>
+              <a:rPr lang="es-419" sz="3600" b="0" u="none" strike="noStrike" cap="none" dirty="0">
                 <a:solidFill>
                   <a:srgbClr val="FF66FF"/>
                 </a:solidFill>
@@ -8795,7 +8720,7 @@
               <a:t>error</a:t>
             </a:r>
             <a:r>
-              <a:rPr lang="en-US" sz="3600" b="0" u="none" strike="noStrike" cap="none" dirty="0">
+              <a:rPr lang="es-419" sz="3600" b="0" u="none" strike="noStrike" cap="none" dirty="0">
                 <a:solidFill>
                   <a:schemeClr val="lt1"/>
                 </a:solidFill>
@@ -8804,7 +8729,7 @@
                 <a:cs typeface="Arial" charset="0"/>
                 <a:sym typeface="Cabin"/>
               </a:rPr>
-              <a:t> to reference a key which is not in the dictionary</a:t>
+              <a:t> hacer referencia a una clave que no existe en un diccionario</a:t>
             </a:r>
           </a:p>
           <a:p>
@@ -8826,7 +8751,7 @@
               <a:buChar char="•"/>
             </a:pPr>
             <a:r>
-              <a:rPr lang="en-US" sz="3600" b="0" u="none" strike="noStrike" cap="none" dirty="0">
+              <a:rPr lang="es-419" sz="3600" b="0" u="none" strike="noStrike" cap="none" dirty="0">
                 <a:solidFill>
                   <a:schemeClr val="lt1"/>
                 </a:solidFill>
@@ -8835,10 +8760,10 @@
                 <a:cs typeface="Arial" charset="0"/>
                 <a:sym typeface="Cabin"/>
               </a:rPr>
-              <a:t>We can use the </a:t>
-            </a:r>
-            <a:r>
-              <a:rPr lang="en-US" sz="3600" b="0" u="none" strike="noStrike" cap="none" dirty="0">
+              <a:t>Podemos usar el operador </a:t>
+            </a:r>
+            <a:r>
+              <a:rPr lang="es-419" sz="3600" b="0" u="none" strike="noStrike" cap="none" dirty="0">
                 <a:solidFill>
                   <a:srgbClr val="00FF00"/>
                 </a:solidFill>
@@ -8850,7 +8775,7 @@
               <a:t>in</a:t>
             </a:r>
             <a:r>
-              <a:rPr lang="en-US" sz="3600" b="0" u="none" strike="noStrike" cap="none" dirty="0">
+              <a:rPr lang="es-419" sz="3600" b="0" u="none" strike="noStrike" cap="none" dirty="0">
                 <a:solidFill>
                   <a:schemeClr val="lt1"/>
                 </a:solidFill>
@@ -8859,7 +8784,7 @@
                 <a:cs typeface="Arial" charset="0"/>
                 <a:sym typeface="Cabin"/>
               </a:rPr>
-              <a:t> operator to see if a key is in the dictionary</a:t>
+              <a:t> para comprobar si una clave se encuentra en un diccionario</a:t>
             </a:r>
           </a:p>
         </p:txBody>
@@ -8907,7 +8832,7 @@
               <a:buNone/>
             </a:pPr>
             <a:r>
-              <a:rPr lang="en-US" sz="3000" b="1" i="0" u="none" strike="noStrike" cap="none" dirty="0">
+              <a:rPr lang="es-419" sz="3000" b="1" i="0" u="none" strike="noStrike" cap="none">
                 <a:solidFill>
                   <a:schemeClr val="lt1"/>
                 </a:solidFill>
@@ -8919,7 +8844,7 @@
               <a:t>&gt;&gt;&gt; ccc = </a:t>
             </a:r>
             <a:r>
-              <a:rPr lang="en-US" sz="3000" b="1" i="0" u="none" strike="noStrike" cap="none" dirty="0" err="1">
+              <a:rPr lang="es-419" sz="3000" b="1" i="0" u="none" strike="noStrike" cap="none">
                 <a:solidFill>
                   <a:srgbClr val="00FFFF"/>
                 </a:solidFill>
@@ -8928,19 +8853,7 @@
                 <a:cs typeface="Courier New"/>
                 <a:sym typeface="Courier New"/>
               </a:rPr>
-              <a:t>dict</a:t>
-            </a:r>
-            <a:r>
-              <a:rPr lang="en-US" sz="3000" b="1" i="0" u="none" strike="noStrike" cap="none" dirty="0">
-                <a:solidFill>
-                  <a:srgbClr val="00FFFF"/>
-                </a:solidFill>
-                <a:latin typeface="Courier New"/>
-                <a:ea typeface="Courier New"/>
-                <a:cs typeface="Courier New"/>
-                <a:sym typeface="Courier New"/>
-              </a:rPr>
-              <a:t>()</a:t>
+              <a:t>dict()</a:t>
             </a:r>
           </a:p>
           <a:p>
@@ -8951,7 +8864,7 @@
               <a:buSzPct val="25000"/>
             </a:pPr>
             <a:r>
-              <a:rPr lang="en-US" sz="3000" b="1" i="0" u="none" strike="noStrike" cap="none" dirty="0">
+              <a:rPr lang="es-419" sz="3000" b="1" i="0" u="none" strike="noStrike" cap="none">
                 <a:solidFill>
                   <a:schemeClr val="lt1"/>
                 </a:solidFill>
@@ -8963,7 +8876,7 @@
               <a:t>&gt;&gt;&gt;</a:t>
             </a:r>
             <a:r>
-              <a:rPr lang="en-US" sz="3000" b="1" i="0" u="none" strike="noStrike" cap="none" dirty="0">
+              <a:rPr lang="es-419" sz="3000" b="1" i="0" u="none" strike="noStrike" cap="none">
                 <a:solidFill>
                   <a:srgbClr val="FF0000"/>
                 </a:solidFill>
@@ -8975,7 +8888,7 @@
               <a:t> </a:t>
             </a:r>
             <a:r>
-              <a:rPr lang="en-US" sz="3000" b="1" i="0" u="none" strike="noStrike" cap="none" dirty="0" smtClean="0">
+              <a:rPr lang="es-419" sz="3000" b="1" i="0" u="none" strike="noStrike" cap="none">
                 <a:solidFill>
                   <a:srgbClr val="FFFF00"/>
                 </a:solidFill>
@@ -8987,7 +8900,7 @@
               <a:t>print(</a:t>
             </a:r>
             <a:r>
-              <a:rPr lang="en-US" sz="3000" b="1" i="0" u="none" strike="noStrike" cap="none" dirty="0" smtClean="0">
+              <a:rPr lang="es-419" sz="3000" b="1" i="0" u="none" strike="noStrike" cap="none">
                 <a:solidFill>
                   <a:srgbClr val="FF66FF"/>
                 </a:solidFill>
@@ -8996,46 +8909,10 @@
                 <a:cs typeface="Courier New"/>
                 <a:sym typeface="Courier New"/>
               </a:rPr>
-              <a:t>ccc</a:t>
-            </a:r>
-            <a:r>
-              <a:rPr lang="en-US" sz="3000" b="1" i="0" u="none" strike="noStrike" cap="none" dirty="0">
-                <a:solidFill>
-                  <a:srgbClr val="FF66FF"/>
-                </a:solidFill>
-                <a:latin typeface="Courier New"/>
-                <a:ea typeface="Courier New"/>
-                <a:cs typeface="Courier New"/>
-                <a:sym typeface="Courier New"/>
-              </a:rPr>
-              <a:t>['</a:t>
-            </a:r>
-            <a:r>
-              <a:rPr lang="en-US" sz="3000" b="1" i="0" u="none" strike="noStrike" cap="none" dirty="0" err="1">
-                <a:solidFill>
-                  <a:srgbClr val="FF66FF"/>
-                </a:solidFill>
-                <a:latin typeface="Courier New"/>
-                <a:ea typeface="Courier New"/>
-                <a:cs typeface="Courier New"/>
-                <a:sym typeface="Courier New"/>
-              </a:rPr>
-              <a:t>csev</a:t>
-            </a:r>
-            <a:r>
-              <a:rPr lang="en-US" sz="3000" b="1" i="0" u="none" strike="noStrike" cap="none" dirty="0" smtClean="0">
-                <a:solidFill>
-                  <a:srgbClr val="FF66FF"/>
-                </a:solidFill>
-                <a:latin typeface="Courier New"/>
-                <a:ea typeface="Courier New"/>
-                <a:cs typeface="Courier New"/>
-                <a:sym typeface="Courier New"/>
-              </a:rPr>
-              <a:t>']</a:t>
-            </a:r>
-            <a:r>
-              <a:rPr lang="en-US" sz="3000" b="1" dirty="0" smtClean="0">
+              <a:t>ccc['csev']</a:t>
+            </a:r>
+            <a:r>
+              <a:rPr lang="es-419" sz="3000" b="1">
                 <a:solidFill>
                   <a:srgbClr val="FFFF00"/>
                 </a:solidFill>
@@ -9046,7 +8923,7 @@
               </a:rPr>
               <a:t>)</a:t>
             </a:r>
-            <a:endParaRPr lang="en-US" sz="3000" b="1" i="0" u="none" strike="noStrike" cap="none" dirty="0">
+            <a:endParaRPr lang="es-419" sz="3000" b="1" i="0" u="none" strike="noStrike" cap="none">
               <a:solidFill>
                 <a:srgbClr val="FF66FF"/>
               </a:solidFill>
@@ -9075,7 +8952,7 @@
               <a:buNone/>
             </a:pPr>
             <a:r>
-              <a:rPr lang="en-US" sz="3000" b="1" i="0" u="none" strike="noStrike" cap="none" dirty="0" err="1">
+              <a:rPr lang="es-419" sz="3000" b="1" i="0" u="none" strike="noStrike" cap="none">
                 <a:solidFill>
                   <a:schemeClr val="lt1"/>
                 </a:solidFill>
@@ -9084,19 +8961,7 @@
                 <a:cs typeface="Courier New"/>
                 <a:sym typeface="Courier New"/>
               </a:rPr>
-              <a:t>Traceback</a:t>
-            </a:r>
-            <a:r>
-              <a:rPr lang="en-US" sz="3000" b="1" i="0" u="none" strike="noStrike" cap="none" dirty="0">
-                <a:solidFill>
-                  <a:schemeClr val="lt1"/>
-                </a:solidFill>
-                <a:latin typeface="Courier New"/>
-                <a:ea typeface="Courier New"/>
-                <a:cs typeface="Courier New"/>
-                <a:sym typeface="Courier New"/>
-              </a:rPr>
-              <a:t> (most recent call last):</a:t>
+              <a:t>Traceback (most recent call last):</a:t>
             </a:r>
           </a:p>
           <a:p>
@@ -9118,7 +8983,7 @@
               <a:buNone/>
             </a:pPr>
             <a:r>
-              <a:rPr lang="en-US" sz="3000" b="1" i="0" u="none" strike="noStrike" cap="none" dirty="0">
+              <a:rPr lang="es-419" sz="3000" b="1" i="0" u="none" strike="noStrike" cap="none">
                 <a:solidFill>
                   <a:schemeClr val="lt1"/>
                 </a:solidFill>
@@ -9127,31 +8992,7 @@
                 <a:cs typeface="Courier New"/>
                 <a:sym typeface="Courier New"/>
               </a:rPr>
-              <a:t>  File "&lt;</a:t>
-            </a:r>
-            <a:r>
-              <a:rPr lang="en-US" sz="3000" b="1" i="0" u="none" strike="noStrike" cap="none" dirty="0" err="1">
-                <a:solidFill>
-                  <a:schemeClr val="lt1"/>
-                </a:solidFill>
-                <a:latin typeface="Courier New"/>
-                <a:ea typeface="Courier New"/>
-                <a:cs typeface="Courier New"/>
-                <a:sym typeface="Courier New"/>
-              </a:rPr>
-              <a:t>stdin</a:t>
-            </a:r>
-            <a:r>
-              <a:rPr lang="en-US" sz="3000" b="1" i="0" u="none" strike="noStrike" cap="none" dirty="0">
-                <a:solidFill>
-                  <a:schemeClr val="lt1"/>
-                </a:solidFill>
-                <a:latin typeface="Courier New"/>
-                <a:ea typeface="Courier New"/>
-                <a:cs typeface="Courier New"/>
-                <a:sym typeface="Courier New"/>
-              </a:rPr>
-              <a:t>&gt;", line 1, in &lt;module&gt;</a:t>
+              <a:t>  File "&lt;stdin&gt;", line 1, in &lt;module&gt;</a:t>
             </a:r>
           </a:p>
           <a:p>
@@ -9173,7 +9014,7 @@
               <a:buNone/>
             </a:pPr>
             <a:r>
-              <a:rPr lang="en-US" sz="3000" b="1" i="0" u="none" strike="noStrike" cap="none" dirty="0" err="1">
+              <a:rPr lang="es-419" sz="3000" b="1" i="0" u="none" strike="noStrike" cap="none">
                 <a:solidFill>
                   <a:srgbClr val="FF66FF"/>
                 </a:solidFill>
@@ -9182,43 +9023,7 @@
                 <a:cs typeface="Courier New"/>
                 <a:sym typeface="Courier New"/>
               </a:rPr>
-              <a:t>KeyError</a:t>
-            </a:r>
-            <a:r>
-              <a:rPr lang="en-US" sz="3000" b="1" i="0" u="none" strike="noStrike" cap="none" dirty="0">
-                <a:solidFill>
-                  <a:srgbClr val="FF66FF"/>
-                </a:solidFill>
-                <a:latin typeface="Courier New"/>
-                <a:ea typeface="Courier New"/>
-                <a:cs typeface="Courier New"/>
-                <a:sym typeface="Courier New"/>
-              </a:rPr>
-              <a:t>: '</a:t>
-            </a:r>
-            <a:r>
-              <a:rPr lang="en-US" sz="3000" b="1" i="0" u="none" strike="noStrike" cap="none" dirty="0" err="1">
-                <a:solidFill>
-                  <a:srgbClr val="FF66FF"/>
-                </a:solidFill>
-                <a:latin typeface="Courier New"/>
-                <a:ea typeface="Courier New"/>
-                <a:cs typeface="Courier New"/>
-                <a:sym typeface="Courier New"/>
-              </a:rPr>
-              <a:t>csev</a:t>
-            </a:r>
-            <a:r>
-              <a:rPr lang="en-US" sz="3000" b="1" i="0" u="none" strike="noStrike" cap="none" dirty="0">
-                <a:solidFill>
-                  <a:srgbClr val="FF66FF"/>
-                </a:solidFill>
-                <a:latin typeface="Courier New"/>
-                <a:ea typeface="Courier New"/>
-                <a:cs typeface="Courier New"/>
-                <a:sym typeface="Courier New"/>
-              </a:rPr>
-              <a:t>'</a:t>
+              <a:t>KeyError: 'csev'</a:t>
             </a:r>
           </a:p>
           <a:p>
@@ -9240,7 +9045,7 @@
               <a:buNone/>
             </a:pPr>
             <a:r>
-              <a:rPr lang="en-US" sz="3000" b="1" i="0" u="none" strike="noStrike" cap="none" dirty="0">
+              <a:rPr lang="es-419" sz="3000" b="1" i="0" u="none" strike="noStrike" cap="none">
                 <a:solidFill>
                   <a:schemeClr val="lt1"/>
                 </a:solidFill>
@@ -9249,46 +9054,10 @@
                 <a:cs typeface="Courier New"/>
                 <a:sym typeface="Courier New"/>
               </a:rPr>
-              <a:t>&gt;&gt;&gt; </a:t>
-            </a:r>
-            <a:r>
-              <a:rPr lang="en-US" sz="3000" b="1" i="0" u="none" strike="noStrike" cap="none" dirty="0" smtClean="0">
-                <a:solidFill>
-                  <a:schemeClr val="lt1"/>
-                </a:solidFill>
-                <a:latin typeface="Courier New"/>
-                <a:ea typeface="Courier New"/>
-                <a:cs typeface="Courier New"/>
-                <a:sym typeface="Courier New"/>
-              </a:rPr>
-              <a:t>'</a:t>
-            </a:r>
-            <a:r>
-              <a:rPr lang="en-US" sz="3000" b="1" i="0" u="none" strike="noStrike" cap="none" dirty="0" err="1" smtClean="0">
-                <a:solidFill>
-                  <a:schemeClr val="lt1"/>
-                </a:solidFill>
-                <a:latin typeface="Courier New"/>
-                <a:ea typeface="Courier New"/>
-                <a:cs typeface="Courier New"/>
-                <a:sym typeface="Courier New"/>
-              </a:rPr>
-              <a:t>csev</a:t>
-            </a:r>
-            <a:r>
-              <a:rPr lang="en-US" sz="3000" b="1" i="0" u="none" strike="noStrike" cap="none" dirty="0">
-                <a:solidFill>
-                  <a:schemeClr val="lt1"/>
-                </a:solidFill>
-                <a:latin typeface="Courier New"/>
-                <a:ea typeface="Courier New"/>
-                <a:cs typeface="Courier New"/>
-                <a:sym typeface="Courier New"/>
-              </a:rPr>
-              <a:t>' </a:t>
-            </a:r>
-            <a:r>
-              <a:rPr lang="en-US" sz="3000" b="1" i="0" u="none" strike="noStrike" cap="none" dirty="0">
+              <a:t>&gt;&gt;&gt; 'csev' </a:t>
+            </a:r>
+            <a:r>
+              <a:rPr lang="es-419" sz="3000" b="1" i="0" u="none" strike="noStrike" cap="none">
                 <a:solidFill>
                   <a:srgbClr val="FFFF00"/>
                 </a:solidFill>
@@ -9300,7 +9069,7 @@
               <a:t>in</a:t>
             </a:r>
             <a:r>
-              <a:rPr lang="en-US" sz="3000" b="1" i="0" u="none" strike="noStrike" cap="none" dirty="0">
+              <a:rPr lang="es-419" sz="3000" b="1" i="0" u="none" strike="noStrike" cap="none">
                 <a:solidFill>
                   <a:schemeClr val="lt1"/>
                 </a:solidFill>
@@ -9331,7 +9100,7 @@
               <a:buNone/>
             </a:pPr>
             <a:r>
-              <a:rPr lang="en-US" sz="3000" b="1" i="0" u="none" strike="noStrike" cap="none" dirty="0">
+              <a:rPr lang="es-419" sz="3000" b="1" i="0" u="none" strike="noStrike" cap="none">
                 <a:solidFill>
                   <a:schemeClr val="lt1"/>
                 </a:solidFill>
@@ -9350,13 +9119,6 @@
   <p:clrMapOvr>
     <a:masterClrMapping/>
   </p:clrMapOvr>
-  <p:timing>
-    <p:tnLst>
-      <p:par>
-        <p:cTn xmlns:p14="http://schemas.microsoft.com/office/powerpoint/2010/main" id="1" dur="indefinite" restart="never" nodeType="tmRoot"/>
-      </p:par>
-    </p:tnLst>
-  </p:timing>
 </p:sld>
 </file>
 
@@ -9388,6 +9150,10 @@
           </p:nvPr>
         </p:nvSpPr>
         <p:spPr>
+          <a:xfrm>
+            <a:off x="0" y="905084"/>
+            <a:ext cx="16256000" cy="1247721"/>
+          </a:xfrm>
           <a:prstGeom prst="rect">
             <a:avLst/>
           </a:prstGeom>
@@ -9420,7 +9186,7 @@
               <a:buNone/>
             </a:pPr>
             <a:r>
-              <a:rPr lang="en-US" sz="7600" u="none" strike="noStrike" cap="none" dirty="0">
+              <a:rPr lang="es-419" sz="6600" dirty="0">
                 <a:solidFill>
                   <a:srgbClr val="FFFF00"/>
                 </a:solidFill>
@@ -9429,117 +9195,9 @@
                 <a:cs typeface="Arial" charset="0"/>
                 <a:sym typeface="Cabin"/>
               </a:rPr>
-              <a:t>When </a:t>
-            </a:r>
-            <a:r>
-              <a:rPr lang="en-US" sz="7600" u="none" strike="noStrike" cap="none" dirty="0" smtClean="0">
-                <a:solidFill>
-                  <a:srgbClr val="FFFF00"/>
-                </a:solidFill>
-                <a:latin typeface="Arial" charset="0"/>
-                <a:ea typeface="Arial" charset="0"/>
-                <a:cs typeface="Arial" charset="0"/>
-                <a:sym typeface="Cabin"/>
-              </a:rPr>
-              <a:t>We </a:t>
-            </a:r>
-            <a:r>
-              <a:rPr lang="en-US" sz="7600" dirty="0">
-                <a:solidFill>
-                  <a:srgbClr val="FFFF00"/>
-                </a:solidFill>
-                <a:latin typeface="Arial" charset="0"/>
-                <a:ea typeface="Arial" charset="0"/>
-                <a:cs typeface="Arial" charset="0"/>
-                <a:sym typeface="Cabin"/>
-              </a:rPr>
-              <a:t>S</a:t>
-            </a:r>
-            <a:r>
-              <a:rPr lang="en-US" sz="7600" u="none" strike="noStrike" cap="none" dirty="0" smtClean="0">
-                <a:solidFill>
-                  <a:srgbClr val="FFFF00"/>
-                </a:solidFill>
-                <a:latin typeface="Arial" charset="0"/>
-                <a:ea typeface="Arial" charset="0"/>
-                <a:cs typeface="Arial" charset="0"/>
-                <a:sym typeface="Cabin"/>
-              </a:rPr>
-              <a:t>ee </a:t>
-            </a:r>
-            <a:r>
-              <a:rPr lang="en-US" sz="7600" dirty="0">
-                <a:solidFill>
-                  <a:srgbClr val="FFFF00"/>
-                </a:solidFill>
-                <a:latin typeface="Arial" charset="0"/>
-                <a:ea typeface="Arial" charset="0"/>
-                <a:cs typeface="Arial" charset="0"/>
-                <a:sym typeface="Cabin"/>
-              </a:rPr>
-              <a:t>a</a:t>
-            </a:r>
-            <a:r>
-              <a:rPr lang="en-US" sz="7600" u="none" strike="noStrike" cap="none" dirty="0" smtClean="0">
-                <a:solidFill>
-                  <a:srgbClr val="FFFF00"/>
-                </a:solidFill>
-                <a:latin typeface="Arial" charset="0"/>
-                <a:ea typeface="Arial" charset="0"/>
-                <a:cs typeface="Arial" charset="0"/>
-                <a:sym typeface="Cabin"/>
-              </a:rPr>
-              <a:t> </a:t>
-            </a:r>
-            <a:r>
-              <a:rPr lang="en-US" sz="7600" dirty="0">
-                <a:solidFill>
-                  <a:srgbClr val="FFFF00"/>
-                </a:solidFill>
-                <a:latin typeface="Arial" charset="0"/>
-                <a:ea typeface="Arial" charset="0"/>
-                <a:cs typeface="Arial" charset="0"/>
-                <a:sym typeface="Cabin"/>
-              </a:rPr>
-              <a:t>N</a:t>
-            </a:r>
-            <a:r>
-              <a:rPr lang="en-US" sz="7600" u="none" strike="noStrike" cap="none" dirty="0" smtClean="0">
-                <a:solidFill>
-                  <a:srgbClr val="FFFF00"/>
-                </a:solidFill>
-                <a:latin typeface="Arial" charset="0"/>
-                <a:ea typeface="Arial" charset="0"/>
-                <a:cs typeface="Arial" charset="0"/>
-                <a:sym typeface="Cabin"/>
-              </a:rPr>
-              <a:t>ew </a:t>
-            </a:r>
-            <a:r>
-              <a:rPr lang="en-US" sz="7600" dirty="0">
-                <a:solidFill>
-                  <a:srgbClr val="FFFF00"/>
-                </a:solidFill>
-                <a:latin typeface="Arial" charset="0"/>
-                <a:ea typeface="Arial" charset="0"/>
-                <a:cs typeface="Arial" charset="0"/>
-                <a:sym typeface="Cabin"/>
-              </a:rPr>
-              <a:t>N</a:t>
-            </a:r>
-            <a:r>
-              <a:rPr lang="en-US" sz="7600" u="none" strike="noStrike" cap="none" dirty="0" smtClean="0">
-                <a:solidFill>
-                  <a:srgbClr val="FFFF00"/>
-                </a:solidFill>
-                <a:latin typeface="Arial" charset="0"/>
-                <a:ea typeface="Arial" charset="0"/>
-                <a:cs typeface="Arial" charset="0"/>
-                <a:sym typeface="Cabin"/>
-              </a:rPr>
-              <a:t>ame</a:t>
-            </a:r>
-            <a:endParaRPr lang="en-US" sz="7600" u="none" strike="noStrike" cap="none" dirty="0">
+              <a:t>Cuando Encontramos un Nuevo Valor</a:t>
+            </a:r>
+            <a:endParaRPr lang="es-419" sz="6600" u="none" strike="noStrike" cap="none" dirty="0">
               <a:solidFill>
                 <a:srgbClr val="FFFF00"/>
               </a:solidFill>
@@ -9580,21 +9238,14 @@
           </a:bodyPr>
           <a:lstStyle/>
           <a:p>
-            <a:pPr marL="0" marR="0" lvl="0" indent="0" algn="l" rtl="0">
-              <a:lnSpc>
-                <a:spcPct val="100000"/>
-              </a:lnSpc>
-              <a:spcBef>
-                <a:spcPts val="0"/>
-              </a:spcBef>
-              <a:spcAft>
-                <a:spcPts val="0"/>
-              </a:spcAft>
+            <a:pPr lvl="0">
+              <a:spcBef>
+                <a:spcPts val="0"/>
+              </a:spcBef>
               <a:buSzPct val="100000"/>
-              <a:buNone/>
             </a:pPr>
             <a:r>
-              <a:rPr lang="en-US" sz="3200" b="0" u="none" strike="noStrike" cap="none" dirty="0">
+              <a:rPr lang="es-419" sz="3200" b="0" u="none" strike="noStrike" cap="none" dirty="0">
                 <a:solidFill>
                   <a:schemeClr val="lt1"/>
                 </a:solidFill>
@@ -9603,22 +9254,22 @@
                 <a:cs typeface="Arial" charset="0"/>
                 <a:sym typeface="Cabin"/>
               </a:rPr>
-              <a:t>When we encounter a new name, we need to add a new entry in the </a:t>
-            </a:r>
-            <a:r>
-              <a:rPr lang="en-US" sz="3200" b="0" u="none" strike="noStrike" cap="none" dirty="0">
-                <a:solidFill>
-                  <a:srgbClr val="FF00FF"/>
+              <a:t>Cuando encontramos un nuevo </a:t>
+            </a:r>
+            <a:r>
+              <a:rPr lang="es-419" sz="3200" b="0" dirty="0">
+                <a:solidFill>
+                  <a:srgbClr val="00FF00"/>
                 </a:solidFill>
                 <a:latin typeface="Arial" charset="0"/>
                 <a:ea typeface="Arial" charset="0"/>
                 <a:cs typeface="Arial" charset="0"/>
                 <a:sym typeface="Cabin"/>
               </a:rPr>
-              <a:t>dictionary</a:t>
-            </a:r>
-            <a:r>
-              <a:rPr lang="en-US" sz="3200" b="0" u="none" strike="noStrike" cap="none" dirty="0">
+              <a:t>nombre</a:t>
+            </a:r>
+            <a:r>
+              <a:rPr lang="es-419" sz="3200" b="0" dirty="0">
                 <a:solidFill>
                   <a:schemeClr val="lt1"/>
                 </a:solidFill>
@@ -9627,22 +9278,22 @@
                 <a:cs typeface="Arial" charset="0"/>
                 <a:sym typeface="Cabin"/>
               </a:rPr>
-              <a:t> and if this the second or later time we have seen the </a:t>
-            </a:r>
-            <a:r>
-              <a:rPr lang="en-US" sz="3200" b="0" u="none" strike="noStrike" cap="none" dirty="0">
-                <a:solidFill>
-                  <a:srgbClr val="00FF00"/>
+              <a:t>, necesitamos agregar una nueva entrada en el </a:t>
+            </a:r>
+            <a:r>
+              <a:rPr lang="es-419" sz="3200" b="0" dirty="0">
+                <a:solidFill>
+                  <a:srgbClr val="FF00FF"/>
                 </a:solidFill>
                 <a:latin typeface="Arial" charset="0"/>
                 <a:ea typeface="Arial" charset="0"/>
                 <a:cs typeface="Arial" charset="0"/>
                 <a:sym typeface="Cabin"/>
               </a:rPr>
-              <a:t>name</a:t>
-            </a:r>
-            <a:r>
-              <a:rPr lang="en-US" sz="3200" b="0" u="none" strike="noStrike" cap="none" dirty="0">
+              <a:t>diccionario</a:t>
+            </a:r>
+            <a:r>
+              <a:rPr lang="es-419" sz="3200" b="0" u="none" strike="noStrike" cap="none" dirty="0">
                 <a:solidFill>
                   <a:schemeClr val="lt1"/>
                 </a:solidFill>
@@ -9651,22 +9302,22 @@
                 <a:cs typeface="Arial" charset="0"/>
                 <a:sym typeface="Cabin"/>
               </a:rPr>
-              <a:t>, we simply add one to the count in the </a:t>
-            </a:r>
-            <a:r>
-              <a:rPr lang="en-US" sz="3200" b="0" u="none" strike="noStrike" cap="none" dirty="0">
-                <a:solidFill>
-                  <a:srgbClr val="FF00FF"/>
+              <a:t> y si es la segunda vez o después encontramos de nuevo el </a:t>
+            </a:r>
+            <a:r>
+              <a:rPr lang="es-419" sz="3200" b="0" u="none" strike="noStrike" cap="none" dirty="0">
+                <a:solidFill>
+                  <a:srgbClr val="00FF00"/>
                 </a:solidFill>
                 <a:latin typeface="Arial" charset="0"/>
                 <a:ea typeface="Arial" charset="0"/>
                 <a:cs typeface="Arial" charset="0"/>
                 <a:sym typeface="Cabin"/>
               </a:rPr>
-              <a:t>dictionary</a:t>
-            </a:r>
-            <a:r>
-              <a:rPr lang="en-US" sz="3200" b="0" u="none" strike="noStrike" cap="none" dirty="0">
+              <a:t>nombre</a:t>
+            </a:r>
+            <a:r>
+              <a:rPr lang="es-419" sz="3200" b="0" u="none" strike="noStrike" cap="none" dirty="0">
                 <a:solidFill>
                   <a:schemeClr val="lt1"/>
                 </a:solidFill>
@@ -9675,19 +9326,43 @@
                 <a:cs typeface="Arial" charset="0"/>
                 <a:sym typeface="Cabin"/>
               </a:rPr>
-              <a:t> under that </a:t>
-            </a:r>
-            <a:r>
-              <a:rPr lang="en-US" sz="3200" b="0" u="none" strike="noStrike" cap="none" dirty="0">
-                <a:solidFill>
-                  <a:srgbClr val="00FF00"/>
+              <a:t>, simplemente sumamos uno al contador en el </a:t>
+            </a:r>
+            <a:r>
+              <a:rPr lang="es-419" sz="3200" b="0" u="none" strike="noStrike" cap="none" dirty="0">
+                <a:solidFill>
+                  <a:srgbClr val="FF00FF"/>
                 </a:solidFill>
                 <a:latin typeface="Arial" charset="0"/>
                 <a:ea typeface="Arial" charset="0"/>
                 <a:cs typeface="Arial" charset="0"/>
                 <a:sym typeface="Cabin"/>
               </a:rPr>
-              <a:t>name</a:t>
+              <a:t>diccionario</a:t>
+            </a:r>
+            <a:r>
+              <a:rPr lang="es-419" sz="3200" b="0" u="none" strike="noStrike" cap="none" dirty="0">
+                <a:solidFill>
+                  <a:schemeClr val="lt1"/>
+                </a:solidFill>
+                <a:latin typeface="Arial" charset="0"/>
+                <a:ea typeface="Arial" charset="0"/>
+                <a:cs typeface="Arial" charset="0"/>
+                <a:sym typeface="Cabin"/>
+              </a:rPr>
+              <a:t> bajo ese </a:t>
+            </a:r>
+            <a:r>
+              <a:rPr lang="es-419" sz="3200" b="0" u="none" strike="noStrike" cap="none" dirty="0">
+                <a:solidFill>
+                  <a:srgbClr val="00FF00"/>
+                </a:solidFill>
+                <a:latin typeface="Arial" charset="0"/>
+                <a:ea typeface="Arial" charset="0"/>
+                <a:cs typeface="Arial" charset="0"/>
+                <a:sym typeface="Cabin"/>
+              </a:rPr>
+              <a:t>nombre</a:t>
             </a:r>
           </a:p>
         </p:txBody>
@@ -9735,7 +9410,7 @@
               <a:buNone/>
             </a:pPr>
             <a:r>
-              <a:rPr lang="en-US" sz="2600" b="1" i="0" u="none" strike="noStrike" cap="none" dirty="0">
+              <a:rPr lang="es-419" sz="2600" b="1" i="0" u="none" strike="noStrike" cap="none" dirty="0">
                 <a:solidFill>
                   <a:srgbClr val="00FF00"/>
                 </a:solidFill>
@@ -9744,10 +9419,10 @@
                 <a:cs typeface="Courier New"/>
                 <a:sym typeface="Courier New"/>
               </a:rPr>
-              <a:t>counts</a:t>
-            </a:r>
-            <a:r>
-              <a:rPr lang="en-US" sz="2600" b="1" i="0" u="none" strike="noStrike" cap="none" dirty="0">
+              <a:t>contadores</a:t>
+            </a:r>
+            <a:r>
+              <a:rPr lang="es-419" sz="2600" b="1" i="0" u="none" strike="noStrike" cap="none" dirty="0">
                 <a:solidFill>
                   <a:schemeClr val="lt1"/>
                 </a:solidFill>
@@ -9759,7 +9434,7 @@
               <a:t> = </a:t>
             </a:r>
             <a:r>
-              <a:rPr lang="en-US" sz="2600" b="1" i="0" u="none" strike="noStrike" cap="none" dirty="0" err="1">
+              <a:rPr lang="es-419" sz="2600" b="1" i="0" u="none" strike="noStrike" cap="none" dirty="0" err="1">
                 <a:solidFill>
                   <a:srgbClr val="FF00FF"/>
                 </a:solidFill>
@@ -9771,7 +9446,7 @@
               <a:t>dict</a:t>
             </a:r>
             <a:r>
-              <a:rPr lang="en-US" sz="2600" b="1" i="0" u="none" strike="noStrike" cap="none" dirty="0">
+              <a:rPr lang="es-419" sz="2600" b="1" i="0" u="none" strike="noStrike" cap="none" dirty="0">
                 <a:solidFill>
                   <a:schemeClr val="lt1"/>
                 </a:solidFill>
@@ -9802,7 +9477,7 @@
               <a:buNone/>
             </a:pPr>
             <a:r>
-              <a:rPr lang="en-US" sz="2600" b="1" i="0" u="none" strike="noStrike" cap="none" dirty="0">
+              <a:rPr lang="es-419" sz="2600" b="1" i="0" u="none" strike="noStrike" cap="none" dirty="0">
                 <a:solidFill>
                   <a:srgbClr val="00FF00"/>
                 </a:solidFill>
@@ -9811,10 +9486,10 @@
                 <a:cs typeface="Courier New"/>
                 <a:sym typeface="Courier New"/>
               </a:rPr>
-              <a:t>names</a:t>
-            </a:r>
-            <a:r>
-              <a:rPr lang="en-US" sz="2600" b="1" i="0" u="none" strike="noStrike" cap="none" dirty="0">
+              <a:t>nombres</a:t>
+            </a:r>
+            <a:r>
+              <a:rPr lang="es-419" sz="2600" b="1" i="0" u="none" strike="noStrike" cap="none" dirty="0">
                 <a:solidFill>
                   <a:schemeClr val="lt1"/>
                 </a:solidFill>
@@ -9826,7 +9501,7 @@
               <a:t> = ['</a:t>
             </a:r>
             <a:r>
-              <a:rPr lang="en-US" sz="2600" b="1" i="0" u="none" strike="noStrike" cap="none" dirty="0" err="1">
+              <a:rPr lang="es-419" sz="2600" b="1" i="0" u="none" strike="noStrike" cap="none" dirty="0" err="1">
                 <a:solidFill>
                   <a:schemeClr val="lt1"/>
                 </a:solidFill>
@@ -9838,7 +9513,7 @@
               <a:t>csev</a:t>
             </a:r>
             <a:r>
-              <a:rPr lang="en-US" sz="2600" b="1" i="0" u="none" strike="noStrike" cap="none" dirty="0">
+              <a:rPr lang="es-419" sz="2600" b="1" i="0" u="none" strike="noStrike" cap="none" dirty="0">
                 <a:solidFill>
                   <a:schemeClr val="lt1"/>
                 </a:solidFill>
@@ -9850,7 +9525,7 @@
               <a:t>', '</a:t>
             </a:r>
             <a:r>
-              <a:rPr lang="en-US" sz="2600" b="1" i="0" u="none" strike="noStrike" cap="none" dirty="0" err="1">
+              <a:rPr lang="es-419" sz="2600" b="1" i="0" u="none" strike="noStrike" cap="none" dirty="0" err="1">
                 <a:solidFill>
                   <a:schemeClr val="lt1"/>
                 </a:solidFill>
@@ -9862,7 +9537,7 @@
               <a:t>cwen</a:t>
             </a:r>
             <a:r>
-              <a:rPr lang="en-US" sz="2600" b="1" i="0" u="none" strike="noStrike" cap="none" dirty="0">
+              <a:rPr lang="es-419" sz="2600" b="1" i="0" u="none" strike="noStrike" cap="none" dirty="0">
                 <a:solidFill>
                   <a:schemeClr val="lt1"/>
                 </a:solidFill>
@@ -9874,7 +9549,7 @@
               <a:t>', '</a:t>
             </a:r>
             <a:r>
-              <a:rPr lang="en-US" sz="2600" b="1" i="0" u="none" strike="noStrike" cap="none" dirty="0" err="1">
+              <a:rPr lang="es-419" sz="2600" b="1" i="0" u="none" strike="noStrike" cap="none" dirty="0" err="1">
                 <a:solidFill>
                   <a:schemeClr val="lt1"/>
                 </a:solidFill>
@@ -9886,7 +9561,7 @@
               <a:t>csev</a:t>
             </a:r>
             <a:r>
-              <a:rPr lang="en-US" sz="2600" b="1" i="0" u="none" strike="noStrike" cap="none" dirty="0">
+              <a:rPr lang="es-419" sz="2600" b="1" i="0" u="none" strike="noStrike" cap="none" dirty="0">
                 <a:solidFill>
                   <a:schemeClr val="lt1"/>
                 </a:solidFill>
@@ -9898,7 +9573,7 @@
               <a:t>', '</a:t>
             </a:r>
             <a:r>
-              <a:rPr lang="en-US" sz="2600" b="1" i="0" u="none" strike="noStrike" cap="none" dirty="0" err="1">
+              <a:rPr lang="es-419" sz="2600" b="1" i="0" u="none" strike="noStrike" cap="none" dirty="0" err="1">
                 <a:solidFill>
                   <a:schemeClr val="lt1"/>
                 </a:solidFill>
@@ -9910,7 +9585,7 @@
               <a:t>zqian</a:t>
             </a:r>
             <a:r>
-              <a:rPr lang="en-US" sz="2600" b="1" i="0" u="none" strike="noStrike" cap="none" dirty="0">
+              <a:rPr lang="es-419" sz="2600" b="1" i="0" u="none" strike="noStrike" cap="none" dirty="0">
                 <a:solidFill>
                   <a:schemeClr val="lt1"/>
                 </a:solidFill>
@@ -9922,7 +9597,7 @@
               <a:t>', '</a:t>
             </a:r>
             <a:r>
-              <a:rPr lang="en-US" sz="2600" b="1" i="0" u="none" strike="noStrike" cap="none" dirty="0" err="1">
+              <a:rPr lang="es-419" sz="2600" b="1" i="0" u="none" strike="noStrike" cap="none" dirty="0" err="1">
                 <a:solidFill>
                   <a:schemeClr val="lt1"/>
                 </a:solidFill>
@@ -9934,7 +9609,7 @@
               <a:t>cwen</a:t>
             </a:r>
             <a:r>
-              <a:rPr lang="en-US" sz="2600" b="1" i="0" u="none" strike="noStrike" cap="none" dirty="0">
+              <a:rPr lang="es-419" sz="2600" b="1" i="0" u="none" strike="noStrike" cap="none" dirty="0">
                 <a:solidFill>
                   <a:schemeClr val="lt1"/>
                 </a:solidFill>
@@ -9965,7 +9640,7 @@
               <a:buNone/>
             </a:pPr>
             <a:r>
-              <a:rPr lang="en-US" sz="2600" b="1" i="0" u="none" strike="noStrike" cap="none" dirty="0">
+              <a:rPr lang="es-419" sz="2600" b="1" i="0" u="none" strike="noStrike" cap="none" dirty="0" err="1">
                 <a:solidFill>
                   <a:srgbClr val="FFFF00"/>
                 </a:solidFill>
@@ -9977,7 +9652,7 @@
               <a:t>for</a:t>
             </a:r>
             <a:r>
-              <a:rPr lang="en-US" sz="2600" b="1" i="0" u="none" strike="noStrike" cap="none" dirty="0">
+              <a:rPr lang="es-419" sz="2600" b="1" i="0" u="none" strike="noStrike" cap="none" dirty="0">
                 <a:solidFill>
                   <a:schemeClr val="lt1"/>
                 </a:solidFill>
@@ -9989,7 +9664,7 @@
               <a:t> </a:t>
             </a:r>
             <a:r>
-              <a:rPr lang="en-US" sz="2600" b="1" i="0" u="none" strike="noStrike" cap="none" dirty="0">
+              <a:rPr lang="es-419" sz="2600" b="1" i="0" u="none" strike="noStrike" cap="none" dirty="0">
                 <a:solidFill>
                   <a:srgbClr val="00FF00"/>
                 </a:solidFill>
@@ -9998,10 +9673,10 @@
                 <a:cs typeface="Courier New"/>
                 <a:sym typeface="Courier New"/>
               </a:rPr>
-              <a:t>name</a:t>
-            </a:r>
-            <a:r>
-              <a:rPr lang="en-US" sz="2600" b="1" i="0" u="none" strike="noStrike" cap="none" dirty="0">
+              <a:t>nombre</a:t>
+            </a:r>
+            <a:r>
+              <a:rPr lang="es-419" sz="2600" b="1" i="0" u="none" strike="noStrike" cap="none" dirty="0">
                 <a:solidFill>
                   <a:schemeClr val="lt1"/>
                 </a:solidFill>
@@ -10013,7 +9688,7 @@
               <a:t> </a:t>
             </a:r>
             <a:r>
-              <a:rPr lang="en-US" sz="2600" b="1" i="0" u="none" strike="noStrike" cap="none" dirty="0">
+              <a:rPr lang="es-419" sz="2600" b="1" i="0" u="none" strike="noStrike" cap="none" dirty="0">
                 <a:solidFill>
                   <a:srgbClr val="FFFF00"/>
                 </a:solidFill>
@@ -10025,7 +9700,7 @@
               <a:t>in</a:t>
             </a:r>
             <a:r>
-              <a:rPr lang="en-US" sz="2600" b="1" i="0" u="none" strike="noStrike" cap="none" dirty="0">
+              <a:rPr lang="es-419" sz="2600" b="1" i="0" u="none" strike="noStrike" cap="none" dirty="0">
                 <a:solidFill>
                   <a:schemeClr val="lt1"/>
                 </a:solidFill>
@@ -10037,7 +9712,7 @@
               <a:t> </a:t>
             </a:r>
             <a:r>
-              <a:rPr lang="en-US" sz="2600" b="1" i="0" u="none" strike="noStrike" cap="none" dirty="0">
+              <a:rPr lang="es-419" sz="2600" b="1" i="0" u="none" strike="noStrike" cap="none" dirty="0">
                 <a:solidFill>
                   <a:srgbClr val="00FF00"/>
                 </a:solidFill>
@@ -10046,10 +9721,10 @@
                 <a:cs typeface="Courier New"/>
                 <a:sym typeface="Courier New"/>
               </a:rPr>
-              <a:t>names</a:t>
-            </a:r>
-            <a:r>
-              <a:rPr lang="en-US" sz="2600" b="1" i="0" u="none" strike="noStrike" cap="none" dirty="0">
+              <a:t>nombres</a:t>
+            </a:r>
+            <a:r>
+              <a:rPr lang="es-419" sz="2600" b="1" i="0" u="none" strike="noStrike" cap="none" dirty="0">
                 <a:solidFill>
                   <a:schemeClr val="lt1"/>
                 </a:solidFill>
@@ -10059,6 +9734,202 @@
                 <a:sym typeface="Courier New"/>
               </a:rPr>
               <a:t> :</a:t>
+            </a:r>
+          </a:p>
+          <a:p>
+            <a:pPr lvl="0">
+              <a:buClr>
+                <a:schemeClr val="lt1"/>
+              </a:buClr>
+              <a:buSzPct val="25000"/>
+            </a:pPr>
+            <a:r>
+              <a:rPr lang="es-419" sz="2600" b="1" i="0" u="none" strike="noStrike" cap="none" dirty="0">
+                <a:solidFill>
+                  <a:schemeClr val="lt1"/>
+                </a:solidFill>
+                <a:latin typeface="Courier New"/>
+                <a:ea typeface="Courier New"/>
+                <a:cs typeface="Courier New"/>
+                <a:sym typeface="Courier New"/>
+              </a:rPr>
+              <a:t>   </a:t>
+            </a:r>
+            <a:r>
+              <a:rPr lang="es-419" sz="2600" b="1" i="0" u="none" strike="noStrike" cap="none" dirty="0">
+                <a:solidFill>
+                  <a:srgbClr val="FFFF00"/>
+                </a:solidFill>
+                <a:latin typeface="Courier New"/>
+                <a:ea typeface="Courier New"/>
+                <a:cs typeface="Courier New"/>
+                <a:sym typeface="Courier New"/>
+              </a:rPr>
+              <a:t> </a:t>
+            </a:r>
+            <a:r>
+              <a:rPr lang="es-419" sz="2600" b="1" i="0" u="none" strike="noStrike" cap="none" dirty="0" err="1">
+                <a:solidFill>
+                  <a:srgbClr val="FFFF00"/>
+                </a:solidFill>
+                <a:latin typeface="Courier New"/>
+                <a:ea typeface="Courier New"/>
+                <a:cs typeface="Courier New"/>
+                <a:sym typeface="Courier New"/>
+              </a:rPr>
+              <a:t>if</a:t>
+            </a:r>
+            <a:r>
+              <a:rPr lang="es-419" sz="2600" b="1" i="0" u="none" strike="noStrike" cap="none" dirty="0">
+                <a:solidFill>
+                  <a:srgbClr val="FFFF00"/>
+                </a:solidFill>
+                <a:latin typeface="Courier New"/>
+                <a:ea typeface="Courier New"/>
+                <a:cs typeface="Courier New"/>
+                <a:sym typeface="Courier New"/>
+              </a:rPr>
+              <a:t> </a:t>
+            </a:r>
+            <a:r>
+              <a:rPr lang="es-419" sz="2600" b="1" i="0" u="none" strike="noStrike" cap="none" dirty="0">
+                <a:solidFill>
+                  <a:srgbClr val="00FF00"/>
+                </a:solidFill>
+                <a:latin typeface="Courier New"/>
+                <a:ea typeface="Courier New"/>
+                <a:cs typeface="Courier New"/>
+                <a:sym typeface="Courier New"/>
+              </a:rPr>
+              <a:t>nombre</a:t>
+            </a:r>
+            <a:r>
+              <a:rPr lang="es-419" sz="2600" b="1" i="0" u="none" strike="noStrike" cap="none" dirty="0">
+                <a:solidFill>
+                  <a:schemeClr val="lt1"/>
+                </a:solidFill>
+                <a:latin typeface="Courier New"/>
+                <a:ea typeface="Courier New"/>
+                <a:cs typeface="Courier New"/>
+                <a:sym typeface="Courier New"/>
+              </a:rPr>
+              <a:t> </a:t>
+            </a:r>
+            <a:r>
+              <a:rPr lang="es-419" sz="2600" b="1" i="0" u="none" strike="noStrike" cap="none" dirty="0" err="1">
+                <a:solidFill>
+                  <a:srgbClr val="FFFF00"/>
+                </a:solidFill>
+                <a:latin typeface="Courier New"/>
+                <a:ea typeface="Courier New"/>
+                <a:cs typeface="Courier New"/>
+                <a:sym typeface="Courier New"/>
+              </a:rPr>
+              <a:t>not</a:t>
+            </a:r>
+            <a:r>
+              <a:rPr lang="es-419" sz="2600" b="1" i="0" u="none" strike="noStrike" cap="none" dirty="0">
+                <a:solidFill>
+                  <a:srgbClr val="FFFF00"/>
+                </a:solidFill>
+                <a:latin typeface="Courier New"/>
+                <a:ea typeface="Courier New"/>
+                <a:cs typeface="Courier New"/>
+                <a:sym typeface="Courier New"/>
+              </a:rPr>
+              <a:t> in</a:t>
+            </a:r>
+            <a:r>
+              <a:rPr lang="es-419" sz="2600" b="1" i="0" u="none" strike="noStrike" cap="none" dirty="0">
+                <a:solidFill>
+                  <a:schemeClr val="lt1"/>
+                </a:solidFill>
+                <a:latin typeface="Courier New"/>
+                <a:ea typeface="Courier New"/>
+                <a:cs typeface="Courier New"/>
+                <a:sym typeface="Courier New"/>
+              </a:rPr>
+              <a:t> </a:t>
+            </a:r>
+            <a:r>
+              <a:rPr lang="es-419" sz="2600" b="1" dirty="0">
+                <a:solidFill>
+                  <a:srgbClr val="00FF00"/>
+                </a:solidFill>
+                <a:latin typeface="Courier New"/>
+                <a:ea typeface="Courier New"/>
+                <a:cs typeface="Courier New"/>
+                <a:sym typeface="Courier New"/>
+              </a:rPr>
+              <a:t>contadores</a:t>
+            </a:r>
+            <a:r>
+              <a:rPr lang="es-419" sz="2600" b="1" i="0" u="none" strike="noStrike" cap="none" dirty="0">
+                <a:solidFill>
+                  <a:schemeClr val="lt1"/>
+                </a:solidFill>
+                <a:latin typeface="Courier New"/>
+                <a:ea typeface="Courier New"/>
+                <a:cs typeface="Courier New"/>
+                <a:sym typeface="Courier New"/>
+              </a:rPr>
+              <a:t>: </a:t>
+            </a:r>
+          </a:p>
+          <a:p>
+            <a:pPr lvl="0">
+              <a:buClr>
+                <a:schemeClr val="lt1"/>
+              </a:buClr>
+              <a:buSzPct val="25000"/>
+            </a:pPr>
+            <a:r>
+              <a:rPr lang="es-419" sz="2600" b="1" dirty="0">
+                <a:solidFill>
+                  <a:schemeClr val="lt1"/>
+                </a:solidFill>
+                <a:latin typeface="Courier New"/>
+                <a:ea typeface="Courier New"/>
+                <a:cs typeface="Courier New"/>
+                <a:sym typeface="Courier New"/>
+              </a:rPr>
+              <a:t>        </a:t>
+            </a:r>
+            <a:r>
+              <a:rPr lang="es-419" sz="2600" b="1" dirty="0">
+                <a:solidFill>
+                  <a:srgbClr val="00FF00"/>
+                </a:solidFill>
+                <a:latin typeface="Courier New"/>
+                <a:ea typeface="Courier New"/>
+                <a:cs typeface="Courier New"/>
+                <a:sym typeface="Courier New"/>
+              </a:rPr>
+              <a:t>contadores</a:t>
+            </a:r>
+            <a:r>
+              <a:rPr lang="es-419" sz="2600" b="1" i="0" u="none" strike="noStrike" cap="none" dirty="0">
+                <a:solidFill>
+                  <a:srgbClr val="00FFFF"/>
+                </a:solidFill>
+                <a:latin typeface="Courier New"/>
+                <a:ea typeface="Courier New"/>
+                <a:cs typeface="Courier New"/>
+                <a:sym typeface="Courier New"/>
+              </a:rPr>
+              <a:t>[nombre]</a:t>
+            </a:r>
+            <a:r>
+              <a:rPr lang="es-419" sz="2600" b="1" i="0" u="none" strike="noStrike" cap="none" dirty="0">
+                <a:solidFill>
+                  <a:schemeClr val="lt1"/>
+                </a:solidFill>
+                <a:latin typeface="Courier New"/>
+                <a:ea typeface="Courier New"/>
+                <a:cs typeface="Courier New"/>
+                <a:sym typeface="Courier New"/>
+              </a:rPr>
+              <a:t> = 1</a:t>
             </a:r>
           </a:p>
           <a:p>
@@ -10080,7 +9951,7 @@
               <a:buNone/>
             </a:pPr>
             <a:r>
-              <a:rPr lang="en-US" sz="2600" b="1" i="0" u="none" strike="noStrike" cap="none" dirty="0">
+              <a:rPr lang="es-419" sz="2600" b="1" i="0" u="none" strike="noStrike" cap="none" dirty="0">
                 <a:solidFill>
                   <a:schemeClr val="lt1"/>
                 </a:solidFill>
@@ -10089,10 +9960,10 @@
                 <a:cs typeface="Courier New"/>
                 <a:sym typeface="Courier New"/>
               </a:rPr>
-              <a:t>   </a:t>
-            </a:r>
-            <a:r>
-              <a:rPr lang="en-US" sz="2600" b="1" i="0" u="none" strike="noStrike" cap="none" dirty="0">
+              <a:t>    </a:t>
+            </a:r>
+            <a:r>
+              <a:rPr lang="es-419" sz="2600" b="1" i="0" u="none" strike="noStrike" cap="none" dirty="0" err="1">
                 <a:solidFill>
                   <a:srgbClr val="FFFF00"/>
                 </a:solidFill>
@@ -10101,22 +9972,10 @@
                 <a:cs typeface="Courier New"/>
                 <a:sym typeface="Courier New"/>
               </a:rPr>
-              <a:t> if </a:t>
-            </a:r>
-            <a:r>
-              <a:rPr lang="en-US" sz="2600" b="1" i="0" u="none" strike="noStrike" cap="none" dirty="0">
-                <a:solidFill>
-                  <a:srgbClr val="00FF00"/>
-                </a:solidFill>
-                <a:latin typeface="Courier New"/>
-                <a:ea typeface="Courier New"/>
-                <a:cs typeface="Courier New"/>
-                <a:sym typeface="Courier New"/>
-              </a:rPr>
-              <a:t>name</a:t>
-            </a:r>
-            <a:r>
-              <a:rPr lang="en-US" sz="2600" b="1" i="0" u="none" strike="noStrike" cap="none" dirty="0">
+              <a:t>else</a:t>
+            </a:r>
+            <a:r>
+              <a:rPr lang="es-419" sz="2600" b="1" i="0" u="none" strike="noStrike" cap="none" dirty="0">
                 <a:solidFill>
                   <a:schemeClr val="lt1"/>
                 </a:solidFill>
@@ -10125,77 +9984,42 @@
                 <a:cs typeface="Courier New"/>
                 <a:sym typeface="Courier New"/>
               </a:rPr>
-              <a:t> </a:t>
-            </a:r>
-            <a:r>
-              <a:rPr lang="en-US" sz="2600" b="1" i="0" u="none" strike="noStrike" cap="none" dirty="0">
-                <a:solidFill>
-                  <a:srgbClr val="FFFF00"/>
-                </a:solidFill>
-                <a:latin typeface="Courier New"/>
-                <a:ea typeface="Courier New"/>
-                <a:cs typeface="Courier New"/>
-                <a:sym typeface="Courier New"/>
-              </a:rPr>
-              <a:t>not in</a:t>
-            </a:r>
-            <a:r>
-              <a:rPr lang="en-US" sz="2600" b="1" i="0" u="none" strike="noStrike" cap="none" dirty="0">
-                <a:solidFill>
-                  <a:schemeClr val="lt1"/>
-                </a:solidFill>
-                <a:latin typeface="Courier New"/>
-                <a:ea typeface="Courier New"/>
-                <a:cs typeface="Courier New"/>
-                <a:sym typeface="Courier New"/>
-              </a:rPr>
-              <a:t> </a:t>
-            </a:r>
-            <a:r>
-              <a:rPr lang="en-US" sz="2600" b="1" i="0" u="none" strike="noStrike" cap="none" dirty="0">
-                <a:solidFill>
-                  <a:srgbClr val="00FF00"/>
-                </a:solidFill>
-                <a:latin typeface="Courier New"/>
-                <a:ea typeface="Courier New"/>
-                <a:cs typeface="Courier New"/>
-                <a:sym typeface="Courier New"/>
-              </a:rPr>
-              <a:t>counts</a:t>
-            </a:r>
-            <a:r>
-              <a:rPr lang="en-US" sz="2600" b="1" i="0" u="none" strike="noStrike" cap="none" dirty="0">
-                <a:solidFill>
-                  <a:schemeClr val="lt1"/>
-                </a:solidFill>
-                <a:latin typeface="Courier New"/>
-                <a:ea typeface="Courier New"/>
-                <a:cs typeface="Courier New"/>
-                <a:sym typeface="Courier New"/>
-              </a:rPr>
-              <a:t>: </a:t>
-            </a:r>
-          </a:p>
-          <a:p>
-            <a:pPr marL="0" marR="0" lvl="0" indent="0" algn="l" rtl="0">
-              <a:lnSpc>
-                <a:spcPct val="100000"/>
-              </a:lnSpc>
-              <a:spcBef>
-                <a:spcPts val="0"/>
-              </a:spcBef>
-              <a:spcAft>
-                <a:spcPts val="0"/>
-              </a:spcAft>
+              <a:t> :</a:t>
+            </a:r>
+          </a:p>
+          <a:p>
+            <a:pPr lvl="0">
               <a:buClr>
                 <a:schemeClr val="lt1"/>
               </a:buClr>
               <a:buSzPct val="25000"/>
-              <a:buFont typeface="Courier New"/>
-              <a:buNone/>
             </a:pPr>
             <a:r>
-              <a:rPr lang="en-US" sz="2600" b="1" i="0" u="none" strike="noStrike" cap="none" dirty="0">
+              <a:rPr lang="es-419" sz="2600" b="1" dirty="0">
+                <a:solidFill>
+                  <a:srgbClr val="00FF00"/>
+                </a:solidFill>
+                <a:latin typeface="Courier New"/>
+                <a:ea typeface="Courier New"/>
+                <a:cs typeface="Courier New"/>
+                <a:sym typeface="Courier New"/>
+              </a:rPr>
+              <a:t>        contadores</a:t>
+            </a:r>
+            <a:r>
+              <a:rPr lang="es-419" sz="2600" b="1" i="0" u="none" strike="noStrike" cap="none" dirty="0">
+                <a:solidFill>
+                  <a:srgbClr val="00FFFF"/>
+                </a:solidFill>
+                <a:latin typeface="Courier New"/>
+                <a:ea typeface="Courier New"/>
+                <a:cs typeface="Courier New"/>
+                <a:sym typeface="Courier New"/>
+              </a:rPr>
+              <a:t>[nombre]</a:t>
+            </a:r>
+            <a:r>
+              <a:rPr lang="es-419" sz="2600" b="1" i="0" u="none" strike="noStrike" cap="none" dirty="0">
                 <a:solidFill>
                   <a:schemeClr val="lt1"/>
                 </a:solidFill>
@@ -10204,10 +10028,10 @@
                 <a:cs typeface="Courier New"/>
                 <a:sym typeface="Courier New"/>
               </a:rPr>
-              <a:t>       </a:t>
-            </a:r>
-            <a:r>
-              <a:rPr lang="en-US" sz="2600" b="1" i="0" u="none" strike="noStrike" cap="none" dirty="0">
+              <a:t> = </a:t>
+            </a:r>
+            <a:r>
+              <a:rPr lang="es-419" sz="2600" b="1" dirty="0">
                 <a:solidFill>
                   <a:srgbClr val="00FF00"/>
                 </a:solidFill>
@@ -10216,10 +10040,10 @@
                 <a:cs typeface="Courier New"/>
                 <a:sym typeface="Courier New"/>
               </a:rPr>
-              <a:t>counts</a:t>
-            </a:r>
-            <a:r>
-              <a:rPr lang="en-US" sz="2600" b="1" i="0" u="none" strike="noStrike" cap="none" dirty="0">
+              <a:t>contadores</a:t>
+            </a:r>
+            <a:r>
+              <a:rPr lang="es-419" sz="2600" b="1" i="0" u="none" strike="noStrike" cap="none" dirty="0">
                 <a:solidFill>
                   <a:srgbClr val="00FFFF"/>
                 </a:solidFill>
@@ -10228,10 +10052,10 @@
                 <a:cs typeface="Courier New"/>
                 <a:sym typeface="Courier New"/>
               </a:rPr>
-              <a:t>[name]</a:t>
-            </a:r>
-            <a:r>
-              <a:rPr lang="en-US" sz="2600" b="1" i="0" u="none" strike="noStrike" cap="none" dirty="0">
+              <a:t>[nombre]</a:t>
+            </a:r>
+            <a:r>
+              <a:rPr lang="es-419" sz="2600" b="1" i="0" u="none" strike="noStrike" cap="none" dirty="0">
                 <a:solidFill>
                   <a:schemeClr val="lt1"/>
                 </a:solidFill>
@@ -10240,187 +10064,18 @@
                 <a:cs typeface="Courier New"/>
                 <a:sym typeface="Courier New"/>
               </a:rPr>
-              <a:t> = 1</a:t>
-            </a:r>
-          </a:p>
-          <a:p>
-            <a:pPr marL="0" marR="0" lvl="0" indent="0" algn="l" rtl="0">
-              <a:lnSpc>
-                <a:spcPct val="100000"/>
-              </a:lnSpc>
-              <a:spcBef>
-                <a:spcPts val="0"/>
-              </a:spcBef>
-              <a:spcAft>
-                <a:spcPts val="0"/>
-              </a:spcAft>
-              <a:buClr>
-                <a:schemeClr val="lt1"/>
-              </a:buClr>
-              <a:buSzPct val="25000"/>
-              <a:buFont typeface="Courier New"/>
-              <a:buNone/>
-            </a:pPr>
-            <a:r>
-              <a:rPr lang="en-US" sz="2600" b="1" i="0" u="none" strike="noStrike" cap="none" dirty="0">
-                <a:solidFill>
-                  <a:schemeClr val="lt1"/>
-                </a:solidFill>
-                <a:latin typeface="Courier New"/>
-                <a:ea typeface="Courier New"/>
-                <a:cs typeface="Courier New"/>
-                <a:sym typeface="Courier New"/>
-              </a:rPr>
-              <a:t>    </a:t>
-            </a:r>
-            <a:r>
-              <a:rPr lang="en-US" sz="2600" b="1" i="0" u="none" strike="noStrike" cap="none" dirty="0">
-                <a:solidFill>
-                  <a:srgbClr val="FFFF00"/>
-                </a:solidFill>
-                <a:latin typeface="Courier New"/>
-                <a:ea typeface="Courier New"/>
-                <a:cs typeface="Courier New"/>
-                <a:sym typeface="Courier New"/>
-              </a:rPr>
-              <a:t>else</a:t>
-            </a:r>
-            <a:r>
-              <a:rPr lang="en-US" sz="2600" b="1" i="0" u="none" strike="noStrike" cap="none" dirty="0">
-                <a:solidFill>
-                  <a:schemeClr val="lt1"/>
-                </a:solidFill>
-                <a:latin typeface="Courier New"/>
-                <a:ea typeface="Courier New"/>
-                <a:cs typeface="Courier New"/>
-                <a:sym typeface="Courier New"/>
-              </a:rPr>
-              <a:t> :</a:t>
-            </a:r>
-          </a:p>
-          <a:p>
-            <a:pPr marL="0" marR="0" lvl="0" indent="0" algn="l" rtl="0">
-              <a:lnSpc>
-                <a:spcPct val="100000"/>
-              </a:lnSpc>
-              <a:spcBef>
-                <a:spcPts val="0"/>
-              </a:spcBef>
-              <a:spcAft>
-                <a:spcPts val="0"/>
-              </a:spcAft>
-              <a:buClr>
-                <a:schemeClr val="lt1"/>
-              </a:buClr>
-              <a:buSzPct val="25000"/>
-              <a:buFont typeface="Courier New"/>
-              <a:buNone/>
-            </a:pPr>
-            <a:r>
-              <a:rPr lang="en-US" sz="2600" b="1" i="0" u="none" strike="noStrike" cap="none" dirty="0">
-                <a:solidFill>
-                  <a:schemeClr val="lt1"/>
-                </a:solidFill>
-                <a:latin typeface="Courier New"/>
-                <a:ea typeface="Courier New"/>
-                <a:cs typeface="Courier New"/>
-                <a:sym typeface="Courier New"/>
-              </a:rPr>
-              <a:t>        </a:t>
-            </a:r>
-            <a:r>
-              <a:rPr lang="en-US" sz="2600" b="1" i="0" u="none" strike="noStrike" cap="none" dirty="0">
-                <a:solidFill>
-                  <a:srgbClr val="00FF00"/>
-                </a:solidFill>
-                <a:latin typeface="Courier New"/>
-                <a:ea typeface="Courier New"/>
-                <a:cs typeface="Courier New"/>
-                <a:sym typeface="Courier New"/>
-              </a:rPr>
-              <a:t>counts</a:t>
-            </a:r>
-            <a:r>
-              <a:rPr lang="en-US" sz="2600" b="1" i="0" u="none" strike="noStrike" cap="none" dirty="0">
-                <a:solidFill>
-                  <a:srgbClr val="00FFFF"/>
-                </a:solidFill>
-                <a:latin typeface="Courier New"/>
-                <a:ea typeface="Courier New"/>
-                <a:cs typeface="Courier New"/>
-                <a:sym typeface="Courier New"/>
-              </a:rPr>
-              <a:t>[name]</a:t>
-            </a:r>
-            <a:r>
-              <a:rPr lang="en-US" sz="2600" b="1" i="0" u="none" strike="noStrike" cap="none" dirty="0">
-                <a:solidFill>
-                  <a:schemeClr val="lt1"/>
-                </a:solidFill>
-                <a:latin typeface="Courier New"/>
-                <a:ea typeface="Courier New"/>
-                <a:cs typeface="Courier New"/>
-                <a:sym typeface="Courier New"/>
-              </a:rPr>
-              <a:t> = </a:t>
-            </a:r>
-            <a:r>
-              <a:rPr lang="en-US" sz="2600" b="1" i="0" u="none" strike="noStrike" cap="none" dirty="0">
-                <a:solidFill>
-                  <a:srgbClr val="00FF00"/>
-                </a:solidFill>
-                <a:latin typeface="Courier New"/>
-                <a:ea typeface="Courier New"/>
-                <a:cs typeface="Courier New"/>
-                <a:sym typeface="Courier New"/>
-              </a:rPr>
-              <a:t>counts</a:t>
-            </a:r>
-            <a:r>
-              <a:rPr lang="en-US" sz="2600" b="1" i="0" u="none" strike="noStrike" cap="none" dirty="0">
-                <a:solidFill>
-                  <a:srgbClr val="00FFFF"/>
-                </a:solidFill>
-                <a:latin typeface="Courier New"/>
-                <a:ea typeface="Courier New"/>
-                <a:cs typeface="Courier New"/>
-                <a:sym typeface="Courier New"/>
-              </a:rPr>
-              <a:t>[name]</a:t>
-            </a:r>
-            <a:r>
-              <a:rPr lang="en-US" sz="2600" b="1" i="0" u="none" strike="noStrike" cap="none" dirty="0">
-                <a:solidFill>
-                  <a:schemeClr val="lt1"/>
-                </a:solidFill>
-                <a:latin typeface="Courier New"/>
-                <a:ea typeface="Courier New"/>
-                <a:cs typeface="Courier New"/>
-                <a:sym typeface="Courier New"/>
-              </a:rPr>
               <a:t> + 1</a:t>
             </a:r>
           </a:p>
           <a:p>
-            <a:pPr marL="0" marR="0" lvl="0" indent="0" algn="l" rtl="0">
-              <a:lnSpc>
-                <a:spcPct val="100000"/>
-              </a:lnSpc>
-              <a:spcBef>
-                <a:spcPts val="0"/>
-              </a:spcBef>
-              <a:spcAft>
-                <a:spcPts val="0"/>
-              </a:spcAft>
+            <a:pPr lvl="0">
               <a:buClr>
                 <a:srgbClr val="FFFF00"/>
               </a:buClr>
               <a:buSzPct val="25000"/>
-              <a:buFont typeface="Courier New"/>
-              <a:buNone/>
             </a:pPr>
             <a:r>
-              <a:rPr lang="en-US" sz="2600" b="1" i="0" u="none" strike="noStrike" cap="none" dirty="0" smtClean="0">
+              <a:rPr lang="es-419" sz="2600" b="1" i="0" u="none" strike="noStrike" cap="none" dirty="0" err="1">
                 <a:solidFill>
                   <a:srgbClr val="FFFF00"/>
                 </a:solidFill>
@@ -10429,10 +10084,22 @@
                 <a:cs typeface="Courier New"/>
                 <a:sym typeface="Courier New"/>
               </a:rPr>
-              <a:t>print(</a:t>
-            </a:r>
-            <a:r>
-              <a:rPr lang="en-US" sz="2600" b="1" i="0" u="none" strike="noStrike" cap="none" dirty="0" smtClean="0">
+              <a:t>print</a:t>
+            </a:r>
+            <a:r>
+              <a:rPr lang="es-419" sz="2600" b="1" i="0" u="none" strike="noStrike" cap="none" dirty="0">
+                <a:solidFill>
+                  <a:srgbClr val="FFFF00"/>
+                </a:solidFill>
+                <a:latin typeface="Courier New"/>
+                <a:ea typeface="Courier New"/>
+                <a:cs typeface="Courier New"/>
+                <a:sym typeface="Courier New"/>
+              </a:rPr>
+              <a:t>(</a:t>
+            </a:r>
+            <a:r>
+              <a:rPr lang="es-419" sz="2600" b="1" dirty="0">
                 <a:solidFill>
                   <a:srgbClr val="00FF00"/>
                 </a:solidFill>
@@ -10441,10 +10108,10 @@
                 <a:cs typeface="Courier New"/>
                 <a:sym typeface="Courier New"/>
               </a:rPr>
-              <a:t>counts</a:t>
-            </a:r>
-            <a:r>
-              <a:rPr lang="en-US" sz="2600" b="1" i="0" u="none" strike="noStrike" cap="none" dirty="0" smtClean="0">
+              <a:t>contadores</a:t>
+            </a:r>
+            <a:r>
+              <a:rPr lang="es-419" sz="2600" b="1" i="0" u="none" strike="noStrike" cap="none" dirty="0">
                 <a:solidFill>
                   <a:srgbClr val="FFFF00"/>
                 </a:solidFill>
@@ -10455,15 +10122,6 @@
               </a:rPr>
               <a:t>)</a:t>
             </a:r>
-            <a:endParaRPr lang="en-US" sz="2600" b="1" i="0" u="none" strike="noStrike" cap="none" dirty="0">
-              <a:solidFill>
-                <a:srgbClr val="FFFF00"/>
-              </a:solidFill>
-              <a:latin typeface="Courier New"/>
-              <a:ea typeface="Courier New"/>
-              <a:cs typeface="Courier New"/>
-              <a:sym typeface="Courier New"/>
-            </a:endParaRPr>
           </a:p>
         </p:txBody>
       </p:sp>
@@ -10510,7 +10168,7 @@
               <a:buNone/>
             </a:pPr>
             <a:r>
-              <a:rPr lang="en-US" sz="3200" u="none" strike="noStrike" cap="none">
+              <a:rPr lang="es-419" sz="3200" u="none" strike="noStrike" cap="none">
                 <a:solidFill>
                   <a:srgbClr val="FF00FF"/>
                 </a:solidFill>
@@ -10522,7 +10180,7 @@
               <a:t>{</a:t>
             </a:r>
             <a:r>
-              <a:rPr lang="en-US" sz="3200" u="none" strike="noStrike" cap="none">
+              <a:rPr lang="es-419" sz="3200" u="none" strike="noStrike" cap="none">
                 <a:solidFill>
                   <a:srgbClr val="00FFFF"/>
                 </a:solidFill>
@@ -10531,22 +10189,22 @@
                 <a:cs typeface="Arial" charset="0"/>
                 <a:sym typeface="Cabin"/>
               </a:rPr>
-              <a:t>'</a:t>
-            </a:r>
-            <a:r>
-              <a:rPr lang="en-US" sz="3200" u="none" strike="noStrike" cap="none" dirty="0" err="1">
-                <a:solidFill>
-                  <a:srgbClr val="00FFFF"/>
+              <a:t>'csev'</a:t>
+            </a:r>
+            <a:r>
+              <a:rPr lang="es-419" sz="3200" u="none" strike="noStrike" cap="none">
+                <a:solidFill>
+                  <a:srgbClr val="FF00FF"/>
                 </a:solidFill>
                 <a:latin typeface="Arial" charset="0"/>
                 <a:ea typeface="Arial" charset="0"/>
                 <a:cs typeface="Arial" charset="0"/>
                 <a:sym typeface="Cabin"/>
               </a:rPr>
-              <a:t>csev</a:t>
-            </a:r>
-            <a:r>
-              <a:rPr lang="en-US" sz="3200" u="none" strike="noStrike" cap="none" dirty="0">
+              <a:t>: 2, </a:t>
+            </a:r>
+            <a:r>
+              <a:rPr lang="es-419" sz="3200" u="none" strike="noStrike" cap="none">
                 <a:solidFill>
                   <a:srgbClr val="00FFFF"/>
                 </a:solidFill>
@@ -10555,10 +10213,10 @@
                 <a:cs typeface="Arial" charset="0"/>
                 <a:sym typeface="Cabin"/>
               </a:rPr>
-              <a:t>'</a:t>
-            </a:r>
-            <a:r>
-              <a:rPr lang="en-US" sz="3200" u="none" strike="noStrike" cap="none" dirty="0">
+              <a:t>'zqian'</a:t>
+            </a:r>
+            <a:r>
+              <a:rPr lang="es-419" sz="3200" u="none" strike="noStrike" cap="none">
                 <a:solidFill>
                   <a:srgbClr val="FF00FF"/>
                 </a:solidFill>
@@ -10567,10 +10225,10 @@
                 <a:cs typeface="Arial" charset="0"/>
                 <a:sym typeface="Cabin"/>
               </a:rPr>
-              <a:t>: 2, </a:t>
-            </a:r>
-            <a:r>
-              <a:rPr lang="en-US" sz="3200" u="none" strike="noStrike" cap="none" dirty="0">
+              <a:t>: 1,</a:t>
+            </a:r>
+            <a:r>
+              <a:rPr lang="es-419" sz="3200" u="none" strike="noStrike" cap="none">
                 <a:solidFill>
                   <a:srgbClr val="00FFFF"/>
                 </a:solidFill>
@@ -10579,82 +10237,10 @@
                 <a:cs typeface="Arial" charset="0"/>
                 <a:sym typeface="Cabin"/>
               </a:rPr>
-              <a:t>'</a:t>
-            </a:r>
-            <a:r>
-              <a:rPr lang="en-US" sz="3200" u="none" strike="noStrike" cap="none" dirty="0" err="1">
-                <a:solidFill>
-                  <a:srgbClr val="00FFFF"/>
-                </a:solidFill>
-                <a:latin typeface="Arial" charset="0"/>
-                <a:ea typeface="Arial" charset="0"/>
-                <a:cs typeface="Arial" charset="0"/>
-                <a:sym typeface="Cabin"/>
-              </a:rPr>
-              <a:t>zqian</a:t>
-            </a:r>
-            <a:r>
-              <a:rPr lang="en-US" sz="3200" u="none" strike="noStrike" cap="none" dirty="0">
-                <a:solidFill>
-                  <a:srgbClr val="00FFFF"/>
-                </a:solidFill>
-                <a:latin typeface="Arial" charset="0"/>
-                <a:ea typeface="Arial" charset="0"/>
-                <a:cs typeface="Arial" charset="0"/>
-                <a:sym typeface="Cabin"/>
-              </a:rPr>
-              <a:t>'</a:t>
-            </a:r>
-            <a:r>
-              <a:rPr lang="en-US" sz="3200" u="none" strike="noStrike" cap="none" dirty="0">
-                <a:solidFill>
-                  <a:srgbClr val="FF00FF"/>
-                </a:solidFill>
-                <a:latin typeface="Arial" charset="0"/>
-                <a:ea typeface="Arial" charset="0"/>
-                <a:cs typeface="Arial" charset="0"/>
-                <a:sym typeface="Cabin"/>
-              </a:rPr>
-              <a:t>: 1,</a:t>
-            </a:r>
-            <a:r>
-              <a:rPr lang="en-US" sz="3200" u="none" strike="noStrike" cap="none" dirty="0">
-                <a:solidFill>
-                  <a:srgbClr val="00FFFF"/>
-                </a:solidFill>
-                <a:latin typeface="Arial" charset="0"/>
-                <a:ea typeface="Arial" charset="0"/>
-                <a:cs typeface="Arial" charset="0"/>
-                <a:sym typeface="Cabin"/>
-              </a:rPr>
-              <a:t> '</a:t>
-            </a:r>
-            <a:r>
-              <a:rPr lang="en-US" sz="3200" u="none" strike="noStrike" cap="none" dirty="0" err="1">
-                <a:solidFill>
-                  <a:srgbClr val="00FFFF"/>
-                </a:solidFill>
-                <a:latin typeface="Arial" charset="0"/>
-                <a:ea typeface="Arial" charset="0"/>
-                <a:cs typeface="Arial" charset="0"/>
-                <a:sym typeface="Cabin"/>
-              </a:rPr>
-              <a:t>cwen</a:t>
-            </a:r>
-            <a:r>
-              <a:rPr lang="en-US" sz="3200" u="none" strike="noStrike" cap="none" dirty="0">
-                <a:solidFill>
-                  <a:srgbClr val="00FFFF"/>
-                </a:solidFill>
-                <a:latin typeface="Arial" charset="0"/>
-                <a:ea typeface="Arial" charset="0"/>
-                <a:cs typeface="Arial" charset="0"/>
-                <a:sym typeface="Cabin"/>
-              </a:rPr>
-              <a:t>'</a:t>
-            </a:r>
-            <a:r>
-              <a:rPr lang="en-US" sz="3200" u="none" strike="noStrike" cap="none" dirty="0">
+              <a:t> 'cwen'</a:t>
+            </a:r>
+            <a:r>
+              <a:rPr lang="es-419" sz="3200" u="none" strike="noStrike" cap="none">
                 <a:solidFill>
                   <a:srgbClr val="FF00FF"/>
                 </a:solidFill>
@@ -10700,13 +10286,6 @@
   <p:clrMapOvr>
     <a:masterClrMapping/>
   </p:clrMapOvr>
-  <p:timing>
-    <p:tnLst>
-      <p:par>
-        <p:cTn xmlns:p14="http://schemas.microsoft.com/office/powerpoint/2010/main" id="1" dur="indefinite" restart="never" nodeType="tmRoot"/>
-      </p:par>
-    </p:tnLst>
-  </p:timing>
 </p:sld>
 </file>
 
@@ -10774,7 +10353,7 @@
               <a:buNone/>
             </a:pPr>
             <a:r>
-              <a:rPr lang="en-US" sz="7400" u="none" strike="noStrike" cap="none" dirty="0">
+              <a:rPr lang="es-419" sz="7400" u="none" strike="noStrike" cap="none" dirty="0">
                 <a:solidFill>
                   <a:srgbClr val="FFFF00"/>
                 </a:solidFill>
@@ -10783,10 +10362,10 @@
                 <a:cs typeface="Arial" charset="0"/>
                 <a:sym typeface="Cabin"/>
               </a:rPr>
-              <a:t>The </a:t>
-            </a:r>
-            <a:r>
-              <a:rPr lang="en-US" sz="7400" dirty="0">
+              <a:t>El Método </a:t>
+            </a:r>
+            <a:r>
+              <a:rPr lang="es-419" sz="7400" dirty="0" err="1">
                 <a:solidFill>
                   <a:srgbClr val="FF00FF"/>
                 </a:solidFill>
@@ -10798,7 +10377,7 @@
               <a:t>g</a:t>
             </a:r>
             <a:r>
-              <a:rPr lang="en-US" sz="7400" u="none" strike="noStrike" cap="none" dirty="0" smtClean="0">
+              <a:rPr lang="es-419" sz="7400" u="none" strike="noStrike" cap="none" dirty="0" err="1">
                 <a:solidFill>
                   <a:srgbClr val="FF00FF"/>
                 </a:solidFill>
@@ -10810,7 +10389,7 @@
               <a:t>et</a:t>
             </a:r>
             <a:r>
-              <a:rPr lang="en-US" sz="7400" u="none" strike="noStrike" cap="none" dirty="0" smtClean="0">
+              <a:rPr lang="es-419" sz="7400" u="none" strike="noStrike" cap="none" dirty="0">
                 <a:solidFill>
                   <a:srgbClr val="FFFF00"/>
                 </a:solidFill>
@@ -10819,65 +10398,8 @@
                 <a:cs typeface="Arial" charset="0"/>
                 <a:sym typeface="Cabin"/>
               </a:rPr>
-              <a:t> </a:t>
-            </a:r>
-            <a:r>
-              <a:rPr lang="en-US" sz="7400" dirty="0">
-                <a:solidFill>
-                  <a:srgbClr val="FFFF00"/>
-                </a:solidFill>
-                <a:latin typeface="Arial" charset="0"/>
-                <a:ea typeface="Arial" charset="0"/>
-                <a:cs typeface="Arial" charset="0"/>
-                <a:sym typeface="Cabin"/>
-              </a:rPr>
-              <a:t>M</a:t>
-            </a:r>
-            <a:r>
-              <a:rPr lang="en-US" sz="7400" u="none" strike="noStrike" cap="none" dirty="0" smtClean="0">
-                <a:solidFill>
-                  <a:srgbClr val="FFFF00"/>
-                </a:solidFill>
-                <a:latin typeface="Arial" charset="0"/>
-                <a:ea typeface="Arial" charset="0"/>
-                <a:cs typeface="Arial" charset="0"/>
-                <a:sym typeface="Cabin"/>
-              </a:rPr>
-              <a:t>ethod </a:t>
-            </a:r>
-            <a:r>
-              <a:rPr lang="en-US" sz="7400" u="none" strike="noStrike" cap="none" dirty="0">
-                <a:solidFill>
-                  <a:srgbClr val="FFFF00"/>
-                </a:solidFill>
-                <a:latin typeface="Arial" charset="0"/>
-                <a:ea typeface="Arial" charset="0"/>
-                <a:cs typeface="Arial" charset="0"/>
-                <a:sym typeface="Cabin"/>
-              </a:rPr>
-              <a:t>for </a:t>
-            </a:r>
-            <a:r>
-              <a:rPr lang="en-US" sz="7400" u="none" strike="noStrike" cap="none" dirty="0" smtClean="0">
-                <a:solidFill>
-                  <a:srgbClr val="FFFF00"/>
-                </a:solidFill>
-                <a:latin typeface="Arial" charset="0"/>
-                <a:ea typeface="Arial" charset="0"/>
-                <a:cs typeface="Arial" charset="0"/>
-                <a:sym typeface="Cabin"/>
-              </a:rPr>
-              <a:t>Dictionaries</a:t>
-            </a:r>
-            <a:endParaRPr lang="en-US" sz="7400" u="none" strike="noStrike" cap="none" dirty="0">
-              <a:solidFill>
-                <a:srgbClr val="FFFF00"/>
-              </a:solidFill>
-              <a:latin typeface="Arial" charset="0"/>
-              <a:ea typeface="Arial" charset="0"/>
-              <a:cs typeface="Arial" charset="0"/>
-              <a:sym typeface="Cabin"/>
-            </a:endParaRPr>
+              <a:t> de un Diccionario</a:t>
+            </a:r>
           </a:p>
         </p:txBody>
       </p:sp>
@@ -10924,7 +10446,7 @@
               <a:buNone/>
             </a:pPr>
             <a:r>
-              <a:rPr lang="en-US" sz="3600" b="0" u="none" strike="noStrike" cap="none" dirty="0" smtClean="0">
+              <a:rPr lang="es-419" sz="3600" b="0" u="none" strike="noStrike" cap="none" dirty="0">
                 <a:solidFill>
                   <a:schemeClr val="lt1"/>
                 </a:solidFill>
@@ -10933,70 +10455,70 @@
                 <a:cs typeface="Arial" charset="0"/>
                 <a:sym typeface="Cabin"/>
               </a:rPr>
-              <a:t>The </a:t>
-            </a:r>
-            <a:r>
-              <a:rPr lang="en-US" sz="3600" b="0" u="none" strike="noStrike" cap="none" dirty="0">
-                <a:solidFill>
-                  <a:schemeClr val="lt1"/>
+              <a:t>El patrón de verificar si una </a:t>
+            </a:r>
+            <a:r>
+              <a:rPr lang="es-419" sz="3600" b="0" dirty="0">
+                <a:solidFill>
+                  <a:srgbClr val="00FFFF"/>
                 </a:solidFill>
                 <a:latin typeface="Arial" charset="0"/>
                 <a:ea typeface="Arial" charset="0"/>
                 <a:cs typeface="Arial" charset="0"/>
                 <a:sym typeface="Cabin"/>
               </a:rPr>
-              <a:t>pattern of checking to see if a </a:t>
-            </a:r>
-            <a:r>
-              <a:rPr lang="en-US" sz="3600" b="0" u="none" strike="noStrike" cap="none" dirty="0">
-                <a:solidFill>
-                  <a:srgbClr val="00FFFF"/>
+              <a:t>clave</a:t>
+            </a:r>
+            <a:r>
+              <a:rPr lang="es-419" sz="3600" b="0" u="none" strike="noStrike" cap="none" dirty="0">
+                <a:solidFill>
+                  <a:schemeClr val="lt1"/>
                 </a:solidFill>
                 <a:latin typeface="Arial" charset="0"/>
                 <a:ea typeface="Arial" charset="0"/>
                 <a:cs typeface="Arial" charset="0"/>
                 <a:sym typeface="Cabin"/>
               </a:rPr>
-              <a:t>key</a:t>
-            </a:r>
-            <a:r>
-              <a:rPr lang="en-US" sz="3600" b="0" u="none" strike="noStrike" cap="none" dirty="0">
-                <a:solidFill>
-                  <a:schemeClr val="lt1"/>
+              <a:t> ya existe en un diccionario y asumir un valor por defecto si la </a:t>
+            </a:r>
+            <a:r>
+              <a:rPr lang="es-419" sz="3600" b="0" dirty="0">
+                <a:solidFill>
+                  <a:srgbClr val="00FFFF"/>
                 </a:solidFill>
                 <a:latin typeface="Arial" charset="0"/>
                 <a:ea typeface="Arial" charset="0"/>
                 <a:cs typeface="Arial" charset="0"/>
                 <a:sym typeface="Cabin"/>
               </a:rPr>
-              <a:t> is already in a dictionary and assuming a default value if the </a:t>
-            </a:r>
-            <a:r>
-              <a:rPr lang="en-US" sz="3600" b="0" u="none" strike="noStrike" cap="none" dirty="0">
-                <a:solidFill>
-                  <a:srgbClr val="00FFFF"/>
+              <a:t>clave </a:t>
+            </a:r>
+            <a:r>
+              <a:rPr lang="es-419" sz="3600" b="0" dirty="0">
+                <a:solidFill>
+                  <a:schemeClr val="lt1"/>
                 </a:solidFill>
                 <a:latin typeface="Arial" charset="0"/>
                 <a:ea typeface="Arial" charset="0"/>
                 <a:cs typeface="Arial" charset="0"/>
                 <a:sym typeface="Cabin"/>
               </a:rPr>
-              <a:t>key</a:t>
-            </a:r>
-            <a:r>
-              <a:rPr lang="en-US" sz="3600" b="0" u="none" strike="noStrike" cap="none" dirty="0">
-                <a:solidFill>
-                  <a:schemeClr val="lt1"/>
+              <a:t>no se encuentra es tan común, que hay un </a:t>
+            </a:r>
+            <a:r>
+              <a:rPr lang="es-419" sz="3600" b="0" dirty="0">
+                <a:solidFill>
+                  <a:srgbClr val="FF00FF"/>
                 </a:solidFill>
                 <a:latin typeface="Arial" charset="0"/>
                 <a:ea typeface="Arial" charset="0"/>
                 <a:cs typeface="Arial" charset="0"/>
                 <a:sym typeface="Cabin"/>
               </a:rPr>
-              <a:t> is not there is so </a:t>
-            </a:r>
-            <a:r>
-              <a:rPr lang="en-US" sz="3600" b="0" u="none" strike="noStrike" cap="none" dirty="0" smtClean="0">
+              <a:t>método</a:t>
+            </a:r>
+            <a:r>
+              <a:rPr lang="es-419" sz="3600" b="0" u="none" strike="noStrike" cap="none" dirty="0">
                 <a:solidFill>
                   <a:schemeClr val="lt1"/>
                 </a:solidFill>
@@ -11005,34 +10527,34 @@
                 <a:cs typeface="Arial" charset="0"/>
                 <a:sym typeface="Cabin"/>
               </a:rPr>
-              <a:t>common </a:t>
-            </a:r>
-            <a:r>
-              <a:rPr lang="en-US" sz="3600" b="0" u="none" strike="noStrike" cap="none" dirty="0">
-                <a:solidFill>
-                  <a:schemeClr val="lt1"/>
+              <a:t> llamado </a:t>
+            </a:r>
+            <a:r>
+              <a:rPr lang="es-419" sz="3600" b="0" u="none" strike="noStrike" cap="none" dirty="0" err="1">
+                <a:solidFill>
+                  <a:srgbClr val="FF00FF"/>
                 </a:solidFill>
                 <a:latin typeface="Arial" charset="0"/>
                 <a:ea typeface="Arial" charset="0"/>
                 <a:cs typeface="Arial" charset="0"/>
                 <a:sym typeface="Cabin"/>
               </a:rPr>
-              <a:t>that there is a </a:t>
-            </a:r>
-            <a:r>
-              <a:rPr lang="en-US" sz="3600" b="0" u="none" strike="noStrike" cap="none" dirty="0">
-                <a:solidFill>
-                  <a:srgbClr val="FF00FF"/>
+              <a:t>get</a:t>
+            </a:r>
+            <a:r>
+              <a:rPr lang="es-419" sz="3600" b="0" u="none" strike="noStrike" cap="none" dirty="0">
+                <a:solidFill>
+                  <a:schemeClr val="lt1"/>
                 </a:solidFill>
                 <a:latin typeface="Arial" charset="0"/>
                 <a:ea typeface="Arial" charset="0"/>
                 <a:cs typeface="Arial" charset="0"/>
                 <a:sym typeface="Cabin"/>
               </a:rPr>
-              <a:t>method</a:t>
-            </a:r>
-            <a:r>
-              <a:rPr lang="en-US" sz="3600" b="0" u="none" strike="noStrike" cap="none" dirty="0">
+              <a:t>() </a:t>
+            </a:r>
+            <a:r>
+              <a:rPr lang="es-419" sz="3600" b="0" dirty="0">
                 <a:solidFill>
                   <a:schemeClr val="lt1"/>
                 </a:solidFill>
@@ -11041,32 +10563,17 @@
                 <a:cs typeface="Arial" charset="0"/>
                 <a:sym typeface="Cabin"/>
               </a:rPr>
-              <a:t> called </a:t>
-            </a:r>
-            <a:r>
-              <a:rPr lang="en-US" sz="3600" b="0" u="none" strike="noStrike" cap="none" dirty="0">
-                <a:solidFill>
-                  <a:srgbClr val="FF00FF"/>
-                </a:solidFill>
-                <a:latin typeface="Arial" charset="0"/>
-                <a:ea typeface="Arial" charset="0"/>
-                <a:cs typeface="Arial" charset="0"/>
-                <a:sym typeface="Cabin"/>
-              </a:rPr>
-              <a:t>get</a:t>
-            </a:r>
-            <a:r>
-              <a:rPr lang="en-US" sz="3600" b="0" u="none" strike="noStrike" cap="none" dirty="0">
-                <a:solidFill>
-                  <a:schemeClr val="lt1"/>
-                </a:solidFill>
-                <a:latin typeface="Arial" charset="0"/>
-                <a:ea typeface="Arial" charset="0"/>
-                <a:cs typeface="Arial" charset="0"/>
-                <a:sym typeface="Cabin"/>
-              </a:rPr>
-              <a:t>() that does this for us</a:t>
-            </a:r>
+              <a:t>que hace esto por nosotros</a:t>
+            </a:r>
+            <a:endParaRPr lang="es-419" sz="3600" b="0" u="none" strike="noStrike" cap="none" dirty="0">
+              <a:solidFill>
+                <a:schemeClr val="lt1"/>
+              </a:solidFill>
+              <a:latin typeface="Arial" charset="0"/>
+              <a:ea typeface="Arial" charset="0"/>
+              <a:cs typeface="Arial" charset="0"/>
+              <a:sym typeface="Cabin"/>
+            </a:endParaRPr>
           </a:p>
         </p:txBody>
       </p:sp>
@@ -11078,8 +10585,8 @@
         </p:nvSpPr>
         <p:spPr>
           <a:xfrm>
-            <a:off x="8986013" y="2799079"/>
-            <a:ext cx="6502500" cy="2216099"/>
+            <a:off x="8986012" y="2799079"/>
+            <a:ext cx="6871513" cy="2216099"/>
           </a:xfrm>
           <a:prstGeom prst="rect">
             <a:avLst/>
@@ -11113,7 +10620,7 @@
               <a:buNone/>
             </a:pPr>
             <a:r>
-              <a:rPr lang="en-US" sz="3000" b="1" i="0" u="none" strike="noStrike" cap="none" dirty="0">
+              <a:rPr lang="es-419" sz="3000" b="1" i="0" u="none" strike="noStrike" cap="none" dirty="0">
                 <a:solidFill>
                   <a:schemeClr val="lt1"/>
                 </a:solidFill>
@@ -11125,7 +10632,7 @@
               <a:t>   </a:t>
             </a:r>
             <a:r>
-              <a:rPr lang="en-US" sz="3000" b="1" i="0" u="none" strike="noStrike" cap="none" dirty="0">
+              <a:rPr lang="es-419" sz="3000" b="1" i="0" u="none" strike="noStrike" cap="none" dirty="0">
                 <a:solidFill>
                   <a:srgbClr val="FFFF00"/>
                 </a:solidFill>
@@ -11134,10 +10641,34 @@
                 <a:cs typeface="Courier New"/>
                 <a:sym typeface="Courier New"/>
               </a:rPr>
-              <a:t> if </a:t>
-            </a:r>
-            <a:r>
-              <a:rPr lang="en-US" sz="3000" b="1" i="0" u="none" strike="noStrike" cap="none" dirty="0">
+              <a:t> </a:t>
+            </a:r>
+            <a:r>
+              <a:rPr lang="es-419" sz="3000" b="1" i="0" u="none" strike="noStrike" cap="none" dirty="0" err="1">
+                <a:solidFill>
+                  <a:srgbClr val="FFFF00"/>
+                </a:solidFill>
+                <a:latin typeface="Courier New"/>
+                <a:ea typeface="Courier New"/>
+                <a:cs typeface="Courier New"/>
+                <a:sym typeface="Courier New"/>
+              </a:rPr>
+              <a:t>if</a:t>
+            </a:r>
+            <a:r>
+              <a:rPr lang="es-419" sz="3000" b="1" i="0" u="none" strike="noStrike" cap="none" dirty="0">
+                <a:solidFill>
+                  <a:srgbClr val="FFFF00"/>
+                </a:solidFill>
+                <a:latin typeface="Courier New"/>
+                <a:ea typeface="Courier New"/>
+                <a:cs typeface="Courier New"/>
+                <a:sym typeface="Courier New"/>
+              </a:rPr>
+              <a:t> </a:t>
+            </a:r>
+            <a:r>
+              <a:rPr lang="es-419" sz="3000" b="1" i="0" u="none" strike="noStrike" cap="none" dirty="0">
                 <a:solidFill>
                   <a:srgbClr val="00FF00"/>
                 </a:solidFill>
@@ -11146,10 +10677,10 @@
                 <a:cs typeface="Courier New"/>
                 <a:sym typeface="Courier New"/>
               </a:rPr>
-              <a:t>name</a:t>
-            </a:r>
-            <a:r>
-              <a:rPr lang="en-US" sz="3000" b="1" i="0" u="none" strike="noStrike" cap="none" dirty="0">
+              <a:t>nombre</a:t>
+            </a:r>
+            <a:r>
+              <a:rPr lang="es-419" sz="3000" b="1" i="0" u="none" strike="noStrike" cap="none" dirty="0">
                 <a:solidFill>
                   <a:schemeClr val="lt1"/>
                 </a:solidFill>
@@ -11161,7 +10692,7 @@
               <a:t> </a:t>
             </a:r>
             <a:r>
-              <a:rPr lang="en-US" sz="3000" b="1" i="0" u="none" strike="noStrike" cap="none" dirty="0">
+              <a:rPr lang="es-419" sz="3000" b="1" i="0" u="none" strike="noStrike" cap="none" dirty="0">
                 <a:solidFill>
                   <a:srgbClr val="FFFF00"/>
                 </a:solidFill>
@@ -11173,7 +10704,7 @@
               <a:t>in</a:t>
             </a:r>
             <a:r>
-              <a:rPr lang="en-US" sz="3000" b="1" i="0" u="none" strike="noStrike" cap="none" dirty="0">
+              <a:rPr lang="es-419" sz="3000" b="1" i="0" u="none" strike="noStrike" cap="none" dirty="0">
                 <a:solidFill>
                   <a:schemeClr val="lt1"/>
                 </a:solidFill>
@@ -11185,7 +10716,7 @@
               <a:t> </a:t>
             </a:r>
             <a:r>
-              <a:rPr lang="en-US" sz="3000" b="1" i="0" u="none" strike="noStrike" cap="none" dirty="0">
+              <a:rPr lang="es-419" sz="3000" b="1" i="0" u="none" strike="noStrike" cap="none" dirty="0">
                 <a:solidFill>
                   <a:srgbClr val="00FF00"/>
                 </a:solidFill>
@@ -11194,10 +10725,10 @@
                 <a:cs typeface="Courier New"/>
                 <a:sym typeface="Courier New"/>
               </a:rPr>
-              <a:t>counts</a:t>
-            </a:r>
-            <a:r>
-              <a:rPr lang="en-US" sz="3000" b="1" i="0" u="none" strike="noStrike" cap="none" dirty="0">
+              <a:t>contadores</a:t>
+            </a:r>
+            <a:r>
+              <a:rPr lang="es-419" sz="3000" b="1" i="0" u="none" strike="noStrike" cap="none" dirty="0">
                 <a:solidFill>
                   <a:schemeClr val="lt1"/>
                 </a:solidFill>
@@ -11228,7 +10759,7 @@
               <a:buNone/>
             </a:pPr>
             <a:r>
-              <a:rPr lang="en-US" sz="3000" b="1" i="0" u="none" strike="noStrike" cap="none" dirty="0">
+              <a:rPr lang="es-419" sz="3000" b="1" i="0" u="none" strike="noStrike" cap="none" dirty="0">
                 <a:solidFill>
                   <a:schemeClr val="lt1"/>
                 </a:solidFill>
@@ -11240,7 +10771,7 @@
               <a:t>       </a:t>
             </a:r>
             <a:r>
-              <a:rPr lang="en-US" sz="3000" b="1" i="0" u="none" strike="noStrike" cap="none" dirty="0">
+              <a:rPr lang="es-419" sz="3000" b="1" i="0" u="none" strike="noStrike" cap="none" dirty="0">
                 <a:solidFill>
                   <a:srgbClr val="FFFF00"/>
                 </a:solidFill>
@@ -11252,7 +10783,7 @@
               <a:t>x =</a:t>
             </a:r>
             <a:r>
-              <a:rPr lang="en-US" sz="3000" b="1" i="0" u="none" strike="noStrike" cap="none" dirty="0">
+              <a:rPr lang="es-419" sz="3000" b="1" i="0" u="none" strike="noStrike" cap="none" dirty="0">
                 <a:solidFill>
                   <a:srgbClr val="00FF00"/>
                 </a:solidFill>
@@ -11261,10 +10792,10 @@
                 <a:cs typeface="Courier New"/>
                 <a:sym typeface="Courier New"/>
               </a:rPr>
-              <a:t> counts</a:t>
-            </a:r>
-            <a:r>
-              <a:rPr lang="en-US" sz="3000" b="1" i="0" u="none" strike="noStrike" cap="none" dirty="0">
+              <a:t> contadores</a:t>
+            </a:r>
+            <a:r>
+              <a:rPr lang="es-419" sz="3000" b="1" i="0" u="none" strike="noStrike" cap="none" dirty="0">
                 <a:solidFill>
                   <a:srgbClr val="00FFFF"/>
                 </a:solidFill>
@@ -11273,7 +10804,7 @@
                 <a:cs typeface="Courier New"/>
                 <a:sym typeface="Courier New"/>
               </a:rPr>
-              <a:t>[name]</a:t>
+              <a:t>[nombre]</a:t>
             </a:r>
           </a:p>
           <a:p>
@@ -11295,7 +10826,7 @@
               <a:buNone/>
             </a:pPr>
             <a:r>
-              <a:rPr lang="en-US" sz="3000" b="1" i="0" u="none" strike="noStrike" cap="none" dirty="0">
+              <a:rPr lang="es-419" sz="3000" b="1" i="0" u="none" strike="noStrike" cap="none" dirty="0">
                 <a:solidFill>
                   <a:schemeClr val="lt1"/>
                 </a:solidFill>
@@ -11307,7 +10838,7 @@
               <a:t>    </a:t>
             </a:r>
             <a:r>
-              <a:rPr lang="en-US" sz="3000" b="1" i="0" u="none" strike="noStrike" cap="none" dirty="0">
+              <a:rPr lang="es-419" sz="3000" b="1" i="0" u="none" strike="noStrike" cap="none" dirty="0" err="1">
                 <a:solidFill>
                   <a:srgbClr val="FFFF00"/>
                 </a:solidFill>
@@ -11319,7 +10850,7 @@
               <a:t>else</a:t>
             </a:r>
             <a:r>
-              <a:rPr lang="en-US" sz="3000" b="1" i="0" u="none" strike="noStrike" cap="none" dirty="0">
+              <a:rPr lang="es-419" sz="3000" b="1" i="0" u="none" strike="noStrike" cap="none" dirty="0">
                 <a:solidFill>
                   <a:schemeClr val="lt1"/>
                 </a:solidFill>
@@ -11350,7 +10881,7 @@
               <a:buNone/>
             </a:pPr>
             <a:r>
-              <a:rPr lang="en-US" sz="3000" b="1" i="0" u="none" strike="noStrike" cap="none" dirty="0">
+              <a:rPr lang="es-419" sz="3000" b="1" i="0" u="none" strike="noStrike" cap="none" dirty="0">
                 <a:solidFill>
                   <a:schemeClr val="lt1"/>
                 </a:solidFill>
@@ -11362,7 +10893,7 @@
               <a:t>       </a:t>
             </a:r>
             <a:r>
-              <a:rPr lang="en-US" sz="3000" b="1" i="0" u="none" strike="noStrike" cap="none" dirty="0">
+              <a:rPr lang="es-419" sz="3000" b="1" i="0" u="none" strike="noStrike" cap="none" dirty="0">
                 <a:solidFill>
                   <a:srgbClr val="FFFF00"/>
                 </a:solidFill>
@@ -11374,7 +10905,7 @@
               <a:t>x =</a:t>
             </a:r>
             <a:r>
-              <a:rPr lang="en-US" sz="3000" b="1" i="0" u="none" strike="noStrike" cap="none" dirty="0">
+              <a:rPr lang="es-419" sz="3000" b="1" i="0" u="none" strike="noStrike" cap="none" dirty="0">
                 <a:solidFill>
                   <a:schemeClr val="lt1"/>
                 </a:solidFill>
@@ -11386,7 +10917,7 @@
               <a:t> </a:t>
             </a:r>
             <a:r>
-              <a:rPr lang="en-US" sz="3000" b="1" i="0" u="none" strike="noStrike" cap="none" dirty="0">
+              <a:rPr lang="es-419" sz="3000" b="1" i="0" u="none" strike="noStrike" cap="none" dirty="0">
                 <a:solidFill>
                   <a:srgbClr val="FF7F00"/>
                 </a:solidFill>
@@ -11408,8 +10939,8 @@
         </p:nvSpPr>
         <p:spPr>
           <a:xfrm>
-            <a:off x="9813126" y="5748654"/>
-            <a:ext cx="6044400" cy="622199"/>
+            <a:off x="9232900" y="5748654"/>
+            <a:ext cx="6871513" cy="622199"/>
           </a:xfrm>
           <a:prstGeom prst="rect">
             <a:avLst/>
@@ -11443,7 +10974,7 @@
               <a:buNone/>
             </a:pPr>
             <a:r>
-              <a:rPr lang="en-US" sz="3000" b="1" i="0" u="none" strike="noStrike" cap="none" dirty="0">
+              <a:rPr lang="es-419" sz="3000" b="1" i="0" u="none" strike="noStrike" cap="none" dirty="0">
                 <a:solidFill>
                   <a:srgbClr val="FFFF00"/>
                 </a:solidFill>
@@ -11455,7 +10986,7 @@
               <a:t>x = </a:t>
             </a:r>
             <a:r>
-              <a:rPr lang="en-US" sz="3000" b="1" i="0" u="none" strike="noStrike" cap="none" dirty="0" err="1">
+              <a:rPr lang="es-419" sz="3000" b="1" i="0" u="none" strike="noStrike" cap="none" dirty="0" err="1">
                 <a:solidFill>
                   <a:srgbClr val="00FF00"/>
                 </a:solidFill>
@@ -11464,10 +10995,10 @@
                 <a:cs typeface="Courier New"/>
                 <a:sym typeface="Courier New"/>
               </a:rPr>
-              <a:t>counts</a:t>
-            </a:r>
-            <a:r>
-              <a:rPr lang="en-US" sz="3000" b="1" i="0" u="none" strike="noStrike" cap="none" dirty="0" err="1">
+              <a:t>contadores</a:t>
+            </a:r>
+            <a:r>
+              <a:rPr lang="es-419" sz="3000" b="1" i="0" u="none" strike="noStrike" cap="none" dirty="0" err="1">
                 <a:solidFill>
                   <a:srgbClr val="FF00FF"/>
                 </a:solidFill>
@@ -11479,7 +11010,7 @@
               <a:t>.get</a:t>
             </a:r>
             <a:r>
-              <a:rPr lang="en-US" sz="3000" b="1" i="0" u="none" strike="noStrike" cap="none" dirty="0">
+              <a:rPr lang="es-419" sz="3000" b="1" i="0" u="none" strike="noStrike" cap="none" dirty="0">
                 <a:solidFill>
                   <a:schemeClr val="lt1"/>
                 </a:solidFill>
@@ -11491,7 +11022,7 @@
               <a:t>(</a:t>
             </a:r>
             <a:r>
-              <a:rPr lang="en-US" sz="3000" b="1" i="0" u="none" strike="noStrike" cap="none" dirty="0">
+              <a:rPr lang="es-419" sz="3000" b="1" i="0" u="none" strike="noStrike" cap="none" dirty="0">
                 <a:solidFill>
                   <a:srgbClr val="00FFFF"/>
                 </a:solidFill>
@@ -11500,10 +11031,10 @@
                 <a:cs typeface="Courier New"/>
                 <a:sym typeface="Courier New"/>
               </a:rPr>
-              <a:t>name</a:t>
-            </a:r>
-            <a:r>
-              <a:rPr lang="en-US" sz="3000" b="1" i="0" u="none" strike="noStrike" cap="none" dirty="0">
+              <a:t>nombre</a:t>
+            </a:r>
+            <a:r>
+              <a:rPr lang="es-419" sz="3000" b="1" i="0" u="none" strike="noStrike" cap="none" dirty="0">
                 <a:solidFill>
                   <a:schemeClr val="lt1"/>
                 </a:solidFill>
@@ -11515,7 +11046,7 @@
               <a:t>, </a:t>
             </a:r>
             <a:r>
-              <a:rPr lang="en-US" sz="3000" b="1" i="0" u="none" strike="noStrike" cap="none" dirty="0">
+              <a:rPr lang="es-419" sz="3000" b="1" i="0" u="none" strike="noStrike" cap="none" dirty="0">
                 <a:solidFill>
                   <a:srgbClr val="FF7F00"/>
                 </a:solidFill>
@@ -11527,7 +11058,7 @@
               <a:t>0</a:t>
             </a:r>
             <a:r>
-              <a:rPr lang="en-US" sz="3000" b="1" i="0" u="none" strike="noStrike" cap="none" dirty="0">
+              <a:rPr lang="es-419" sz="3000" b="1" i="0" u="none" strike="noStrike" cap="none" dirty="0">
                 <a:solidFill>
                   <a:schemeClr val="lt1"/>
                 </a:solidFill>
@@ -11584,7 +11115,7 @@
               <a:buNone/>
             </a:pPr>
             <a:r>
-              <a:rPr lang="en-US" sz="3600" u="none" strike="noStrike" cap="none">
+              <a:rPr lang="es-419" sz="3600" u="none" strike="noStrike" cap="none" dirty="0">
                 <a:solidFill>
                   <a:srgbClr val="FF7F00"/>
                 </a:solidFill>
@@ -11593,31 +11124,7 @@
                 <a:cs typeface="Arial" charset="0"/>
                 <a:sym typeface="Cabin"/>
               </a:rPr>
-              <a:t>Default value if key does not exist (and no </a:t>
-            </a:r>
-            <a:r>
-              <a:rPr lang="en-US" sz="3600" u="none" strike="noStrike" cap="none" dirty="0" err="1">
-                <a:solidFill>
-                  <a:srgbClr val="FF7F00"/>
-                </a:solidFill>
-                <a:latin typeface="Arial" charset="0"/>
-                <a:ea typeface="Arial" charset="0"/>
-                <a:cs typeface="Arial" charset="0"/>
-                <a:sym typeface="Cabin"/>
-              </a:rPr>
-              <a:t>Traceback</a:t>
-            </a:r>
-            <a:r>
-              <a:rPr lang="en-US" sz="3600" u="none" strike="noStrike" cap="none" dirty="0">
-                <a:solidFill>
-                  <a:srgbClr val="FF7F00"/>
-                </a:solidFill>
-                <a:latin typeface="Arial" charset="0"/>
-                <a:ea typeface="Arial" charset="0"/>
-                <a:cs typeface="Arial" charset="0"/>
-                <a:sym typeface="Cabin"/>
-              </a:rPr>
-              <a:t>).</a:t>
+              <a:t>Valor por defecto si la clave no existe (y no produce errores).</a:t>
             </a:r>
           </a:p>
         </p:txBody>
@@ -11665,7 +11172,7 @@
               <a:buNone/>
             </a:pPr>
             <a:r>
-              <a:rPr lang="en-US" sz="3200" u="none" strike="noStrike" cap="none" dirty="0">
+              <a:rPr lang="es-419" sz="3200" u="none" strike="noStrike" cap="none">
                 <a:solidFill>
                   <a:srgbClr val="FF00FF"/>
                 </a:solidFill>
@@ -11677,7 +11184,7 @@
               <a:t>{</a:t>
             </a:r>
             <a:r>
-              <a:rPr lang="en-US" sz="3200" u="none" strike="noStrike" cap="none" dirty="0">
+              <a:rPr lang="es-419" sz="3200" u="none" strike="noStrike" cap="none">
                 <a:solidFill>
                   <a:srgbClr val="00FFFF"/>
                 </a:solidFill>
@@ -11686,22 +11193,22 @@
                 <a:cs typeface="Arial" charset="0"/>
                 <a:sym typeface="Cabin"/>
               </a:rPr>
-              <a:t>'</a:t>
-            </a:r>
-            <a:r>
-              <a:rPr lang="en-US" sz="3200" u="none" strike="noStrike" cap="none" dirty="0" err="1">
-                <a:solidFill>
-                  <a:srgbClr val="00FFFF"/>
+              <a:t>'csev'</a:t>
+            </a:r>
+            <a:r>
+              <a:rPr lang="es-419" sz="3200" u="none" strike="noStrike" cap="none">
+                <a:solidFill>
+                  <a:srgbClr val="FF00FF"/>
                 </a:solidFill>
                 <a:latin typeface="Arial" charset="0"/>
                 <a:ea typeface="Arial" charset="0"/>
                 <a:cs typeface="Arial" charset="0"/>
                 <a:sym typeface="Cabin"/>
               </a:rPr>
-              <a:t>csev</a:t>
-            </a:r>
-            <a:r>
-              <a:rPr lang="en-US" sz="3200" u="none" strike="noStrike" cap="none" dirty="0">
+              <a:t>: 2, </a:t>
+            </a:r>
+            <a:r>
+              <a:rPr lang="es-419" sz="3200" u="none" strike="noStrike" cap="none">
                 <a:solidFill>
                   <a:srgbClr val="00FFFF"/>
                 </a:solidFill>
@@ -11710,10 +11217,10 @@
                 <a:cs typeface="Arial" charset="0"/>
                 <a:sym typeface="Cabin"/>
               </a:rPr>
-              <a:t>'</a:t>
-            </a:r>
-            <a:r>
-              <a:rPr lang="en-US" sz="3200" u="none" strike="noStrike" cap="none" dirty="0">
+              <a:t>'zqian'</a:t>
+            </a:r>
+            <a:r>
+              <a:rPr lang="es-419" sz="3200" u="none" strike="noStrike" cap="none">
                 <a:solidFill>
                   <a:srgbClr val="FF00FF"/>
                 </a:solidFill>
@@ -11722,10 +11229,10 @@
                 <a:cs typeface="Arial" charset="0"/>
                 <a:sym typeface="Cabin"/>
               </a:rPr>
-              <a:t>: 2, </a:t>
-            </a:r>
-            <a:r>
-              <a:rPr lang="en-US" sz="3200" u="none" strike="noStrike" cap="none" dirty="0">
+              <a:t>: 1,</a:t>
+            </a:r>
+            <a:r>
+              <a:rPr lang="es-419" sz="3200" u="none" strike="noStrike" cap="none">
                 <a:solidFill>
                   <a:srgbClr val="00FFFF"/>
                 </a:solidFill>
@@ -11734,82 +11241,10 @@
                 <a:cs typeface="Arial" charset="0"/>
                 <a:sym typeface="Cabin"/>
               </a:rPr>
-              <a:t>'</a:t>
-            </a:r>
-            <a:r>
-              <a:rPr lang="en-US" sz="3200" u="none" strike="noStrike" cap="none" dirty="0" err="1">
-                <a:solidFill>
-                  <a:srgbClr val="00FFFF"/>
-                </a:solidFill>
-                <a:latin typeface="Arial" charset="0"/>
-                <a:ea typeface="Arial" charset="0"/>
-                <a:cs typeface="Arial" charset="0"/>
-                <a:sym typeface="Cabin"/>
-              </a:rPr>
-              <a:t>zqian</a:t>
-            </a:r>
-            <a:r>
-              <a:rPr lang="en-US" sz="3200" u="none" strike="noStrike" cap="none" dirty="0">
-                <a:solidFill>
-                  <a:srgbClr val="00FFFF"/>
-                </a:solidFill>
-                <a:latin typeface="Arial" charset="0"/>
-                <a:ea typeface="Arial" charset="0"/>
-                <a:cs typeface="Arial" charset="0"/>
-                <a:sym typeface="Cabin"/>
-              </a:rPr>
-              <a:t>'</a:t>
-            </a:r>
-            <a:r>
-              <a:rPr lang="en-US" sz="3200" u="none" strike="noStrike" cap="none" dirty="0">
-                <a:solidFill>
-                  <a:srgbClr val="FF00FF"/>
-                </a:solidFill>
-                <a:latin typeface="Arial" charset="0"/>
-                <a:ea typeface="Arial" charset="0"/>
-                <a:cs typeface="Arial" charset="0"/>
-                <a:sym typeface="Cabin"/>
-              </a:rPr>
-              <a:t>: 1,</a:t>
-            </a:r>
-            <a:r>
-              <a:rPr lang="en-US" sz="3200" u="none" strike="noStrike" cap="none" dirty="0">
-                <a:solidFill>
-                  <a:srgbClr val="00FFFF"/>
-                </a:solidFill>
-                <a:latin typeface="Arial" charset="0"/>
-                <a:ea typeface="Arial" charset="0"/>
-                <a:cs typeface="Arial" charset="0"/>
-                <a:sym typeface="Cabin"/>
-              </a:rPr>
-              <a:t> '</a:t>
-            </a:r>
-            <a:r>
-              <a:rPr lang="en-US" sz="3200" u="none" strike="noStrike" cap="none" dirty="0" err="1">
-                <a:solidFill>
-                  <a:srgbClr val="00FFFF"/>
-                </a:solidFill>
-                <a:latin typeface="Arial" charset="0"/>
-                <a:ea typeface="Arial" charset="0"/>
-                <a:cs typeface="Arial" charset="0"/>
-                <a:sym typeface="Cabin"/>
-              </a:rPr>
-              <a:t>cwen</a:t>
-            </a:r>
-            <a:r>
-              <a:rPr lang="en-US" sz="3200" u="none" strike="noStrike" cap="none" dirty="0">
-                <a:solidFill>
-                  <a:srgbClr val="00FFFF"/>
-                </a:solidFill>
-                <a:latin typeface="Arial" charset="0"/>
-                <a:ea typeface="Arial" charset="0"/>
-                <a:cs typeface="Arial" charset="0"/>
-                <a:sym typeface="Cabin"/>
-              </a:rPr>
-              <a:t>'</a:t>
-            </a:r>
-            <a:r>
-              <a:rPr lang="en-US" sz="3200" u="none" strike="noStrike" cap="none" dirty="0">
+              <a:t> 'cwen'</a:t>
+            </a:r>
+            <a:r>
+              <a:rPr lang="es-419" sz="3200" u="none" strike="noStrike" cap="none">
                 <a:solidFill>
                   <a:srgbClr val="FF00FF"/>
                 </a:solidFill>
@@ -11828,13 +11263,6 @@
   <p:clrMapOvr>
     <a:masterClrMapping/>
   </p:clrMapOvr>
-  <p:timing>
-    <p:tnLst>
-      <p:par>
-        <p:cTn xmlns:p14="http://schemas.microsoft.com/office/powerpoint/2010/main" id="1" dur="indefinite" restart="never" nodeType="tmRoot"/>
-      </p:par>
-    </p:tnLst>
-  </p:timing>
 </p:sld>
 </file>
 
@@ -11867,8 +11295,8 @@
         </p:nvSpPr>
         <p:spPr>
           <a:xfrm>
-            <a:off x="632178" y="933626"/>
-            <a:ext cx="14991644" cy="1247721"/>
+            <a:off x="1" y="933626"/>
+            <a:ext cx="16256000" cy="1247721"/>
           </a:xfrm>
           <a:prstGeom prst="rect">
             <a:avLst/>
@@ -11902,7 +11330,7 @@
               <a:buNone/>
             </a:pPr>
             <a:r>
-              <a:rPr lang="en-US" sz="7750" u="none" strike="noStrike" cap="none" dirty="0">
+              <a:rPr lang="es-419" sz="7750" u="none" strike="noStrike" cap="none" dirty="0">
                 <a:solidFill>
                   <a:srgbClr val="FFFF00"/>
                 </a:solidFill>
@@ -11911,46 +11339,22 @@
                 <a:cs typeface="Arial" charset="0"/>
                 <a:sym typeface="Cabin"/>
               </a:rPr>
-              <a:t>Simplified </a:t>
-            </a:r>
-            <a:r>
-              <a:rPr lang="en-US" sz="7750" u="none" strike="noStrike" cap="none" dirty="0" smtClean="0">
-                <a:solidFill>
-                  <a:srgbClr val="FFFF00"/>
+              <a:t>Conteo Simplificado usando </a:t>
+            </a:r>
+            <a:r>
+              <a:rPr lang="es-419" sz="7750" u="none" strike="noStrike" cap="none" dirty="0" err="1">
+                <a:solidFill>
+                  <a:srgbClr val="FF00FF"/>
                 </a:solidFill>
                 <a:latin typeface="Arial" charset="0"/>
                 <a:ea typeface="Arial" charset="0"/>
                 <a:cs typeface="Arial" charset="0"/>
                 <a:sym typeface="Cabin"/>
               </a:rPr>
-              <a:t>Counting </a:t>
-            </a:r>
-            <a:r>
-              <a:rPr lang="en-US" sz="7750" u="none" strike="noStrike" cap="none" dirty="0">
-                <a:solidFill>
-                  <a:srgbClr val="FFFF00"/>
-                </a:solidFill>
-                <a:latin typeface="Arial" charset="0"/>
-                <a:ea typeface="Arial" charset="0"/>
-                <a:cs typeface="Arial" charset="0"/>
-                <a:sym typeface="Cabin"/>
-              </a:rPr>
-              <a:t>with </a:t>
-            </a:r>
-            <a:r>
-              <a:rPr lang="en-US" sz="7750" u="none" strike="noStrike" cap="none" dirty="0">
-                <a:solidFill>
-                  <a:srgbClr val="FF00FF"/>
-                </a:solidFill>
-                <a:latin typeface="Arial" charset="0"/>
-                <a:ea typeface="Arial" charset="0"/>
-                <a:cs typeface="Arial" charset="0"/>
-                <a:sym typeface="Cabin"/>
-              </a:rPr>
               <a:t>get</a:t>
             </a:r>
             <a:r>
-              <a:rPr lang="en-US" sz="7750" u="none" strike="noStrike" cap="none" dirty="0">
+              <a:rPr lang="es-419" sz="7750" u="none" strike="noStrike" cap="none" dirty="0">
                 <a:solidFill>
                   <a:srgbClr val="FFFF00"/>
                 </a:solidFill>
@@ -12007,7 +11411,7 @@
               <a:buNone/>
             </a:pPr>
             <a:r>
-              <a:rPr lang="en-US" sz="3600" b="0" u="none" strike="noStrike" cap="none" dirty="0">
+              <a:rPr lang="es-419" sz="3600" b="0" u="none" strike="noStrike" cap="none" dirty="0">
                 <a:solidFill>
                   <a:schemeClr val="lt1"/>
                 </a:solidFill>
@@ -12016,10 +11420,10 @@
                 <a:cs typeface="Arial" charset="0"/>
                 <a:sym typeface="Cabin"/>
               </a:rPr>
-              <a:t>We can use </a:t>
-            </a:r>
-            <a:r>
-              <a:rPr lang="en-US" sz="3600" b="0" u="none" strike="noStrike" cap="none" dirty="0">
+              <a:t>Podemos usar </a:t>
+            </a:r>
+            <a:r>
+              <a:rPr lang="es-419" sz="3600" b="0" u="none" strike="noStrike" cap="none" dirty="0" err="1">
                 <a:solidFill>
                   <a:srgbClr val="FF00FF"/>
                 </a:solidFill>
@@ -12031,7 +11435,7 @@
               <a:t>get</a:t>
             </a:r>
             <a:r>
-              <a:rPr lang="en-US" sz="3600" b="0" u="none" strike="noStrike" cap="none" dirty="0">
+              <a:rPr lang="es-419" sz="3600" b="0" u="none" strike="noStrike" cap="none" dirty="0">
                 <a:solidFill>
                   <a:schemeClr val="lt1"/>
                 </a:solidFill>
@@ -12040,22 +11444,22 @@
                 <a:cs typeface="Arial" charset="0"/>
                 <a:sym typeface="Cabin"/>
               </a:rPr>
-              <a:t>() and provide a </a:t>
-            </a:r>
-            <a:r>
-              <a:rPr lang="en-US" sz="3600" b="0" u="none" strike="noStrike" cap="none" dirty="0">
-                <a:solidFill>
-                  <a:srgbClr val="FF7F00"/>
+              <a:t>() </a:t>
+            </a:r>
+            <a:r>
+              <a:rPr lang="es-419" sz="3600" b="0" dirty="0">
+                <a:solidFill>
+                  <a:schemeClr val="lt1"/>
                 </a:solidFill>
                 <a:latin typeface="Arial" charset="0"/>
                 <a:ea typeface="Arial" charset="0"/>
                 <a:cs typeface="Arial" charset="0"/>
                 <a:sym typeface="Cabin"/>
               </a:rPr>
-              <a:t>default value of zero</a:t>
-            </a:r>
-            <a:r>
-              <a:rPr lang="en-US" sz="3600" b="0" u="none" strike="noStrike" cap="none" dirty="0">
+              <a:t>y proveer un</a:t>
+            </a:r>
+            <a:r>
+              <a:rPr lang="es-419" sz="3600" b="0" u="none" strike="noStrike" cap="none" dirty="0">
                 <a:solidFill>
                   <a:schemeClr val="lt1"/>
                 </a:solidFill>
@@ -12064,22 +11468,22 @@
                 <a:cs typeface="Arial" charset="0"/>
                 <a:sym typeface="Cabin"/>
               </a:rPr>
-              <a:t> when the </a:t>
-            </a:r>
-            <a:r>
-              <a:rPr lang="en-US" sz="3600" b="0" u="none" strike="noStrike" cap="none" dirty="0">
-                <a:solidFill>
-                  <a:srgbClr val="00FFFF"/>
+              <a:t> </a:t>
+            </a:r>
+            <a:r>
+              <a:rPr lang="es-419" sz="3600" b="0" dirty="0">
+                <a:solidFill>
+                  <a:srgbClr val="FF7F00"/>
                 </a:solidFill>
                 <a:latin typeface="Arial" charset="0"/>
                 <a:ea typeface="Arial" charset="0"/>
                 <a:cs typeface="Arial" charset="0"/>
                 <a:sym typeface="Cabin"/>
               </a:rPr>
-              <a:t>key</a:t>
-            </a:r>
-            <a:r>
-              <a:rPr lang="en-US" sz="3600" b="0" u="none" strike="noStrike" cap="none" dirty="0">
+              <a:t>valor por defecto de cero</a:t>
+            </a:r>
+            <a:r>
+              <a:rPr lang="es-419" sz="3600" b="0" u="none" strike="noStrike" cap="none" dirty="0">
                 <a:solidFill>
                   <a:schemeClr val="lt1"/>
                 </a:solidFill>
@@ -12088,7 +11492,31 @@
                 <a:cs typeface="Arial" charset="0"/>
                 <a:sym typeface="Cabin"/>
               </a:rPr>
-              <a:t> is not yet in the dictionary - and then just add one</a:t>
+              <a:t> cuando la </a:t>
+            </a:r>
+            <a:r>
+              <a:rPr lang="es-419" sz="3600" b="0" dirty="0">
+                <a:solidFill>
+                  <a:srgbClr val="00FFFF"/>
+                </a:solidFill>
+                <a:latin typeface="Arial" charset="0"/>
+                <a:ea typeface="Arial" charset="0"/>
+                <a:cs typeface="Arial" charset="0"/>
+                <a:sym typeface="Cabin"/>
+              </a:rPr>
+              <a:t>clave</a:t>
+            </a:r>
+            <a:r>
+              <a:rPr lang="es-419" sz="3600" b="0" u="none" strike="noStrike" cap="none" dirty="0">
+                <a:solidFill>
+                  <a:schemeClr val="lt1"/>
+                </a:solidFill>
+                <a:latin typeface="Arial" charset="0"/>
+                <a:ea typeface="Arial" charset="0"/>
+                <a:cs typeface="Arial" charset="0"/>
+                <a:sym typeface="Cabin"/>
+              </a:rPr>
+              <a:t> no existe aún en el diccionario - y después sumar uno</a:t>
             </a:r>
           </a:p>
         </p:txBody>
@@ -12101,8 +11529,8 @@
         </p:nvSpPr>
         <p:spPr>
           <a:xfrm>
-            <a:off x="1698775" y="4234248"/>
-            <a:ext cx="10558500" cy="2155799"/>
+            <a:off x="1698774" y="4234248"/>
+            <a:ext cx="11653971" cy="2155799"/>
           </a:xfrm>
           <a:prstGeom prst="rect">
             <a:avLst/>
@@ -12136,7 +11564,7 @@
               <a:buNone/>
             </a:pPr>
             <a:r>
-              <a:rPr lang="en-US" sz="2800" b="1" i="0" u="none" strike="noStrike" cap="none" dirty="0">
+              <a:rPr lang="es-419" sz="2800" b="1" i="0" u="none" strike="noStrike" cap="none" dirty="0">
                 <a:solidFill>
                   <a:srgbClr val="00FF00"/>
                 </a:solidFill>
@@ -12145,10 +11573,10 @@
                 <a:cs typeface="Courier New"/>
                 <a:sym typeface="Courier New"/>
               </a:rPr>
-              <a:t>counts</a:t>
-            </a:r>
-            <a:r>
-              <a:rPr lang="en-US" sz="2800" b="1" i="0" u="none" strike="noStrike" cap="none" dirty="0">
+              <a:t>contadores</a:t>
+            </a:r>
+            <a:r>
+              <a:rPr lang="es-419" sz="2800" b="1" i="0" u="none" strike="noStrike" cap="none" dirty="0">
                 <a:solidFill>
                   <a:schemeClr val="lt1"/>
                 </a:solidFill>
@@ -12160,7 +11588,7 @@
               <a:t> = </a:t>
             </a:r>
             <a:r>
-              <a:rPr lang="en-US" sz="2800" b="1" i="0" u="none" strike="noStrike" cap="none" dirty="0" err="1">
+              <a:rPr lang="es-419" sz="2800" b="1" i="0" u="none" strike="noStrike" cap="none" dirty="0" err="1">
                 <a:solidFill>
                   <a:srgbClr val="FF00FF"/>
                 </a:solidFill>
@@ -12172,7 +11600,7 @@
               <a:t>dict</a:t>
             </a:r>
             <a:r>
-              <a:rPr lang="en-US" sz="2800" b="1" i="0" u="none" strike="noStrike" cap="none" dirty="0">
+              <a:rPr lang="es-419" sz="2800" b="1" i="0" u="none" strike="noStrike" cap="none" dirty="0">
                 <a:solidFill>
                   <a:schemeClr val="lt1"/>
                 </a:solidFill>
@@ -12203,7 +11631,7 @@
               <a:buNone/>
             </a:pPr>
             <a:r>
-              <a:rPr lang="en-US" sz="2800" b="1" i="0" u="none" strike="noStrike" cap="none" dirty="0">
+              <a:rPr lang="es-419" sz="2800" b="1" i="0" u="none" strike="noStrike" cap="none" dirty="0">
                 <a:solidFill>
                   <a:srgbClr val="00FF00"/>
                 </a:solidFill>
@@ -12212,10 +11640,10 @@
                 <a:cs typeface="Courier New"/>
                 <a:sym typeface="Courier New"/>
               </a:rPr>
-              <a:t>names</a:t>
-            </a:r>
-            <a:r>
-              <a:rPr lang="en-US" sz="2800" b="1" i="0" u="none" strike="noStrike" cap="none" dirty="0">
+              <a:t>nombres</a:t>
+            </a:r>
+            <a:r>
+              <a:rPr lang="es-419" sz="2800" b="1" i="0" u="none" strike="noStrike" cap="none" dirty="0">
                 <a:solidFill>
                   <a:schemeClr val="lt1"/>
                 </a:solidFill>
@@ -12227,7 +11655,7 @@
               <a:t> = ['</a:t>
             </a:r>
             <a:r>
-              <a:rPr lang="en-US" sz="2800" b="1" i="0" u="none" strike="noStrike" cap="none" dirty="0" err="1">
+              <a:rPr lang="es-419" sz="2800" b="1" i="0" u="none" strike="noStrike" cap="none" dirty="0" err="1">
                 <a:solidFill>
                   <a:schemeClr val="lt1"/>
                 </a:solidFill>
@@ -12239,7 +11667,7 @@
               <a:t>csev</a:t>
             </a:r>
             <a:r>
-              <a:rPr lang="en-US" sz="2800" b="1" i="0" u="none" strike="noStrike" cap="none" dirty="0">
+              <a:rPr lang="es-419" sz="2800" b="1" i="0" u="none" strike="noStrike" cap="none" dirty="0">
                 <a:solidFill>
                   <a:schemeClr val="lt1"/>
                 </a:solidFill>
@@ -12251,7 +11679,7 @@
               <a:t>', '</a:t>
             </a:r>
             <a:r>
-              <a:rPr lang="en-US" sz="2800" b="1" i="0" u="none" strike="noStrike" cap="none" dirty="0" err="1">
+              <a:rPr lang="es-419" sz="2800" b="1" i="0" u="none" strike="noStrike" cap="none" dirty="0" err="1">
                 <a:solidFill>
                   <a:schemeClr val="lt1"/>
                 </a:solidFill>
@@ -12263,7 +11691,7 @@
               <a:t>cwen</a:t>
             </a:r>
             <a:r>
-              <a:rPr lang="en-US" sz="2800" b="1" i="0" u="none" strike="noStrike" cap="none" dirty="0">
+              <a:rPr lang="es-419" sz="2800" b="1" i="0" u="none" strike="noStrike" cap="none" dirty="0">
                 <a:solidFill>
                   <a:schemeClr val="lt1"/>
                 </a:solidFill>
@@ -12275,7 +11703,7 @@
               <a:t>', '</a:t>
             </a:r>
             <a:r>
-              <a:rPr lang="en-US" sz="2800" b="1" i="0" u="none" strike="noStrike" cap="none" dirty="0" err="1">
+              <a:rPr lang="es-419" sz="2800" b="1" i="0" u="none" strike="noStrike" cap="none" dirty="0" err="1">
                 <a:solidFill>
                   <a:schemeClr val="lt1"/>
                 </a:solidFill>
@@ -12287,7 +11715,7 @@
               <a:t>csev</a:t>
             </a:r>
             <a:r>
-              <a:rPr lang="en-US" sz="2800" b="1" i="0" u="none" strike="noStrike" cap="none" dirty="0">
+              <a:rPr lang="es-419" sz="2800" b="1" i="0" u="none" strike="noStrike" cap="none" dirty="0">
                 <a:solidFill>
                   <a:schemeClr val="lt1"/>
                 </a:solidFill>
@@ -12299,7 +11727,7 @@
               <a:t>', '</a:t>
             </a:r>
             <a:r>
-              <a:rPr lang="en-US" sz="2800" b="1" i="0" u="none" strike="noStrike" cap="none" dirty="0" err="1">
+              <a:rPr lang="es-419" sz="2800" b="1" i="0" u="none" strike="noStrike" cap="none" dirty="0" err="1">
                 <a:solidFill>
                   <a:schemeClr val="lt1"/>
                 </a:solidFill>
@@ -12311,7 +11739,7 @@
               <a:t>zqian</a:t>
             </a:r>
             <a:r>
-              <a:rPr lang="en-US" sz="2800" b="1" i="0" u="none" strike="noStrike" cap="none" dirty="0">
+              <a:rPr lang="es-419" sz="2800" b="1" i="0" u="none" strike="noStrike" cap="none" dirty="0">
                 <a:solidFill>
                   <a:schemeClr val="lt1"/>
                 </a:solidFill>
@@ -12323,7 +11751,7 @@
               <a:t>', '</a:t>
             </a:r>
             <a:r>
-              <a:rPr lang="en-US" sz="2800" b="1" i="0" u="none" strike="noStrike" cap="none" dirty="0" err="1">
+              <a:rPr lang="es-419" sz="2800" b="1" i="0" u="none" strike="noStrike" cap="none" dirty="0" err="1">
                 <a:solidFill>
                   <a:schemeClr val="lt1"/>
                 </a:solidFill>
@@ -12335,7 +11763,7 @@
               <a:t>cwen</a:t>
             </a:r>
             <a:r>
-              <a:rPr lang="en-US" sz="2800" b="1" i="0" u="none" strike="noStrike" cap="none" dirty="0">
+              <a:rPr lang="es-419" sz="2800" b="1" i="0" u="none" strike="noStrike" cap="none" dirty="0">
                 <a:solidFill>
                   <a:schemeClr val="lt1"/>
                 </a:solidFill>
@@ -12345,6 +11773,250 @@
                 <a:sym typeface="Courier New"/>
               </a:rPr>
               <a:t>']</a:t>
+            </a:r>
+          </a:p>
+          <a:p>
+            <a:pPr lvl="0">
+              <a:buClr>
+                <a:srgbClr val="FFFF00"/>
+              </a:buClr>
+              <a:buSzPct val="25000"/>
+            </a:pPr>
+            <a:r>
+              <a:rPr lang="es-419" sz="2800" b="1" i="0" u="none" strike="noStrike" cap="none" dirty="0" err="1">
+                <a:solidFill>
+                  <a:srgbClr val="FFFF00"/>
+                </a:solidFill>
+                <a:latin typeface="Courier New"/>
+                <a:ea typeface="Courier New"/>
+                <a:cs typeface="Courier New"/>
+                <a:sym typeface="Courier New"/>
+              </a:rPr>
+              <a:t>for</a:t>
+            </a:r>
+            <a:r>
+              <a:rPr lang="es-419" sz="2800" b="1" i="0" u="none" strike="noStrike" cap="none" dirty="0">
+                <a:solidFill>
+                  <a:schemeClr val="lt1"/>
+                </a:solidFill>
+                <a:latin typeface="Courier New"/>
+                <a:ea typeface="Courier New"/>
+                <a:cs typeface="Courier New"/>
+                <a:sym typeface="Courier New"/>
+              </a:rPr>
+              <a:t> </a:t>
+            </a:r>
+            <a:r>
+              <a:rPr lang="es-419" sz="2800" b="1" i="0" u="none" strike="noStrike" cap="none" dirty="0">
+                <a:solidFill>
+                  <a:srgbClr val="00FF00"/>
+                </a:solidFill>
+                <a:latin typeface="Courier New"/>
+                <a:ea typeface="Courier New"/>
+                <a:cs typeface="Courier New"/>
+                <a:sym typeface="Courier New"/>
+              </a:rPr>
+              <a:t>nombre</a:t>
+            </a:r>
+            <a:r>
+              <a:rPr lang="es-419" sz="2800" b="1" i="0" u="none" strike="noStrike" cap="none" dirty="0">
+                <a:solidFill>
+                  <a:schemeClr val="lt1"/>
+                </a:solidFill>
+                <a:latin typeface="Courier New"/>
+                <a:ea typeface="Courier New"/>
+                <a:cs typeface="Courier New"/>
+                <a:sym typeface="Courier New"/>
+              </a:rPr>
+              <a:t> </a:t>
+            </a:r>
+            <a:r>
+              <a:rPr lang="es-419" sz="2800" b="1" i="0" u="none" strike="noStrike" cap="none" dirty="0">
+                <a:solidFill>
+                  <a:srgbClr val="FFFF00"/>
+                </a:solidFill>
+                <a:latin typeface="Courier New"/>
+                <a:ea typeface="Courier New"/>
+                <a:cs typeface="Courier New"/>
+                <a:sym typeface="Courier New"/>
+              </a:rPr>
+              <a:t>in</a:t>
+            </a:r>
+            <a:r>
+              <a:rPr lang="es-419" sz="2800" b="1" i="0" u="none" strike="noStrike" cap="none" dirty="0">
+                <a:solidFill>
+                  <a:schemeClr val="lt1"/>
+                </a:solidFill>
+                <a:latin typeface="Courier New"/>
+                <a:ea typeface="Courier New"/>
+                <a:cs typeface="Courier New"/>
+                <a:sym typeface="Courier New"/>
+              </a:rPr>
+              <a:t> </a:t>
+            </a:r>
+            <a:r>
+              <a:rPr lang="es-419" sz="2800" b="1" dirty="0">
+                <a:solidFill>
+                  <a:srgbClr val="00FF00"/>
+                </a:solidFill>
+                <a:latin typeface="Courier New"/>
+                <a:ea typeface="Courier New"/>
+                <a:cs typeface="Courier New"/>
+                <a:sym typeface="Courier New"/>
+              </a:rPr>
+              <a:t>nombres</a:t>
+            </a:r>
+            <a:r>
+              <a:rPr lang="es-419" sz="2800" b="1" i="0" u="none" strike="noStrike" cap="none" dirty="0">
+                <a:solidFill>
+                  <a:schemeClr val="lt1"/>
+                </a:solidFill>
+                <a:latin typeface="Courier New"/>
+                <a:ea typeface="Courier New"/>
+                <a:cs typeface="Courier New"/>
+                <a:sym typeface="Courier New"/>
+              </a:rPr>
+              <a:t> :</a:t>
+            </a:r>
+          </a:p>
+          <a:p>
+            <a:pPr lvl="0">
+              <a:buClr>
+                <a:schemeClr val="lt1"/>
+              </a:buClr>
+              <a:buSzPct val="25000"/>
+            </a:pPr>
+            <a:r>
+              <a:rPr lang="es-419" sz="2800" b="1" dirty="0">
+                <a:solidFill>
+                  <a:schemeClr val="lt1"/>
+                </a:solidFill>
+                <a:latin typeface="Courier New"/>
+                <a:ea typeface="Courier New"/>
+                <a:cs typeface="Courier New"/>
+                <a:sym typeface="Courier New"/>
+              </a:rPr>
+              <a:t>    </a:t>
+            </a:r>
+            <a:r>
+              <a:rPr lang="es-419" sz="2800" b="1" dirty="0">
+                <a:solidFill>
+                  <a:srgbClr val="00FF00"/>
+                </a:solidFill>
+                <a:latin typeface="Courier New"/>
+                <a:ea typeface="Courier New"/>
+                <a:cs typeface="Courier New"/>
+                <a:sym typeface="Courier New"/>
+              </a:rPr>
+              <a:t>contadores</a:t>
+            </a:r>
+            <a:r>
+              <a:rPr lang="es-419" sz="2800" b="1" i="0" u="none" strike="noStrike" cap="none" dirty="0">
+                <a:solidFill>
+                  <a:srgbClr val="00FFFF"/>
+                </a:solidFill>
+                <a:latin typeface="Courier New"/>
+                <a:ea typeface="Courier New"/>
+                <a:cs typeface="Courier New"/>
+                <a:sym typeface="Courier New"/>
+              </a:rPr>
+              <a:t>[nombre]</a:t>
+            </a:r>
+            <a:r>
+              <a:rPr lang="es-419" sz="2800" b="1" i="0" u="none" strike="noStrike" cap="none" dirty="0">
+                <a:solidFill>
+                  <a:schemeClr val="lt1"/>
+                </a:solidFill>
+                <a:latin typeface="Courier New"/>
+                <a:ea typeface="Courier New"/>
+                <a:cs typeface="Courier New"/>
+                <a:sym typeface="Courier New"/>
+              </a:rPr>
+              <a:t> = </a:t>
+            </a:r>
+            <a:r>
+              <a:rPr lang="es-419" sz="2800" b="1" dirty="0" err="1">
+                <a:solidFill>
+                  <a:srgbClr val="00FF00"/>
+                </a:solidFill>
+                <a:latin typeface="Courier New"/>
+                <a:ea typeface="Courier New"/>
+                <a:cs typeface="Courier New"/>
+                <a:sym typeface="Courier New"/>
+              </a:rPr>
+              <a:t>contadores</a:t>
+            </a:r>
+            <a:r>
+              <a:rPr lang="es-419" sz="2800" b="1" i="0" u="none" strike="noStrike" cap="none" dirty="0" err="1">
+                <a:solidFill>
+                  <a:srgbClr val="FF00FF"/>
+                </a:solidFill>
+                <a:latin typeface="Courier New"/>
+                <a:ea typeface="Courier New"/>
+                <a:cs typeface="Courier New"/>
+                <a:sym typeface="Courier New"/>
+              </a:rPr>
+              <a:t>.get</a:t>
+            </a:r>
+            <a:r>
+              <a:rPr lang="es-419" sz="2800" b="1" i="0" u="none" strike="noStrike" cap="none" dirty="0">
+                <a:solidFill>
+                  <a:srgbClr val="00FF00"/>
+                </a:solidFill>
+                <a:latin typeface="Courier New"/>
+                <a:ea typeface="Courier New"/>
+                <a:cs typeface="Courier New"/>
+                <a:sym typeface="Courier New"/>
+              </a:rPr>
+              <a:t>(</a:t>
+            </a:r>
+            <a:r>
+              <a:rPr lang="es-419" sz="2800" b="1" i="0" u="none" strike="noStrike" cap="none" dirty="0">
+                <a:solidFill>
+                  <a:srgbClr val="00FFFF"/>
+                </a:solidFill>
+                <a:latin typeface="Courier New"/>
+                <a:ea typeface="Courier New"/>
+                <a:cs typeface="Courier New"/>
+                <a:sym typeface="Courier New"/>
+              </a:rPr>
+              <a:t>nombre, </a:t>
+            </a:r>
+            <a:r>
+              <a:rPr lang="es-419" sz="2800" b="1" i="0" u="none" strike="noStrike" cap="none" dirty="0">
+                <a:solidFill>
+                  <a:srgbClr val="FF7F00"/>
+                </a:solidFill>
+                <a:latin typeface="Courier New"/>
+                <a:ea typeface="Courier New"/>
+                <a:cs typeface="Courier New"/>
+                <a:sym typeface="Courier New"/>
+              </a:rPr>
+              <a:t>0</a:t>
+            </a:r>
+            <a:r>
+              <a:rPr lang="es-419" sz="2800" b="1" i="0" u="none" strike="noStrike" cap="none" dirty="0">
+                <a:solidFill>
+                  <a:srgbClr val="00FFFF"/>
+                </a:solidFill>
+                <a:latin typeface="Courier New"/>
+                <a:ea typeface="Courier New"/>
+                <a:cs typeface="Courier New"/>
+                <a:sym typeface="Courier New"/>
+              </a:rPr>
+              <a:t>)</a:t>
+            </a:r>
+            <a:r>
+              <a:rPr lang="es-419" sz="2800" b="1" i="0" u="none" strike="noStrike" cap="none" dirty="0">
+                <a:solidFill>
+                  <a:schemeClr val="lt1"/>
+                </a:solidFill>
+                <a:latin typeface="Courier New"/>
+                <a:ea typeface="Courier New"/>
+                <a:cs typeface="Courier New"/>
+                <a:sym typeface="Courier New"/>
+              </a:rPr>
+              <a:t> + 1</a:t>
             </a:r>
           </a:p>
           <a:p>
@@ -12366,7 +12038,7 @@
               <a:buNone/>
             </a:pPr>
             <a:r>
-              <a:rPr lang="en-US" sz="2800" b="1" i="0" u="none" strike="noStrike" cap="none" dirty="0">
+              <a:rPr lang="es-419" sz="2800" b="1" i="0" u="none" strike="noStrike" cap="none" dirty="0" err="1">
                 <a:solidFill>
                   <a:srgbClr val="FFFF00"/>
                 </a:solidFill>
@@ -12375,22 +12047,22 @@
                 <a:cs typeface="Courier New"/>
                 <a:sym typeface="Courier New"/>
               </a:rPr>
-              <a:t>for</a:t>
-            </a:r>
-            <a:r>
-              <a:rPr lang="en-US" sz="2800" b="1" i="0" u="none" strike="noStrike" cap="none" dirty="0">
-                <a:solidFill>
-                  <a:schemeClr val="lt1"/>
-                </a:solidFill>
-                <a:latin typeface="Courier New"/>
-                <a:ea typeface="Courier New"/>
-                <a:cs typeface="Courier New"/>
-                <a:sym typeface="Courier New"/>
-              </a:rPr>
-              <a:t> </a:t>
-            </a:r>
-            <a:r>
-              <a:rPr lang="en-US" sz="2800" b="1" i="0" u="none" strike="noStrike" cap="none" dirty="0">
+              <a:t>print</a:t>
+            </a:r>
+            <a:r>
+              <a:rPr lang="es-419" sz="2800" b="1" i="0" u="none" strike="noStrike" cap="none" dirty="0">
+                <a:solidFill>
+                  <a:srgbClr val="FFFF00"/>
+                </a:solidFill>
+                <a:latin typeface="Courier New"/>
+                <a:ea typeface="Courier New"/>
+                <a:cs typeface="Courier New"/>
+                <a:sym typeface="Courier New"/>
+              </a:rPr>
+              <a:t>(</a:t>
+            </a:r>
+            <a:r>
+              <a:rPr lang="es-419" sz="2800" b="1" i="0" u="none" strike="noStrike" cap="none" dirty="0">
                 <a:solidFill>
                   <a:srgbClr val="00FF00"/>
                 </a:solidFill>
@@ -12399,22 +12071,10 @@
                 <a:cs typeface="Courier New"/>
                 <a:sym typeface="Courier New"/>
               </a:rPr>
-              <a:t>name</a:t>
-            </a:r>
-            <a:r>
-              <a:rPr lang="en-US" sz="2800" b="1" i="0" u="none" strike="noStrike" cap="none" dirty="0">
-                <a:solidFill>
-                  <a:schemeClr val="lt1"/>
-                </a:solidFill>
-                <a:latin typeface="Courier New"/>
-                <a:ea typeface="Courier New"/>
-                <a:cs typeface="Courier New"/>
-                <a:sym typeface="Courier New"/>
-              </a:rPr>
-              <a:t> </a:t>
-            </a:r>
-            <a:r>
-              <a:rPr lang="en-US" sz="2800" b="1" i="0" u="none" strike="noStrike" cap="none" dirty="0">
+              <a:t>contadores</a:t>
+            </a:r>
+            <a:r>
+              <a:rPr lang="es-419" sz="2800" b="1" i="0" u="none" strike="noStrike" cap="none" dirty="0">
                 <a:solidFill>
                   <a:srgbClr val="FFFF00"/>
                 </a:solidFill>
@@ -12423,259 +12083,8 @@
                 <a:cs typeface="Courier New"/>
                 <a:sym typeface="Courier New"/>
               </a:rPr>
-              <a:t>in</a:t>
-            </a:r>
-            <a:r>
-              <a:rPr lang="en-US" sz="2800" b="1" i="0" u="none" strike="noStrike" cap="none" dirty="0">
-                <a:solidFill>
-                  <a:schemeClr val="lt1"/>
-                </a:solidFill>
-                <a:latin typeface="Courier New"/>
-                <a:ea typeface="Courier New"/>
-                <a:cs typeface="Courier New"/>
-                <a:sym typeface="Courier New"/>
-              </a:rPr>
-              <a:t> </a:t>
-            </a:r>
-            <a:r>
-              <a:rPr lang="en-US" sz="2800" b="1" i="0" u="none" strike="noStrike" cap="none" dirty="0">
-                <a:solidFill>
-                  <a:srgbClr val="00FF00"/>
-                </a:solidFill>
-                <a:latin typeface="Courier New"/>
-                <a:ea typeface="Courier New"/>
-                <a:cs typeface="Courier New"/>
-                <a:sym typeface="Courier New"/>
-              </a:rPr>
-              <a:t>names</a:t>
-            </a:r>
-            <a:r>
-              <a:rPr lang="en-US" sz="2800" b="1" i="0" u="none" strike="noStrike" cap="none" dirty="0">
-                <a:solidFill>
-                  <a:schemeClr val="lt1"/>
-                </a:solidFill>
-                <a:latin typeface="Courier New"/>
-                <a:ea typeface="Courier New"/>
-                <a:cs typeface="Courier New"/>
-                <a:sym typeface="Courier New"/>
-              </a:rPr>
-              <a:t> :</a:t>
-            </a:r>
-          </a:p>
-          <a:p>
-            <a:pPr marL="0" marR="0" lvl="0" indent="0" algn="l" rtl="0">
-              <a:lnSpc>
-                <a:spcPct val="100000"/>
-              </a:lnSpc>
-              <a:spcBef>
-                <a:spcPts val="0"/>
-              </a:spcBef>
-              <a:spcAft>
-                <a:spcPts val="0"/>
-              </a:spcAft>
-              <a:buClr>
-                <a:schemeClr val="lt1"/>
-              </a:buClr>
-              <a:buSzPct val="25000"/>
-              <a:buFont typeface="Courier New"/>
-              <a:buNone/>
-            </a:pPr>
-            <a:r>
-              <a:rPr lang="en-US" sz="2800" b="1" i="0" u="none" strike="noStrike" cap="none" dirty="0">
-                <a:solidFill>
-                  <a:schemeClr val="lt1"/>
-                </a:solidFill>
-                <a:latin typeface="Courier New"/>
-                <a:ea typeface="Courier New"/>
-                <a:cs typeface="Courier New"/>
-                <a:sym typeface="Courier New"/>
-              </a:rPr>
-              <a:t>    </a:t>
-            </a:r>
-            <a:r>
-              <a:rPr lang="en-US" sz="2800" b="1" i="0" u="none" strike="noStrike" cap="none" dirty="0">
-                <a:solidFill>
-                  <a:srgbClr val="00FF00"/>
-                </a:solidFill>
-                <a:latin typeface="Courier New"/>
-                <a:ea typeface="Courier New"/>
-                <a:cs typeface="Courier New"/>
-                <a:sym typeface="Courier New"/>
-              </a:rPr>
-              <a:t>counts</a:t>
-            </a:r>
-            <a:r>
-              <a:rPr lang="en-US" sz="2800" b="1" i="0" u="none" strike="noStrike" cap="none" dirty="0">
-                <a:solidFill>
-                  <a:srgbClr val="00FFFF"/>
-                </a:solidFill>
-                <a:latin typeface="Courier New"/>
-                <a:ea typeface="Courier New"/>
-                <a:cs typeface="Courier New"/>
-                <a:sym typeface="Courier New"/>
-              </a:rPr>
-              <a:t>[name]</a:t>
-            </a:r>
-            <a:r>
-              <a:rPr lang="en-US" sz="2800" b="1" i="0" u="none" strike="noStrike" cap="none" dirty="0">
-                <a:solidFill>
-                  <a:schemeClr val="lt1"/>
-                </a:solidFill>
-                <a:latin typeface="Courier New"/>
-                <a:ea typeface="Courier New"/>
-                <a:cs typeface="Courier New"/>
-                <a:sym typeface="Courier New"/>
-              </a:rPr>
-              <a:t> = </a:t>
-            </a:r>
-            <a:r>
-              <a:rPr lang="en-US" sz="2800" b="1" i="0" u="none" strike="noStrike" cap="none" dirty="0" err="1">
-                <a:solidFill>
-                  <a:srgbClr val="00FF00"/>
-                </a:solidFill>
-                <a:latin typeface="Courier New"/>
-                <a:ea typeface="Courier New"/>
-                <a:cs typeface="Courier New"/>
-                <a:sym typeface="Courier New"/>
-              </a:rPr>
-              <a:t>counts</a:t>
-            </a:r>
-            <a:r>
-              <a:rPr lang="en-US" sz="2800" b="1" i="0" u="none" strike="noStrike" cap="none" dirty="0" err="1">
-                <a:solidFill>
-                  <a:srgbClr val="FF00FF"/>
-                </a:solidFill>
-                <a:latin typeface="Courier New"/>
-                <a:ea typeface="Courier New"/>
-                <a:cs typeface="Courier New"/>
-                <a:sym typeface="Courier New"/>
-              </a:rPr>
-              <a:t>.get</a:t>
-            </a:r>
-            <a:r>
-              <a:rPr lang="en-US" sz="2800" b="1" i="0" u="none" strike="noStrike" cap="none" dirty="0">
-                <a:solidFill>
-                  <a:srgbClr val="00FF00"/>
-                </a:solidFill>
-                <a:latin typeface="Courier New"/>
-                <a:ea typeface="Courier New"/>
-                <a:cs typeface="Courier New"/>
-                <a:sym typeface="Courier New"/>
-              </a:rPr>
-              <a:t>(</a:t>
-            </a:r>
-            <a:r>
-              <a:rPr lang="en-US" sz="2800" b="1" i="0" u="none" strike="noStrike" cap="none" dirty="0">
-                <a:solidFill>
-                  <a:srgbClr val="00FFFF"/>
-                </a:solidFill>
-                <a:latin typeface="Courier New"/>
-                <a:ea typeface="Courier New"/>
-                <a:cs typeface="Courier New"/>
-                <a:sym typeface="Courier New"/>
-              </a:rPr>
-              <a:t>name, </a:t>
-            </a:r>
-            <a:r>
-              <a:rPr lang="en-US" sz="2800" b="1" i="0" u="none" strike="noStrike" cap="none" dirty="0">
-                <a:solidFill>
-                  <a:srgbClr val="FF7F00"/>
-                </a:solidFill>
-                <a:latin typeface="Courier New"/>
-                <a:ea typeface="Courier New"/>
-                <a:cs typeface="Courier New"/>
-                <a:sym typeface="Courier New"/>
-              </a:rPr>
-              <a:t>0</a:t>
-            </a:r>
-            <a:r>
-              <a:rPr lang="en-US" sz="2800" b="1" i="0" u="none" strike="noStrike" cap="none" dirty="0">
-                <a:solidFill>
-                  <a:srgbClr val="00FFFF"/>
-                </a:solidFill>
-                <a:latin typeface="Courier New"/>
-                <a:ea typeface="Courier New"/>
-                <a:cs typeface="Courier New"/>
-                <a:sym typeface="Courier New"/>
-              </a:rPr>
               <a:t>)</a:t>
             </a:r>
-            <a:r>
-              <a:rPr lang="en-US" sz="2800" b="1" i="0" u="none" strike="noStrike" cap="none" dirty="0">
-                <a:solidFill>
-                  <a:schemeClr val="lt1"/>
-                </a:solidFill>
-                <a:latin typeface="Courier New"/>
-                <a:ea typeface="Courier New"/>
-                <a:cs typeface="Courier New"/>
-                <a:sym typeface="Courier New"/>
-              </a:rPr>
-              <a:t> + 1</a:t>
-            </a:r>
-          </a:p>
-          <a:p>
-            <a:pPr marL="0" marR="0" lvl="0" indent="0" algn="l" rtl="0">
-              <a:lnSpc>
-                <a:spcPct val="100000"/>
-              </a:lnSpc>
-              <a:spcBef>
-                <a:spcPts val="0"/>
-              </a:spcBef>
-              <a:spcAft>
-                <a:spcPts val="0"/>
-              </a:spcAft>
-              <a:buClr>
-                <a:srgbClr val="FFFF00"/>
-              </a:buClr>
-              <a:buSzPct val="25000"/>
-              <a:buFont typeface="Courier New"/>
-              <a:buNone/>
-            </a:pPr>
-            <a:r>
-              <a:rPr lang="en-US" sz="2800" b="1" i="0" u="none" strike="noStrike" cap="none" dirty="0" smtClean="0">
-                <a:solidFill>
-                  <a:srgbClr val="FFFF00"/>
-                </a:solidFill>
-                <a:latin typeface="Courier New"/>
-                <a:ea typeface="Courier New"/>
-                <a:cs typeface="Courier New"/>
-                <a:sym typeface="Courier New"/>
-              </a:rPr>
-              <a:t>print(</a:t>
-            </a:r>
-            <a:r>
-              <a:rPr lang="en-US" sz="2800" b="1" i="0" u="none" strike="noStrike" cap="none" dirty="0" smtClean="0">
-                <a:solidFill>
-                  <a:srgbClr val="00FF00"/>
-                </a:solidFill>
-                <a:latin typeface="Courier New"/>
-                <a:ea typeface="Courier New"/>
-                <a:cs typeface="Courier New"/>
-                <a:sym typeface="Courier New"/>
-              </a:rPr>
-              <a:t>counts</a:t>
-            </a:r>
-            <a:r>
-              <a:rPr lang="en-US" sz="2800" b="1" i="0" u="none" strike="noStrike" cap="none" dirty="0" smtClean="0">
-                <a:solidFill>
-                  <a:srgbClr val="FFFF00"/>
-                </a:solidFill>
-                <a:latin typeface="Courier New"/>
-                <a:ea typeface="Courier New"/>
-                <a:cs typeface="Courier New"/>
-                <a:sym typeface="Courier New"/>
-              </a:rPr>
-              <a:t>)</a:t>
-            </a:r>
-            <a:endParaRPr lang="en-US" sz="2800" b="1" i="0" u="none" strike="noStrike" cap="none" dirty="0">
-              <a:solidFill>
-                <a:srgbClr val="FFFF00"/>
-              </a:solidFill>
-              <a:latin typeface="Courier New"/>
-              <a:ea typeface="Courier New"/>
-              <a:cs typeface="Courier New"/>
-              <a:sym typeface="Courier New"/>
-            </a:endParaRPr>
           </a:p>
         </p:txBody>
       </p:sp>
@@ -12687,8 +12096,8 @@
         </p:nvSpPr>
         <p:spPr>
           <a:xfrm>
-            <a:off x="6851650" y="7312399"/>
-            <a:ext cx="1466850" cy="622299"/>
+            <a:off x="6851649" y="7312399"/>
+            <a:ext cx="1991725" cy="622299"/>
           </a:xfrm>
           <a:prstGeom prst="rect">
             <a:avLst/>
@@ -12722,7 +12131,7 @@
               <a:buNone/>
             </a:pPr>
             <a:r>
-              <a:rPr lang="en-US" sz="3600" u="none" strike="noStrike" cap="none">
+              <a:rPr lang="es-419" sz="3600" u="none" strike="noStrike" cap="none" dirty="0">
                 <a:solidFill>
                   <a:srgbClr val="FF7F00"/>
                 </a:solidFill>
@@ -12731,7 +12140,7 @@
                 <a:cs typeface="Arial" charset="0"/>
                 <a:sym typeface="Cabin"/>
               </a:rPr>
-              <a:t>Default</a:t>
+              <a:t>Valor por defecto</a:t>
             </a:r>
           </a:p>
         </p:txBody>
@@ -12739,13 +12148,15 @@
       <p:cxnSp>
         <p:nvCxnSpPr>
           <p:cNvPr id="407" name="Shape 407"/>
-          <p:cNvCxnSpPr/>
+          <p:cNvCxnSpPr>
+            <a:cxnSpLocks/>
+          </p:cNvCxnSpPr>
           <p:nvPr/>
         </p:nvCxnSpPr>
         <p:spPr>
           <a:xfrm flipH="1">
-            <a:off x="7921474" y="5980624"/>
-            <a:ext cx="1405200" cy="1411200"/>
+            <a:off x="8029184" y="5862181"/>
+            <a:ext cx="3895594" cy="1340285"/>
           </a:xfrm>
           <a:prstGeom prst="straightConnector1">
             <a:avLst/>
@@ -12805,7 +12216,7 @@
               <a:buNone/>
             </a:pPr>
             <a:r>
-              <a:rPr lang="en-US" sz="3200" u="none" strike="noStrike" cap="none">
+              <a:rPr lang="es-419" sz="3200" u="none" strike="noStrike" cap="none">
                 <a:solidFill>
                   <a:srgbClr val="FF00FF"/>
                 </a:solidFill>
@@ -12817,7 +12228,7 @@
               <a:t>{</a:t>
             </a:r>
             <a:r>
-              <a:rPr lang="en-US" sz="3200" u="none" strike="noStrike" cap="none">
+              <a:rPr lang="es-419" sz="3200" u="none" strike="noStrike" cap="none">
                 <a:solidFill>
                   <a:srgbClr val="00FFFF"/>
                 </a:solidFill>
@@ -12829,7 +12240,7 @@
               <a:t>'csev'</a:t>
             </a:r>
             <a:r>
-              <a:rPr lang="en-US" sz="3200" u="none" strike="noStrike" cap="none">
+              <a:rPr lang="es-419" sz="3200" u="none" strike="noStrike" cap="none">
                 <a:solidFill>
                   <a:srgbClr val="FF00FF"/>
                 </a:solidFill>
@@ -12841,7 +12252,7 @@
               <a:t>: 2, </a:t>
             </a:r>
             <a:r>
-              <a:rPr lang="en-US" sz="3200" u="none" strike="noStrike" cap="none">
+              <a:rPr lang="es-419" sz="3200" u="none" strike="noStrike" cap="none">
                 <a:solidFill>
                   <a:srgbClr val="00FFFF"/>
                 </a:solidFill>
@@ -12853,7 +12264,7 @@
               <a:t>'zqian'</a:t>
             </a:r>
             <a:r>
-              <a:rPr lang="en-US" sz="3200" u="none" strike="noStrike" cap="none">
+              <a:rPr lang="es-419" sz="3200" u="none" strike="noStrike" cap="none">
                 <a:solidFill>
                   <a:srgbClr val="FF00FF"/>
                 </a:solidFill>
@@ -12865,7 +12276,7 @@
               <a:t>: 1,</a:t>
             </a:r>
             <a:r>
-              <a:rPr lang="en-US" sz="3200" u="none" strike="noStrike" cap="none">
+              <a:rPr lang="es-419" sz="3200" u="none" strike="noStrike" cap="none">
                 <a:solidFill>
                   <a:srgbClr val="00FFFF"/>
                 </a:solidFill>
@@ -12877,7 +12288,7 @@
               <a:t> 'cwen'</a:t>
             </a:r>
             <a:r>
-              <a:rPr lang="en-US" sz="3200" u="none" strike="noStrike" cap="none">
+              <a:rPr lang="es-419" sz="3200" u="none" strike="noStrike" cap="none">
                 <a:solidFill>
                   <a:srgbClr val="FF00FF"/>
                 </a:solidFill>
@@ -12896,13 +12307,6 @@
   <p:clrMapOvr>
     <a:masterClrMapping/>
   </p:clrMapOvr>
-  <p:timing>
-    <p:tnLst>
-      <p:par>
-        <p:cTn xmlns:p14="http://schemas.microsoft.com/office/powerpoint/2010/main" id="1" dur="indefinite" restart="never" nodeType="tmRoot"/>
-      </p:par>
-    </p:tnLst>
-  </p:timing>
 </p:sld>
 </file>
 
@@ -12938,8 +12342,8 @@
         </p:blipFill>
         <p:spPr>
           <a:xfrm>
-            <a:off x="11260136" y="2659673"/>
-            <a:ext cx="4638674" cy="3467099"/>
+            <a:off x="11890052" y="2844670"/>
+            <a:ext cx="4184122" cy="3127352"/>
           </a:xfrm>
           <a:prstGeom prst="rect">
             <a:avLst/>
@@ -12993,7 +12397,7 @@
               <a:buNone/>
             </a:pPr>
             <a:r>
-              <a:rPr lang="en-US" sz="3000" u="sng" strike="noStrike" cap="none" dirty="0">
+              <a:rPr lang="es-419" sz="3000" u="sng" strike="noStrike" cap="none">
                 <a:solidFill>
                   <a:srgbClr val="FFFF00"/>
                 </a:solidFill>
@@ -13016,8 +12420,8 @@
         </p:nvSpPr>
         <p:spPr>
           <a:xfrm>
-            <a:off x="508000" y="3281973"/>
-            <a:ext cx="10558462" cy="2154236"/>
+            <a:off x="181826" y="3331228"/>
+            <a:ext cx="11532862" cy="2154236"/>
           </a:xfrm>
           <a:prstGeom prst="rect">
             <a:avLst/>
@@ -13051,7 +12455,7 @@
               <a:buNone/>
             </a:pPr>
             <a:r>
-              <a:rPr lang="en-US" sz="2800" b="1" i="0" u="none" strike="noStrike" cap="none" dirty="0">
+              <a:rPr lang="es-419" sz="2800" b="1" i="0" u="none" strike="noStrike" cap="none" dirty="0">
                 <a:solidFill>
                   <a:srgbClr val="00FF00"/>
                 </a:solidFill>
@@ -13060,10 +12464,10 @@
                 <a:cs typeface="Courier New"/>
                 <a:sym typeface="Courier New"/>
               </a:rPr>
-              <a:t>counts</a:t>
-            </a:r>
-            <a:r>
-              <a:rPr lang="en-US" sz="2800" b="1" i="0" u="none" strike="noStrike" cap="none" dirty="0">
+              <a:t>contadores</a:t>
+            </a:r>
+            <a:r>
+              <a:rPr lang="es-419" sz="2800" b="1" i="0" u="none" strike="noStrike" cap="none" dirty="0">
                 <a:solidFill>
                   <a:schemeClr val="lt1"/>
                 </a:solidFill>
@@ -13075,7 +12479,7 @@
               <a:t> = </a:t>
             </a:r>
             <a:r>
-              <a:rPr lang="en-US" sz="2800" b="1" i="0" u="none" strike="noStrike" cap="none" dirty="0" err="1">
+              <a:rPr lang="es-419" sz="2800" b="1" i="0" u="none" strike="noStrike" cap="none" dirty="0" err="1">
                 <a:solidFill>
                   <a:srgbClr val="FF00FF"/>
                 </a:solidFill>
@@ -13087,7 +12491,7 @@
               <a:t>dict</a:t>
             </a:r>
             <a:r>
-              <a:rPr lang="en-US" sz="2800" b="1" i="0" u="none" strike="noStrike" cap="none" dirty="0">
+              <a:rPr lang="es-419" sz="2800" b="1" i="0" u="none" strike="noStrike" cap="none" dirty="0">
                 <a:solidFill>
                   <a:schemeClr val="lt1"/>
                 </a:solidFill>
@@ -13118,7 +12522,7 @@
               <a:buNone/>
             </a:pPr>
             <a:r>
-              <a:rPr lang="en-US" sz="2800" b="1" i="0" u="none" strike="noStrike" cap="none" dirty="0">
+              <a:rPr lang="es-419" sz="2800" b="1" i="0" u="none" strike="noStrike" cap="none" dirty="0">
                 <a:solidFill>
                   <a:srgbClr val="00FF00"/>
                 </a:solidFill>
@@ -13127,10 +12531,10 @@
                 <a:cs typeface="Courier New"/>
                 <a:sym typeface="Courier New"/>
               </a:rPr>
-              <a:t>names</a:t>
-            </a:r>
-            <a:r>
-              <a:rPr lang="en-US" sz="2800" b="1" i="0" u="none" strike="noStrike" cap="none" dirty="0">
+              <a:t>nombres</a:t>
+            </a:r>
+            <a:r>
+              <a:rPr lang="es-419" sz="2800" b="1" i="0" u="none" strike="noStrike" cap="none" dirty="0">
                 <a:solidFill>
                   <a:schemeClr val="lt1"/>
                 </a:solidFill>
@@ -13142,7 +12546,7 @@
               <a:t> = ['</a:t>
             </a:r>
             <a:r>
-              <a:rPr lang="en-US" sz="2800" b="1" i="0" u="none" strike="noStrike" cap="none" dirty="0" err="1">
+              <a:rPr lang="es-419" sz="2800" b="1" i="0" u="none" strike="noStrike" cap="none" dirty="0" err="1">
                 <a:solidFill>
                   <a:schemeClr val="lt1"/>
                 </a:solidFill>
@@ -13154,7 +12558,7 @@
               <a:t>csev</a:t>
             </a:r>
             <a:r>
-              <a:rPr lang="en-US" sz="2800" b="1" i="0" u="none" strike="noStrike" cap="none" dirty="0">
+              <a:rPr lang="es-419" sz="2800" b="1" i="0" u="none" strike="noStrike" cap="none" dirty="0">
                 <a:solidFill>
                   <a:schemeClr val="lt1"/>
                 </a:solidFill>
@@ -13166,7 +12570,7 @@
               <a:t>', '</a:t>
             </a:r>
             <a:r>
-              <a:rPr lang="en-US" sz="2800" b="1" i="0" u="none" strike="noStrike" cap="none" dirty="0" err="1">
+              <a:rPr lang="es-419" sz="2800" b="1" i="0" u="none" strike="noStrike" cap="none" dirty="0" err="1">
                 <a:solidFill>
                   <a:schemeClr val="lt1"/>
                 </a:solidFill>
@@ -13178,7 +12582,7 @@
               <a:t>cwen</a:t>
             </a:r>
             <a:r>
-              <a:rPr lang="en-US" sz="2800" b="1" i="0" u="none" strike="noStrike" cap="none" dirty="0">
+              <a:rPr lang="es-419" sz="2800" b="1" i="0" u="none" strike="noStrike" cap="none" dirty="0">
                 <a:solidFill>
                   <a:schemeClr val="lt1"/>
                 </a:solidFill>
@@ -13190,7 +12594,7 @@
               <a:t>', '</a:t>
             </a:r>
             <a:r>
-              <a:rPr lang="en-US" sz="2800" b="1" i="0" u="none" strike="noStrike" cap="none" dirty="0" err="1">
+              <a:rPr lang="es-419" sz="2800" b="1" i="0" u="none" strike="noStrike" cap="none" dirty="0" err="1">
                 <a:solidFill>
                   <a:schemeClr val="lt1"/>
                 </a:solidFill>
@@ -13202,7 +12606,7 @@
               <a:t>csev</a:t>
             </a:r>
             <a:r>
-              <a:rPr lang="en-US" sz="2800" b="1" i="0" u="none" strike="noStrike" cap="none" dirty="0">
+              <a:rPr lang="es-419" sz="2800" b="1" i="0" u="none" strike="noStrike" cap="none" dirty="0">
                 <a:solidFill>
                   <a:schemeClr val="lt1"/>
                 </a:solidFill>
@@ -13214,7 +12618,7 @@
               <a:t>', '</a:t>
             </a:r>
             <a:r>
-              <a:rPr lang="en-US" sz="2800" b="1" i="0" u="none" strike="noStrike" cap="none" dirty="0" err="1">
+              <a:rPr lang="es-419" sz="2800" b="1" i="0" u="none" strike="noStrike" cap="none" dirty="0" err="1">
                 <a:solidFill>
                   <a:schemeClr val="lt1"/>
                 </a:solidFill>
@@ -13226,7 +12630,7 @@
               <a:t>zqian</a:t>
             </a:r>
             <a:r>
-              <a:rPr lang="en-US" sz="2800" b="1" i="0" u="none" strike="noStrike" cap="none" dirty="0">
+              <a:rPr lang="es-419" sz="2800" b="1" i="0" u="none" strike="noStrike" cap="none" dirty="0">
                 <a:solidFill>
                   <a:schemeClr val="lt1"/>
                 </a:solidFill>
@@ -13238,7 +12642,7 @@
               <a:t>', '</a:t>
             </a:r>
             <a:r>
-              <a:rPr lang="en-US" sz="2800" b="1" i="0" u="none" strike="noStrike" cap="none" dirty="0" err="1">
+              <a:rPr lang="es-419" sz="2800" b="1" i="0" u="none" strike="noStrike" cap="none" dirty="0" err="1">
                 <a:solidFill>
                   <a:schemeClr val="lt1"/>
                 </a:solidFill>
@@ -13250,7 +12654,7 @@
               <a:t>cwen</a:t>
             </a:r>
             <a:r>
-              <a:rPr lang="en-US" sz="2800" b="1" i="0" u="none" strike="noStrike" cap="none" dirty="0">
+              <a:rPr lang="es-419" sz="2800" b="1" i="0" u="none" strike="noStrike" cap="none" dirty="0">
                 <a:solidFill>
                   <a:schemeClr val="lt1"/>
                 </a:solidFill>
@@ -13281,7 +12685,7 @@
               <a:buNone/>
             </a:pPr>
             <a:r>
-              <a:rPr lang="en-US" sz="2800" b="1" i="0" u="none" strike="noStrike" cap="none" dirty="0">
+              <a:rPr lang="es-419" sz="2800" b="1" i="0" u="none" strike="noStrike" cap="none" dirty="0" err="1">
                 <a:solidFill>
                   <a:srgbClr val="FFFF00"/>
                 </a:solidFill>
@@ -13293,7 +12697,7 @@
               <a:t>for</a:t>
             </a:r>
             <a:r>
-              <a:rPr lang="en-US" sz="2800" b="1" i="0" u="none" strike="noStrike" cap="none" dirty="0">
+              <a:rPr lang="es-419" sz="2800" b="1" i="0" u="none" strike="noStrike" cap="none" dirty="0">
                 <a:solidFill>
                   <a:schemeClr val="lt1"/>
                 </a:solidFill>
@@ -13305,7 +12709,7 @@
               <a:t> </a:t>
             </a:r>
             <a:r>
-              <a:rPr lang="en-US" sz="2800" b="1" i="0" u="none" strike="noStrike" cap="none" dirty="0">
+              <a:rPr lang="es-419" sz="2800" b="1" i="0" u="none" strike="noStrike" cap="none" dirty="0">
                 <a:solidFill>
                   <a:srgbClr val="00FF00"/>
                 </a:solidFill>
@@ -13314,10 +12718,10 @@
                 <a:cs typeface="Courier New"/>
                 <a:sym typeface="Courier New"/>
               </a:rPr>
-              <a:t>name</a:t>
-            </a:r>
-            <a:r>
-              <a:rPr lang="en-US" sz="2800" b="1" i="0" u="none" strike="noStrike" cap="none" dirty="0">
+              <a:t>nombre</a:t>
+            </a:r>
+            <a:r>
+              <a:rPr lang="es-419" sz="2800" b="1" i="0" u="none" strike="noStrike" cap="none" dirty="0">
                 <a:solidFill>
                   <a:schemeClr val="lt1"/>
                 </a:solidFill>
@@ -13329,7 +12733,7 @@
               <a:t> </a:t>
             </a:r>
             <a:r>
-              <a:rPr lang="en-US" sz="2800" b="1" i="0" u="none" strike="noStrike" cap="none" dirty="0">
+              <a:rPr lang="es-419" sz="2800" b="1" i="0" u="none" strike="noStrike" cap="none" dirty="0">
                 <a:solidFill>
                   <a:srgbClr val="FFFF00"/>
                 </a:solidFill>
@@ -13341,7 +12745,7 @@
               <a:t>in</a:t>
             </a:r>
             <a:r>
-              <a:rPr lang="en-US" sz="2800" b="1" i="0" u="none" strike="noStrike" cap="none" dirty="0">
+              <a:rPr lang="es-419" sz="2800" b="1" i="0" u="none" strike="noStrike" cap="none" dirty="0">
                 <a:solidFill>
                   <a:schemeClr val="lt1"/>
                 </a:solidFill>
@@ -13353,7 +12757,7 @@
               <a:t> </a:t>
             </a:r>
             <a:r>
-              <a:rPr lang="en-US" sz="2800" b="1" i="0" u="none" strike="noStrike" cap="none" dirty="0">
+              <a:rPr lang="es-419" sz="2800" b="1" i="0" u="none" strike="noStrike" cap="none" dirty="0">
                 <a:solidFill>
                   <a:srgbClr val="00FF00"/>
                 </a:solidFill>
@@ -13362,10 +12766,10 @@
                 <a:cs typeface="Courier New"/>
                 <a:sym typeface="Courier New"/>
               </a:rPr>
-              <a:t>names</a:t>
-            </a:r>
-            <a:r>
-              <a:rPr lang="en-US" sz="2800" b="1" i="0" u="none" strike="noStrike" cap="none" dirty="0">
+              <a:t>nombres</a:t>
+            </a:r>
+            <a:r>
+              <a:rPr lang="es-419" sz="2800" b="1" i="0" u="none" strike="noStrike" cap="none" dirty="0">
                 <a:solidFill>
                   <a:schemeClr val="lt1"/>
                 </a:solidFill>
@@ -13378,176 +12782,154 @@
             </a:r>
           </a:p>
           <a:p>
-            <a:pPr marL="0" marR="0" lvl="0" indent="0" algn="l" rtl="0">
-              <a:lnSpc>
-                <a:spcPct val="100000"/>
-              </a:lnSpc>
-              <a:spcBef>
-                <a:spcPts val="0"/>
-              </a:spcBef>
-              <a:spcAft>
-                <a:spcPts val="0"/>
-              </a:spcAft>
-              <a:buClr>
-                <a:schemeClr val="lt1"/>
-              </a:buClr>
-              <a:buSzPct val="25000"/>
-              <a:buFont typeface="Courier New"/>
-              <a:buNone/>
-            </a:pPr>
-            <a:r>
-              <a:rPr lang="en-US" sz="2800" b="1" i="0" u="none" strike="noStrike" cap="none" dirty="0">
-                <a:solidFill>
-                  <a:schemeClr val="lt1"/>
-                </a:solidFill>
-                <a:latin typeface="Courier New"/>
-                <a:ea typeface="Courier New"/>
-                <a:cs typeface="Courier New"/>
-                <a:sym typeface="Courier New"/>
-              </a:rPr>
-              <a:t>    </a:t>
-            </a:r>
-            <a:r>
-              <a:rPr lang="en-US" sz="2800" b="1" i="0" u="none" strike="noStrike" cap="none" dirty="0">
-                <a:solidFill>
-                  <a:srgbClr val="00FF00"/>
-                </a:solidFill>
-                <a:latin typeface="Courier New"/>
-                <a:ea typeface="Courier New"/>
-                <a:cs typeface="Courier New"/>
-                <a:sym typeface="Courier New"/>
-              </a:rPr>
-              <a:t>counts</a:t>
-            </a:r>
-            <a:r>
-              <a:rPr lang="en-US" sz="2800" b="1" i="0" u="none" strike="noStrike" cap="none" dirty="0">
-                <a:solidFill>
-                  <a:srgbClr val="00FFFF"/>
-                </a:solidFill>
-                <a:latin typeface="Courier New"/>
-                <a:ea typeface="Courier New"/>
-                <a:cs typeface="Courier New"/>
-                <a:sym typeface="Courier New"/>
-              </a:rPr>
-              <a:t>[name]</a:t>
-            </a:r>
-            <a:r>
-              <a:rPr lang="en-US" sz="2800" b="1" i="0" u="none" strike="noStrike" cap="none" dirty="0">
-                <a:solidFill>
-                  <a:schemeClr val="lt1"/>
-                </a:solidFill>
-                <a:latin typeface="Courier New"/>
-                <a:ea typeface="Courier New"/>
-                <a:cs typeface="Courier New"/>
-                <a:sym typeface="Courier New"/>
-              </a:rPr>
-              <a:t> = </a:t>
-            </a:r>
-            <a:r>
-              <a:rPr lang="en-US" sz="2800" b="1" i="0" u="none" strike="noStrike" cap="none" dirty="0" err="1">
-                <a:solidFill>
-                  <a:srgbClr val="00FF00"/>
-                </a:solidFill>
-                <a:latin typeface="Courier New"/>
-                <a:ea typeface="Courier New"/>
-                <a:cs typeface="Courier New"/>
-                <a:sym typeface="Courier New"/>
-              </a:rPr>
-              <a:t>counts</a:t>
-            </a:r>
-            <a:r>
-              <a:rPr lang="en-US" sz="2800" b="1" i="0" u="none" strike="noStrike" cap="none" dirty="0" err="1">
-                <a:solidFill>
-                  <a:srgbClr val="FF00FF"/>
-                </a:solidFill>
-                <a:latin typeface="Courier New"/>
-                <a:ea typeface="Courier New"/>
-                <a:cs typeface="Courier New"/>
-                <a:sym typeface="Courier New"/>
-              </a:rPr>
-              <a:t>.get</a:t>
-            </a:r>
-            <a:r>
-              <a:rPr lang="en-US" sz="2800" b="1" i="0" u="none" strike="noStrike" cap="none" dirty="0">
-                <a:solidFill>
-                  <a:srgbClr val="00FF00"/>
-                </a:solidFill>
-                <a:latin typeface="Courier New"/>
-                <a:ea typeface="Courier New"/>
-                <a:cs typeface="Courier New"/>
-                <a:sym typeface="Courier New"/>
-              </a:rPr>
-              <a:t>(</a:t>
-            </a:r>
-            <a:r>
-              <a:rPr lang="en-US" sz="2800" b="1" i="0" u="none" strike="noStrike" cap="none" dirty="0">
-                <a:solidFill>
-                  <a:srgbClr val="00FFFF"/>
-                </a:solidFill>
-                <a:latin typeface="Courier New"/>
-                <a:ea typeface="Courier New"/>
-                <a:cs typeface="Courier New"/>
-                <a:sym typeface="Courier New"/>
-              </a:rPr>
-              <a:t>name, </a:t>
-            </a:r>
-            <a:r>
-              <a:rPr lang="en-US" sz="2800" b="1" i="0" u="none" strike="noStrike" cap="none" dirty="0">
-                <a:solidFill>
-                  <a:srgbClr val="FF7F00"/>
-                </a:solidFill>
-                <a:latin typeface="Courier New"/>
-                <a:ea typeface="Courier New"/>
-                <a:cs typeface="Courier New"/>
-                <a:sym typeface="Courier New"/>
-              </a:rPr>
-              <a:t>0</a:t>
-            </a:r>
-            <a:r>
-              <a:rPr lang="en-US" sz="2800" b="1" i="0" u="none" strike="noStrike" cap="none" dirty="0">
-                <a:solidFill>
-                  <a:srgbClr val="00FFFF"/>
-                </a:solidFill>
-                <a:latin typeface="Courier New"/>
-                <a:ea typeface="Courier New"/>
-                <a:cs typeface="Courier New"/>
-                <a:sym typeface="Courier New"/>
-              </a:rPr>
-              <a:t>)</a:t>
-            </a:r>
-            <a:r>
-              <a:rPr lang="en-US" sz="2800" b="1" i="0" u="none" strike="noStrike" cap="none" dirty="0">
-                <a:solidFill>
-                  <a:schemeClr val="lt1"/>
-                </a:solidFill>
-                <a:latin typeface="Courier New"/>
-                <a:ea typeface="Courier New"/>
-                <a:cs typeface="Courier New"/>
-                <a:sym typeface="Courier New"/>
-              </a:rPr>
-              <a:t> + 1</a:t>
-            </a:r>
-          </a:p>
-          <a:p>
-            <a:pPr marL="0" marR="0" lvl="0" indent="0" algn="l" rtl="0">
-              <a:lnSpc>
-                <a:spcPct val="100000"/>
-              </a:lnSpc>
-              <a:spcBef>
-                <a:spcPts val="0"/>
-              </a:spcBef>
-              <a:spcAft>
-                <a:spcPts val="0"/>
-              </a:spcAft>
+            <a:pPr lvl="0">
               <a:buClr>
                 <a:srgbClr val="FFFF00"/>
               </a:buClr>
               <a:buSzPct val="25000"/>
-              <a:buFont typeface="Courier New"/>
-              <a:buNone/>
             </a:pPr>
             <a:r>
-              <a:rPr lang="en-US" sz="2800" b="1" i="0" u="none" strike="noStrike" cap="none" dirty="0" smtClean="0">
+              <a:rPr lang="es-419" sz="2800" b="1" dirty="0">
+                <a:solidFill>
+                  <a:schemeClr val="lt1"/>
+                </a:solidFill>
+                <a:latin typeface="Courier New"/>
+                <a:ea typeface="Courier New"/>
+                <a:cs typeface="Courier New"/>
+                <a:sym typeface="Courier New"/>
+              </a:rPr>
+              <a:t>    </a:t>
+            </a:r>
+            <a:r>
+              <a:rPr lang="es-419" sz="2800" b="1" dirty="0">
+                <a:solidFill>
+                  <a:srgbClr val="00FF00"/>
+                </a:solidFill>
+                <a:latin typeface="Courier New"/>
+                <a:ea typeface="Courier New"/>
+                <a:cs typeface="Courier New"/>
+                <a:sym typeface="Courier New"/>
+              </a:rPr>
+              <a:t>contadores</a:t>
+            </a:r>
+            <a:r>
+              <a:rPr lang="es-419" sz="2800" b="1" i="0" u="none" strike="noStrike" cap="none" dirty="0">
+                <a:solidFill>
+                  <a:srgbClr val="00FFFF"/>
+                </a:solidFill>
+                <a:latin typeface="Courier New"/>
+                <a:ea typeface="Courier New"/>
+                <a:cs typeface="Courier New"/>
+                <a:sym typeface="Courier New"/>
+              </a:rPr>
+              <a:t>[nombre]</a:t>
+            </a:r>
+            <a:r>
+              <a:rPr lang="es-419" sz="2800" b="1" i="0" u="none" strike="noStrike" cap="none" dirty="0">
+                <a:solidFill>
+                  <a:schemeClr val="lt1"/>
+                </a:solidFill>
+                <a:latin typeface="Courier New"/>
+                <a:ea typeface="Courier New"/>
+                <a:cs typeface="Courier New"/>
+                <a:sym typeface="Courier New"/>
+              </a:rPr>
+              <a:t> = </a:t>
+            </a:r>
+            <a:r>
+              <a:rPr lang="es-419" sz="2800" b="1" dirty="0" err="1">
+                <a:solidFill>
+                  <a:srgbClr val="00FF00"/>
+                </a:solidFill>
+                <a:latin typeface="Courier New"/>
+                <a:ea typeface="Courier New"/>
+                <a:cs typeface="Courier New"/>
+                <a:sym typeface="Courier New"/>
+              </a:rPr>
+              <a:t>contadores</a:t>
+            </a:r>
+            <a:r>
+              <a:rPr lang="es-419" sz="2800" b="1" i="0" u="none" strike="noStrike" cap="none" dirty="0" err="1">
+                <a:solidFill>
+                  <a:srgbClr val="FF00FF"/>
+                </a:solidFill>
+                <a:latin typeface="Courier New"/>
+                <a:ea typeface="Courier New"/>
+                <a:cs typeface="Courier New"/>
+                <a:sym typeface="Courier New"/>
+              </a:rPr>
+              <a:t>.get</a:t>
+            </a:r>
+            <a:r>
+              <a:rPr lang="es-419" sz="2800" b="1" i="0" u="none" strike="noStrike" cap="none" dirty="0">
+                <a:solidFill>
+                  <a:srgbClr val="00FF00"/>
+                </a:solidFill>
+                <a:latin typeface="Courier New"/>
+                <a:ea typeface="Courier New"/>
+                <a:cs typeface="Courier New"/>
+                <a:sym typeface="Courier New"/>
+              </a:rPr>
+              <a:t>(</a:t>
+            </a:r>
+            <a:r>
+              <a:rPr lang="es-419" sz="2800" b="1" i="0" u="none" strike="noStrike" cap="none" dirty="0">
+                <a:solidFill>
+                  <a:srgbClr val="00FFFF"/>
+                </a:solidFill>
+                <a:latin typeface="Courier New"/>
+                <a:ea typeface="Courier New"/>
+                <a:cs typeface="Courier New"/>
+                <a:sym typeface="Courier New"/>
+              </a:rPr>
+              <a:t>nombre, </a:t>
+            </a:r>
+            <a:r>
+              <a:rPr lang="es-419" sz="2800" b="1" i="0" u="none" strike="noStrike" cap="none" dirty="0">
+                <a:solidFill>
+                  <a:srgbClr val="FF7F00"/>
+                </a:solidFill>
+                <a:latin typeface="Courier New"/>
+                <a:ea typeface="Courier New"/>
+                <a:cs typeface="Courier New"/>
+                <a:sym typeface="Courier New"/>
+              </a:rPr>
+              <a:t>0</a:t>
+            </a:r>
+            <a:r>
+              <a:rPr lang="es-419" sz="2800" b="1" i="0" u="none" strike="noStrike" cap="none" dirty="0">
+                <a:solidFill>
+                  <a:srgbClr val="00FFFF"/>
+                </a:solidFill>
+                <a:latin typeface="Courier New"/>
+                <a:ea typeface="Courier New"/>
+                <a:cs typeface="Courier New"/>
+                <a:sym typeface="Courier New"/>
+              </a:rPr>
+              <a:t>)</a:t>
+            </a:r>
+            <a:r>
+              <a:rPr lang="es-419" sz="2800" b="1" i="0" u="none" strike="noStrike" cap="none" dirty="0">
+                <a:solidFill>
+                  <a:schemeClr val="lt1"/>
+                </a:solidFill>
+                <a:latin typeface="Courier New"/>
+                <a:ea typeface="Courier New"/>
+                <a:cs typeface="Courier New"/>
+                <a:sym typeface="Courier New"/>
+              </a:rPr>
+              <a:t> + 1</a:t>
+            </a:r>
+          </a:p>
+          <a:p>
+            <a:pPr lvl="0">
+              <a:buClr>
+                <a:srgbClr val="FFFF00"/>
+              </a:buClr>
+              <a:buSzPct val="25000"/>
+            </a:pPr>
+            <a:r>
+              <a:rPr lang="es-419" sz="2800" b="1" i="0" u="none" strike="noStrike" cap="none" dirty="0" err="1">
                 <a:solidFill>
                   <a:srgbClr val="FFFF00"/>
                 </a:solidFill>
@@ -13556,10 +12938,22 @@
                 <a:cs typeface="Courier New"/>
                 <a:sym typeface="Courier New"/>
               </a:rPr>
-              <a:t>print(</a:t>
-            </a:r>
-            <a:r>
-              <a:rPr lang="en-US" sz="2800" b="1" i="0" u="none" strike="noStrike" cap="none" dirty="0" smtClean="0">
+              <a:t>print</a:t>
+            </a:r>
+            <a:r>
+              <a:rPr lang="es-419" sz="2800" b="1" i="0" u="none" strike="noStrike" cap="none" dirty="0">
+                <a:solidFill>
+                  <a:srgbClr val="FFFF00"/>
+                </a:solidFill>
+                <a:latin typeface="Courier New"/>
+                <a:ea typeface="Courier New"/>
+                <a:cs typeface="Courier New"/>
+                <a:sym typeface="Courier New"/>
+              </a:rPr>
+              <a:t>(</a:t>
+            </a:r>
+            <a:r>
+              <a:rPr lang="es-419" sz="2800" b="1" dirty="0">
                 <a:solidFill>
                   <a:srgbClr val="00FF00"/>
                 </a:solidFill>
@@ -13568,10 +12962,10 @@
                 <a:cs typeface="Courier New"/>
                 <a:sym typeface="Courier New"/>
               </a:rPr>
-              <a:t>counts</a:t>
-            </a:r>
-            <a:r>
-              <a:rPr lang="en-US" sz="2800" b="1" i="0" u="none" strike="noStrike" cap="none" dirty="0" smtClean="0">
+              <a:t>contadores</a:t>
+            </a:r>
+            <a:r>
+              <a:rPr lang="es-419" sz="2800" b="1" i="0" u="none" strike="noStrike" cap="none" dirty="0">
                 <a:solidFill>
                   <a:srgbClr val="FFFF00"/>
                 </a:solidFill>
@@ -13582,15 +12976,6 @@
               </a:rPr>
               <a:t>)</a:t>
             </a:r>
-            <a:endParaRPr lang="en-US" sz="2800" b="1" i="0" u="none" strike="noStrike" cap="none" dirty="0">
-              <a:solidFill>
-                <a:srgbClr val="FFFF00"/>
-              </a:solidFill>
-              <a:latin typeface="Courier New"/>
-              <a:ea typeface="Courier New"/>
-              <a:cs typeface="Courier New"/>
-              <a:sym typeface="Courier New"/>
-            </a:endParaRPr>
           </a:p>
         </p:txBody>
       </p:sp>
@@ -13606,8 +12991,8 @@
         </p:nvSpPr>
         <p:spPr>
           <a:xfrm>
-            <a:off x="632178" y="933626"/>
-            <a:ext cx="14991644" cy="1247721"/>
+            <a:off x="0" y="933626"/>
+            <a:ext cx="16256000" cy="1247721"/>
           </a:xfrm>
           <a:prstGeom prst="rect">
             <a:avLst/>
@@ -13641,7 +13026,7 @@
               <a:buNone/>
             </a:pPr>
             <a:r>
-              <a:rPr lang="en-US" sz="7750" u="none" strike="noStrike" cap="none" dirty="0">
+              <a:rPr lang="es-419" sz="7750" u="none" strike="noStrike" cap="none" dirty="0">
                 <a:solidFill>
                   <a:srgbClr val="FFFF00"/>
                 </a:solidFill>
@@ -13650,46 +13035,22 @@
                 <a:cs typeface="Arial" charset="0"/>
                 <a:sym typeface="Cabin"/>
               </a:rPr>
-              <a:t>Simplified </a:t>
-            </a:r>
-            <a:r>
-              <a:rPr lang="en-US" sz="7750" u="none" strike="noStrike" cap="none" dirty="0" smtClean="0">
-                <a:solidFill>
-                  <a:srgbClr val="FFFF00"/>
+              <a:t>Conteo Simplificado usando </a:t>
+            </a:r>
+            <a:r>
+              <a:rPr lang="es-419" sz="7750" u="none" strike="noStrike" cap="none" dirty="0" err="1">
+                <a:solidFill>
+                  <a:srgbClr val="FF00FF"/>
                 </a:solidFill>
                 <a:latin typeface="Arial" charset="0"/>
                 <a:ea typeface="Arial" charset="0"/>
                 <a:cs typeface="Arial" charset="0"/>
                 <a:sym typeface="Cabin"/>
               </a:rPr>
-              <a:t>Counting </a:t>
-            </a:r>
-            <a:r>
-              <a:rPr lang="en-US" sz="7750" u="none" strike="noStrike" cap="none" dirty="0">
-                <a:solidFill>
-                  <a:srgbClr val="FFFF00"/>
-                </a:solidFill>
-                <a:latin typeface="Arial" charset="0"/>
-                <a:ea typeface="Arial" charset="0"/>
-                <a:cs typeface="Arial" charset="0"/>
-                <a:sym typeface="Cabin"/>
-              </a:rPr>
-              <a:t>with </a:t>
-            </a:r>
-            <a:r>
-              <a:rPr lang="en-US" sz="7750" u="none" strike="noStrike" cap="none" dirty="0">
-                <a:solidFill>
-                  <a:srgbClr val="FF00FF"/>
-                </a:solidFill>
-                <a:latin typeface="Arial" charset="0"/>
-                <a:ea typeface="Arial" charset="0"/>
-                <a:cs typeface="Arial" charset="0"/>
-                <a:sym typeface="Cabin"/>
-              </a:rPr>
               <a:t>get</a:t>
             </a:r>
             <a:r>
-              <a:rPr lang="en-US" sz="7750" u="none" strike="noStrike" cap="none" dirty="0">
+              <a:rPr lang="es-419" sz="7750" u="none" strike="noStrike" cap="none" dirty="0">
                 <a:solidFill>
                   <a:srgbClr val="FFFF00"/>
                 </a:solidFill>
@@ -13708,13 +13069,6 @@
   <p:clrMapOvr>
     <a:masterClrMapping/>
   </p:clrMapOvr>
-  <p:timing>
-    <p:tnLst>
-      <p:par>
-        <p:cTn xmlns:p14="http://schemas.microsoft.com/office/powerpoint/2010/main" id="1" dur="indefinite" restart="never" nodeType="tmRoot"/>
-      </p:par>
-    </p:tnLst>
-  </p:timing>
 </p:sld>
 </file>
 
